--- a/reviewly/reviewly_libra.pptx
+++ b/reviewly/reviewly_libra.pptx
@@ -6,14 +6,22 @@
   </p:sldMasterIdLst>
   <p:sldIdLst>
     <p:sldId id="256" r:id="rId2"/>
-    <p:sldId id="258" r:id="rId3"/>
-    <p:sldId id="260" r:id="rId4"/>
-    <p:sldId id="261" r:id="rId5"/>
-    <p:sldId id="257" r:id="rId6"/>
-    <p:sldId id="262" r:id="rId7"/>
-    <p:sldId id="263" r:id="rId8"/>
-    <p:sldId id="259" r:id="rId9"/>
-    <p:sldId id="264" r:id="rId10"/>
+    <p:sldId id="260" r:id="rId3"/>
+    <p:sldId id="270" r:id="rId4"/>
+    <p:sldId id="257" r:id="rId5"/>
+    <p:sldId id="258" r:id="rId6"/>
+    <p:sldId id="264" r:id="rId7"/>
+    <p:sldId id="273" r:id="rId8"/>
+    <p:sldId id="271" r:id="rId9"/>
+    <p:sldId id="272" r:id="rId10"/>
+    <p:sldId id="265" r:id="rId11"/>
+    <p:sldId id="266" r:id="rId12"/>
+    <p:sldId id="267" r:id="rId13"/>
+    <p:sldId id="268" r:id="rId14"/>
+    <p:sldId id="262" r:id="rId15"/>
+    <p:sldId id="274" r:id="rId16"/>
+    <p:sldId id="263" r:id="rId17"/>
+    <p:sldId id="259" r:id="rId18"/>
   </p:sldIdLst>
   <p:sldSz cx="12192000" cy="6858000"/>
   <p:notesSz cx="6858000" cy="9144000"/>
@@ -292,7 +300,7 @@
             <a:fld id="{37232C88-828D-A549-88E7-285AB1C5D9FF}" type="datetimeFigureOut">
               <a:rPr lang="en-US" smtClean="0"/>
               <a:pPr/>
-              <a:t>7/28/2018</a:t>
+              <a:t>7/29/2018</a:t>
             </a:fld>
             <a:endParaRPr lang="en-US"/>
           </a:p>
@@ -618,7 +626,7 @@
             <a:fld id="{37232C88-828D-A549-88E7-285AB1C5D9FF}" type="datetimeFigureOut">
               <a:rPr lang="en-US" smtClean="0"/>
               <a:pPr/>
-              <a:t>7/28/2018</a:t>
+              <a:t>7/29/2018</a:t>
             </a:fld>
             <a:endParaRPr lang="en-US"/>
           </a:p>
@@ -903,7 +911,7 @@
           <a:p>
             <a:fld id="{37232C88-828D-A549-88E7-285AB1C5D9FF}" type="datetimeFigureOut">
               <a:rPr lang="en-US" smtClean="0"/>
-              <a:t>7/28/2018</a:t>
+              <a:t>7/29/2018</a:t>
             </a:fld>
             <a:endParaRPr lang="en-US"/>
           </a:p>
@@ -1334,11 +1342,7 @@
           <a:p>
             <a:pPr algn="l"/>
             <a:r>
-              <a:rPr lang="en-US" dirty="0">
-                <a:solidFill>
-                  <a:srgbClr val="FF0000"/>
-                </a:solidFill>
-              </a:rPr>
+              <a:rPr lang="en-US" dirty="0"/>
               <a:t>REVIEWLY</a:t>
             </a:r>
           </a:p>
@@ -1360,7 +1364,12 @@
             <p:ph type="subTitle" idx="1"/>
           </p:nvPr>
         </p:nvSpPr>
-        <p:spPr/>
+        <p:spPr>
+          <a:xfrm>
+            <a:off x="4486274" y="3657600"/>
+            <a:ext cx="6648758" cy="1600200"/>
+          </a:xfrm>
+        </p:spPr>
         <p:txBody>
           <a:bodyPr>
             <a:normAutofit fontScale="92500" lnSpcReduction="10000"/>
@@ -1379,67 +1388,46 @@
               <a:buChar char="•"/>
             </a:pPr>
             <a:r>
-              <a:rPr lang="en-US" dirty="0">
-                <a:solidFill>
-                  <a:srgbClr val="002060"/>
-                </a:solidFill>
-              </a:rPr>
-              <a:t>Ephraim </a:t>
-            </a:r>
-            <a:r>
-              <a:rPr lang="en-US" dirty="0" err="1">
-                <a:solidFill>
-                  <a:srgbClr val="002060"/>
-                </a:solidFill>
-              </a:rPr>
-              <a:t>Schoeburn</a:t>
-            </a:r>
-            <a:endParaRPr lang="en-US" dirty="0">
-              <a:solidFill>
-                <a:srgbClr val="002060"/>
-              </a:solidFill>
-            </a:endParaRPr>
+              <a:rPr lang="en-US" dirty="0"/>
+              <a:t>Mike </a:t>
+            </a:r>
+            <a:r>
+              <a:rPr lang="en-US" dirty="0" err="1"/>
+              <a:t>DiPalma</a:t>
+            </a:r>
+            <a:endParaRPr lang="en-US" dirty="0"/>
+          </a:p>
+          <a:p>
+            <a:pPr marL="342900" indent="-342900">
+              <a:buFont typeface="Arial" panose="020B0604020202020204" pitchFamily="34" charset="0"/>
+              <a:buChar char="•"/>
+            </a:pPr>
+            <a:r>
+              <a:rPr lang="en-US" dirty="0"/>
+              <a:t>Yashwanth Kumar </a:t>
+            </a:r>
+            <a:r>
+              <a:rPr lang="en-US" dirty="0" err="1"/>
+              <a:t>Pamidimukkala</a:t>
+            </a:r>
+            <a:endParaRPr lang="en-US" dirty="0"/>
+          </a:p>
+          <a:p>
+            <a:pPr marL="342900" indent="-342900">
+              <a:buFont typeface="Arial" panose="020B0604020202020204" pitchFamily="34" charset="0"/>
+              <a:buChar char="•"/>
+            </a:pPr>
+            <a:r>
+              <a:rPr lang="en-US" dirty="0"/>
+              <a:t>Ephraim Schoenbrun</a:t>
+            </a:r>
           </a:p>
           <a:p>
             <a:pPr marL="342900" indent="-342900" algn="l">
               <a:buFont typeface="Arial" panose="020B0604020202020204" pitchFamily="34" charset="0"/>
               <a:buChar char="•"/>
             </a:pPr>
-            <a:r>
-              <a:rPr lang="en-US" dirty="0">
-                <a:solidFill>
-                  <a:srgbClr val="002060"/>
-                </a:solidFill>
-              </a:rPr>
-              <a:t>Mike </a:t>
-            </a:r>
-            <a:r>
-              <a:rPr lang="en-US" dirty="0" err="1">
-                <a:solidFill>
-                  <a:srgbClr val="002060"/>
-                </a:solidFill>
-              </a:rPr>
-              <a:t>Dipalma</a:t>
-            </a:r>
-            <a:endParaRPr lang="en-US" dirty="0">
-              <a:solidFill>
-                <a:srgbClr val="002060"/>
-              </a:solidFill>
-            </a:endParaRPr>
-          </a:p>
-          <a:p>
-            <a:pPr marL="342900" indent="-342900" algn="l">
-              <a:buFont typeface="Arial" panose="020B0604020202020204" pitchFamily="34" charset="0"/>
-              <a:buChar char="•"/>
-            </a:pPr>
-            <a:r>
-              <a:rPr lang="en-US" dirty="0">
-                <a:solidFill>
-                  <a:srgbClr val="002060"/>
-                </a:solidFill>
-              </a:rPr>
-              <a:t>Yashwanth Kumar Pamidimukkala</a:t>
-            </a:r>
+            <a:endParaRPr lang="en-US" dirty="0"/>
           </a:p>
           <a:p>
             <a:pPr marL="342900" indent="-342900" algn="l">
@@ -1454,6 +1442,4630 @@
     <p:extLst>
       <p:ext uri="{BB962C8B-B14F-4D97-AF65-F5344CB8AC3E}">
         <p14:creationId xmlns:p14="http://schemas.microsoft.com/office/powerpoint/2010/main" val="3693877166"/>
+      </p:ext>
+    </p:extLst>
+  </p:cSld>
+  <p:clrMapOvr>
+    <a:masterClrMapping/>
+  </p:clrMapOvr>
+</p:sld>
+</file>
+
+<file path=ppt/slides/slide10.xml><?xml version="1.0" encoding="utf-8"?>
+<p:sld xmlns:a="http://schemas.openxmlformats.org/drawingml/2006/main" xmlns:r="http://schemas.openxmlformats.org/officeDocument/2006/relationships" xmlns:p="http://schemas.openxmlformats.org/presentationml/2006/main">
+  <p:cSld>
+    <p:spTree>
+      <p:nvGrpSpPr>
+        <p:cNvPr id="1" name=""/>
+        <p:cNvGrpSpPr/>
+        <p:nvPr/>
+      </p:nvGrpSpPr>
+      <p:grpSpPr>
+        <a:xfrm>
+          <a:off x="0" y="0"/>
+          <a:ext cx="0" cy="0"/>
+          <a:chOff x="0" y="0"/>
+          <a:chExt cx="0" cy="0"/>
+        </a:xfrm>
+      </p:grpSpPr>
+      <p:pic>
+        <p:nvPicPr>
+          <p:cNvPr id="22" name="Picture 21" descr="A screenshot of a cell phone&#10;&#10;Description generated with very high confidence">
+            <a:extLst>
+              <a:ext uri="{FF2B5EF4-FFF2-40B4-BE49-F238E27FC236}">
+                <a16:creationId xmlns:a16="http://schemas.microsoft.com/office/drawing/2014/main" id="{E7C455B6-91EB-439E-937A-DA1E9C7502BE}"/>
+              </a:ext>
+            </a:extLst>
+          </p:cNvPr>
+          <p:cNvPicPr>
+            <a:picLocks noChangeAspect="1"/>
+          </p:cNvPicPr>
+          <p:nvPr/>
+        </p:nvPicPr>
+        <p:blipFill rotWithShape="1">
+          <a:blip r:embed="rId2">
+            <a:extLst>
+              <a:ext uri="{28A0092B-C50C-407E-A947-70E740481C1C}">
+                <a14:useLocalDpi xmlns:a14="http://schemas.microsoft.com/office/drawing/2010/main" val="0"/>
+              </a:ext>
+            </a:extLst>
+          </a:blip>
+          <a:srcRect r="80616" b="75400"/>
+          <a:stretch/>
+        </p:blipFill>
+        <p:spPr>
+          <a:xfrm>
+            <a:off x="8424302" y="877273"/>
+            <a:ext cx="1057011" cy="711787"/>
+          </a:xfrm>
+          <a:prstGeom prst="rect">
+            <a:avLst/>
+          </a:prstGeom>
+        </p:spPr>
+      </p:pic>
+      <p:pic>
+        <p:nvPicPr>
+          <p:cNvPr id="23" name="Picture 22" descr="A screenshot of a cell phone&#10;&#10;Description generated with very high confidence">
+            <a:extLst>
+              <a:ext uri="{FF2B5EF4-FFF2-40B4-BE49-F238E27FC236}">
+                <a16:creationId xmlns:a16="http://schemas.microsoft.com/office/drawing/2014/main" id="{3AAC71E3-AE26-4879-A054-40CD057F71FB}"/>
+              </a:ext>
+            </a:extLst>
+          </p:cNvPr>
+          <p:cNvPicPr>
+            <a:picLocks noChangeAspect="1"/>
+          </p:cNvPicPr>
+          <p:nvPr/>
+        </p:nvPicPr>
+        <p:blipFill rotWithShape="1">
+          <a:blip r:embed="rId3">
+            <a:extLst>
+              <a:ext uri="{28A0092B-C50C-407E-A947-70E740481C1C}">
+                <a14:useLocalDpi xmlns:a14="http://schemas.microsoft.com/office/drawing/2010/main" val="0"/>
+              </a:ext>
+            </a:extLst>
+          </a:blip>
+          <a:srcRect l="1" r="79394" b="55119"/>
+          <a:stretch/>
+        </p:blipFill>
+        <p:spPr>
+          <a:xfrm>
+            <a:off x="8290431" y="3857598"/>
+            <a:ext cx="1117657" cy="701367"/>
+          </a:xfrm>
+          <a:prstGeom prst="rect">
+            <a:avLst/>
+          </a:prstGeom>
+        </p:spPr>
+      </p:pic>
+      <p:sp>
+        <p:nvSpPr>
+          <p:cNvPr id="28" name="Arrow: Right 27">
+            <a:extLst>
+              <a:ext uri="{FF2B5EF4-FFF2-40B4-BE49-F238E27FC236}">
+                <a16:creationId xmlns:a16="http://schemas.microsoft.com/office/drawing/2014/main" id="{AE715995-0A89-40B3-B665-825895624675}"/>
+              </a:ext>
+            </a:extLst>
+          </p:cNvPr>
+          <p:cNvSpPr/>
+          <p:nvPr/>
+        </p:nvSpPr>
+        <p:spPr>
+          <a:xfrm rot="21134800">
+            <a:off x="3645696" y="2583819"/>
+            <a:ext cx="4799705" cy="435613"/>
+          </a:xfrm>
+          <a:prstGeom prst="rightArrow">
+            <a:avLst>
+              <a:gd name="adj1" fmla="val 32780"/>
+              <a:gd name="adj2" fmla="val 50000"/>
+            </a:avLst>
+          </a:prstGeom>
+        </p:spPr>
+        <p:style>
+          <a:lnRef idx="1">
+            <a:schemeClr val="accent3"/>
+          </a:lnRef>
+          <a:fillRef idx="2">
+            <a:schemeClr val="accent3"/>
+          </a:fillRef>
+          <a:effectRef idx="1">
+            <a:schemeClr val="accent3"/>
+          </a:effectRef>
+          <a:fontRef idx="minor">
+            <a:schemeClr val="dk1"/>
+          </a:fontRef>
+        </p:style>
+        <p:txBody>
+          <a:bodyPr rtlCol="0" anchor="ctr"/>
+          <a:lstStyle/>
+          <a:p>
+            <a:pPr algn="ctr"/>
+            <a:endParaRPr lang="en-US"/>
+          </a:p>
+        </p:txBody>
+      </p:sp>
+      <p:sp>
+        <p:nvSpPr>
+          <p:cNvPr id="29" name="Arrow: Right 28">
+            <a:extLst>
+              <a:ext uri="{FF2B5EF4-FFF2-40B4-BE49-F238E27FC236}">
+                <a16:creationId xmlns:a16="http://schemas.microsoft.com/office/drawing/2014/main" id="{489CAD23-3CAA-42C4-ADCA-B432438367ED}"/>
+              </a:ext>
+            </a:extLst>
+          </p:cNvPr>
+          <p:cNvSpPr/>
+          <p:nvPr/>
+        </p:nvSpPr>
+        <p:spPr>
+          <a:xfrm rot="1549907">
+            <a:off x="3159978" y="3681622"/>
+            <a:ext cx="5502119" cy="428239"/>
+          </a:xfrm>
+          <a:prstGeom prst="rightArrow">
+            <a:avLst>
+              <a:gd name="adj1" fmla="val 32780"/>
+              <a:gd name="adj2" fmla="val 50000"/>
+            </a:avLst>
+          </a:prstGeom>
+        </p:spPr>
+        <p:style>
+          <a:lnRef idx="1">
+            <a:schemeClr val="accent3"/>
+          </a:lnRef>
+          <a:fillRef idx="2">
+            <a:schemeClr val="accent3"/>
+          </a:fillRef>
+          <a:effectRef idx="1">
+            <a:schemeClr val="accent3"/>
+          </a:effectRef>
+          <a:fontRef idx="minor">
+            <a:schemeClr val="dk1"/>
+          </a:fontRef>
+        </p:style>
+        <p:txBody>
+          <a:bodyPr rtlCol="0" anchor="ctr"/>
+          <a:lstStyle/>
+          <a:p>
+            <a:pPr algn="ctr"/>
+            <a:endParaRPr lang="en-US"/>
+          </a:p>
+        </p:txBody>
+      </p:sp>
+      <p:pic>
+        <p:nvPicPr>
+          <p:cNvPr id="35" name="Graphic 34" descr="User">
+            <a:extLst>
+              <a:ext uri="{FF2B5EF4-FFF2-40B4-BE49-F238E27FC236}">
+                <a16:creationId xmlns:a16="http://schemas.microsoft.com/office/drawing/2014/main" id="{B89C7E8F-99A2-45CB-A2D7-592A9E92CA2C}"/>
+              </a:ext>
+            </a:extLst>
+          </p:cNvPr>
+          <p:cNvPicPr>
+            <a:picLocks noChangeAspect="1"/>
+          </p:cNvPicPr>
+          <p:nvPr/>
+        </p:nvPicPr>
+        <p:blipFill>
+          <a:blip r:embed="rId4">
+            <a:extLst>
+              <a:ext uri="{28A0092B-C50C-407E-A947-70E740481C1C}">
+                <a14:useLocalDpi xmlns:a14="http://schemas.microsoft.com/office/drawing/2010/main" val="0"/>
+              </a:ext>
+              <a:ext uri="{96DAC541-7B7A-43D3-8B79-37D633B846F1}">
+                <asvg:svgBlip xmlns:asvg="http://schemas.microsoft.com/office/drawing/2016/SVG/main" r:embed="rId5"/>
+              </a:ext>
+            </a:extLst>
+          </a:blip>
+          <a:stretch>
+            <a:fillRect/>
+          </a:stretch>
+        </p:blipFill>
+        <p:spPr>
+          <a:xfrm>
+            <a:off x="211477" y="3066553"/>
+            <a:ext cx="1322882" cy="1322882"/>
+          </a:xfrm>
+          <a:prstGeom prst="rect">
+            <a:avLst/>
+          </a:prstGeom>
+        </p:spPr>
+      </p:pic>
+      <p:pic>
+        <p:nvPicPr>
+          <p:cNvPr id="3" name="Picture 2">
+            <a:extLst>
+              <a:ext uri="{FF2B5EF4-FFF2-40B4-BE49-F238E27FC236}">
+                <a16:creationId xmlns:a16="http://schemas.microsoft.com/office/drawing/2014/main" id="{F078ECB0-69DC-4ED9-8765-D7DB5C71A380}"/>
+              </a:ext>
+            </a:extLst>
+          </p:cNvPr>
+          <p:cNvPicPr>
+            <a:picLocks noChangeAspect="1"/>
+          </p:cNvPicPr>
+          <p:nvPr/>
+        </p:nvPicPr>
+        <p:blipFill>
+          <a:blip r:embed="rId6"/>
+          <a:stretch>
+            <a:fillRect/>
+          </a:stretch>
+        </p:blipFill>
+        <p:spPr>
+          <a:xfrm>
+            <a:off x="1791429" y="2022480"/>
+            <a:ext cx="2283983" cy="2088146"/>
+          </a:xfrm>
+          <a:prstGeom prst="rect">
+            <a:avLst/>
+          </a:prstGeom>
+          <a:solidFill>
+            <a:srgbClr val="FFFFFF">
+              <a:shade val="85000"/>
+            </a:srgbClr>
+          </a:solidFill>
+          <a:ln w="88900" cap="sq">
+            <a:solidFill>
+              <a:srgbClr val="FFFFFF"/>
+            </a:solidFill>
+            <a:miter lim="800000"/>
+          </a:ln>
+          <a:effectLst>
+            <a:outerShdw blurRad="55000" dist="18000" dir="5400000" algn="tl" rotWithShape="0">
+              <a:srgbClr val="000000">
+                <a:alpha val="40000"/>
+              </a:srgbClr>
+            </a:outerShdw>
+          </a:effectLst>
+          <a:scene3d>
+            <a:camera prst="orthographicFront"/>
+            <a:lightRig rig="twoPt" dir="t">
+              <a:rot lat="0" lon="0" rev="7200000"/>
+            </a:lightRig>
+          </a:scene3d>
+          <a:sp3d>
+            <a:bevelT w="25400" h="19050"/>
+            <a:contourClr>
+              <a:srgbClr val="FFFFFF"/>
+            </a:contourClr>
+          </a:sp3d>
+        </p:spPr>
+      </p:pic>
+      <p:pic>
+        <p:nvPicPr>
+          <p:cNvPr id="5" name="Picture 4" descr="A screenshot of a social media post&#10;&#10;Description generated with very high confidence">
+            <a:extLst>
+              <a:ext uri="{FF2B5EF4-FFF2-40B4-BE49-F238E27FC236}">
+                <a16:creationId xmlns:a16="http://schemas.microsoft.com/office/drawing/2014/main" id="{EAF8E320-ABBA-4F08-A5F4-15426AF9FA54}"/>
+              </a:ext>
+            </a:extLst>
+          </p:cNvPr>
+          <p:cNvPicPr>
+            <a:picLocks noChangeAspect="1"/>
+          </p:cNvPicPr>
+          <p:nvPr/>
+        </p:nvPicPr>
+        <p:blipFill>
+          <a:blip r:embed="rId7"/>
+          <a:stretch>
+            <a:fillRect/>
+          </a:stretch>
+        </p:blipFill>
+        <p:spPr>
+          <a:xfrm>
+            <a:off x="1926134" y="2733442"/>
+            <a:ext cx="2265836" cy="2284389"/>
+          </a:xfrm>
+          <a:prstGeom prst="rect">
+            <a:avLst/>
+          </a:prstGeom>
+          <a:solidFill>
+            <a:srgbClr val="FFFFFF">
+              <a:shade val="85000"/>
+            </a:srgbClr>
+          </a:solidFill>
+          <a:ln w="88900" cap="sq">
+            <a:solidFill>
+              <a:srgbClr val="FFFFFF"/>
+            </a:solidFill>
+            <a:miter lim="800000"/>
+          </a:ln>
+          <a:effectLst>
+            <a:outerShdw blurRad="55000" dist="18000" dir="5400000" algn="tl" rotWithShape="0">
+              <a:srgbClr val="000000">
+                <a:alpha val="40000"/>
+              </a:srgbClr>
+            </a:outerShdw>
+          </a:effectLst>
+          <a:scene3d>
+            <a:camera prst="orthographicFront"/>
+            <a:lightRig rig="twoPt" dir="t">
+              <a:rot lat="0" lon="0" rev="7200000"/>
+            </a:lightRig>
+          </a:scene3d>
+          <a:sp3d>
+            <a:bevelT w="25400" h="19050"/>
+            <a:contourClr>
+              <a:srgbClr val="FFFFFF"/>
+            </a:contourClr>
+          </a:sp3d>
+        </p:spPr>
+      </p:pic>
+      <p:pic>
+        <p:nvPicPr>
+          <p:cNvPr id="7" name="Picture 6" descr="A screenshot of a cell phone&#10;&#10;Description generated with very high confidence">
+            <a:extLst>
+              <a:ext uri="{FF2B5EF4-FFF2-40B4-BE49-F238E27FC236}">
+                <a16:creationId xmlns:a16="http://schemas.microsoft.com/office/drawing/2014/main" id="{268517A6-5E16-4EFB-955F-EE7B774F61D1}"/>
+              </a:ext>
+            </a:extLst>
+          </p:cNvPr>
+          <p:cNvPicPr>
+            <a:picLocks noChangeAspect="1"/>
+          </p:cNvPicPr>
+          <p:nvPr/>
+        </p:nvPicPr>
+        <p:blipFill>
+          <a:blip r:embed="rId8"/>
+          <a:stretch>
+            <a:fillRect/>
+          </a:stretch>
+        </p:blipFill>
+        <p:spPr>
+          <a:xfrm>
+            <a:off x="2072292" y="3857598"/>
+            <a:ext cx="2329050" cy="2014569"/>
+          </a:xfrm>
+          <a:prstGeom prst="rect">
+            <a:avLst/>
+          </a:prstGeom>
+          <a:solidFill>
+            <a:srgbClr val="FFFFFF">
+              <a:shade val="85000"/>
+            </a:srgbClr>
+          </a:solidFill>
+          <a:ln w="88900" cap="sq">
+            <a:solidFill>
+              <a:srgbClr val="FFFFFF"/>
+            </a:solidFill>
+            <a:miter lim="800000"/>
+          </a:ln>
+          <a:effectLst>
+            <a:outerShdw blurRad="55000" dist="18000" dir="5400000" algn="tl" rotWithShape="0">
+              <a:srgbClr val="000000">
+                <a:alpha val="40000"/>
+              </a:srgbClr>
+            </a:outerShdw>
+          </a:effectLst>
+          <a:scene3d>
+            <a:camera prst="orthographicFront"/>
+            <a:lightRig rig="twoPt" dir="t">
+              <a:rot lat="0" lon="0" rev="7200000"/>
+            </a:lightRig>
+          </a:scene3d>
+          <a:sp3d>
+            <a:bevelT w="25400" h="19050"/>
+            <a:contourClr>
+              <a:srgbClr val="FFFFFF"/>
+            </a:contourClr>
+          </a:sp3d>
+        </p:spPr>
+      </p:pic>
+      <p:pic>
+        <p:nvPicPr>
+          <p:cNvPr id="9" name="Picture 8" descr="A screenshot of a cell phone&#10;&#10;Description generated with very high confidence">
+            <a:extLst>
+              <a:ext uri="{FF2B5EF4-FFF2-40B4-BE49-F238E27FC236}">
+                <a16:creationId xmlns:a16="http://schemas.microsoft.com/office/drawing/2014/main" id="{BD6D9062-D1DE-4737-9F07-E9F603ACD56F}"/>
+              </a:ext>
+            </a:extLst>
+          </p:cNvPr>
+          <p:cNvPicPr>
+            <a:picLocks noChangeAspect="1"/>
+          </p:cNvPicPr>
+          <p:nvPr/>
+        </p:nvPicPr>
+        <p:blipFill rotWithShape="1">
+          <a:blip r:embed="rId9"/>
+          <a:srcRect b="53800"/>
+          <a:stretch/>
+        </p:blipFill>
+        <p:spPr>
+          <a:xfrm>
+            <a:off x="560609" y="2008494"/>
+            <a:ext cx="1209502" cy="644429"/>
+          </a:xfrm>
+          <a:prstGeom prst="rect">
+            <a:avLst/>
+          </a:prstGeom>
+        </p:spPr>
+      </p:pic>
+      <p:grpSp>
+        <p:nvGrpSpPr>
+          <p:cNvPr id="18" name="Group 17">
+            <a:extLst>
+              <a:ext uri="{FF2B5EF4-FFF2-40B4-BE49-F238E27FC236}">
+                <a16:creationId xmlns:a16="http://schemas.microsoft.com/office/drawing/2014/main" id="{1D0A120D-015B-4C74-B657-C3208C8D9427}"/>
+              </a:ext>
+            </a:extLst>
+          </p:cNvPr>
+          <p:cNvGrpSpPr/>
+          <p:nvPr/>
+        </p:nvGrpSpPr>
+        <p:grpSpPr>
+          <a:xfrm>
+            <a:off x="9526402" y="926825"/>
+            <a:ext cx="2283983" cy="2088146"/>
+            <a:chOff x="9908017" y="911508"/>
+            <a:chExt cx="2283983" cy="2088146"/>
+          </a:xfrm>
+        </p:grpSpPr>
+        <p:pic>
+          <p:nvPicPr>
+            <p:cNvPr id="41" name="Picture 40">
+              <a:extLst>
+                <a:ext uri="{FF2B5EF4-FFF2-40B4-BE49-F238E27FC236}">
+                  <a16:creationId xmlns:a16="http://schemas.microsoft.com/office/drawing/2014/main" id="{B7483124-F607-4B84-8ED2-00F25DBA471C}"/>
+                </a:ext>
+              </a:extLst>
+            </p:cNvPr>
+            <p:cNvPicPr>
+              <a:picLocks noChangeAspect="1"/>
+            </p:cNvPicPr>
+            <p:nvPr/>
+          </p:nvPicPr>
+          <p:blipFill>
+            <a:blip r:embed="rId6"/>
+            <a:stretch>
+              <a:fillRect/>
+            </a:stretch>
+          </p:blipFill>
+          <p:spPr>
+            <a:xfrm>
+              <a:off x="9908017" y="911508"/>
+              <a:ext cx="2283983" cy="2088146"/>
+            </a:xfrm>
+            <a:prstGeom prst="rect">
+              <a:avLst/>
+            </a:prstGeom>
+            <a:solidFill>
+              <a:srgbClr val="FFFFFF">
+                <a:shade val="85000"/>
+              </a:srgbClr>
+            </a:solidFill>
+            <a:ln w="88900" cap="sq">
+              <a:solidFill>
+                <a:srgbClr val="FFFFFF"/>
+              </a:solidFill>
+              <a:miter lim="800000"/>
+            </a:ln>
+            <a:effectLst>
+              <a:outerShdw blurRad="55000" dist="18000" dir="5400000" algn="tl" rotWithShape="0">
+                <a:srgbClr val="000000">
+                  <a:alpha val="40000"/>
+                </a:srgbClr>
+              </a:outerShdw>
+            </a:effectLst>
+            <a:scene3d>
+              <a:camera prst="orthographicFront"/>
+              <a:lightRig rig="twoPt" dir="t">
+                <a:rot lat="0" lon="0" rev="7200000"/>
+              </a:lightRig>
+            </a:scene3d>
+            <a:sp3d>
+              <a:bevelT w="25400" h="19050"/>
+              <a:contourClr>
+                <a:srgbClr val="FFFFFF"/>
+              </a:contourClr>
+            </a:sp3d>
+          </p:spPr>
+        </p:pic>
+        <p:pic>
+          <p:nvPicPr>
+            <p:cNvPr id="15" name="Picture 14" descr="A screenshot of a cell phone&#10;&#10;Description generated with very high confidence">
+              <a:extLst>
+                <a:ext uri="{FF2B5EF4-FFF2-40B4-BE49-F238E27FC236}">
+                  <a16:creationId xmlns:a16="http://schemas.microsoft.com/office/drawing/2014/main" id="{DEC6FC14-C048-4C4E-90A6-22DAB48AE2AF}"/>
+                </a:ext>
+              </a:extLst>
+            </p:cNvPr>
+            <p:cNvPicPr>
+              <a:picLocks noChangeAspect="1"/>
+            </p:cNvPicPr>
+            <p:nvPr/>
+          </p:nvPicPr>
+          <p:blipFill rotWithShape="1">
+            <a:blip r:embed="rId10"/>
+            <a:srcRect t="18620" r="64020" b="69672"/>
+            <a:stretch/>
+          </p:blipFill>
+          <p:spPr>
+            <a:xfrm>
+              <a:off x="9908017" y="1316344"/>
+              <a:ext cx="1233948" cy="276602"/>
+            </a:xfrm>
+            <a:prstGeom prst="rect">
+              <a:avLst/>
+            </a:prstGeom>
+          </p:spPr>
+        </p:pic>
+        <p:pic>
+          <p:nvPicPr>
+            <p:cNvPr id="17" name="Picture 16" descr="A screenshot of a cell phone&#10;&#10;Description generated with very high confidence">
+              <a:extLst>
+                <a:ext uri="{FF2B5EF4-FFF2-40B4-BE49-F238E27FC236}">
+                  <a16:creationId xmlns:a16="http://schemas.microsoft.com/office/drawing/2014/main" id="{B4AE290E-C9D1-4194-9C65-8042AADC2D33}"/>
+                </a:ext>
+              </a:extLst>
+            </p:cNvPr>
+            <p:cNvPicPr>
+              <a:picLocks noChangeAspect="1"/>
+            </p:cNvPicPr>
+            <p:nvPr/>
+          </p:nvPicPr>
+          <p:blipFill rotWithShape="1">
+            <a:blip r:embed="rId11"/>
+            <a:srcRect t="30312" b="9565"/>
+            <a:stretch/>
+          </p:blipFill>
+          <p:spPr>
+            <a:xfrm>
+              <a:off x="9921116" y="1573743"/>
+              <a:ext cx="2216038" cy="1361186"/>
+            </a:xfrm>
+            <a:prstGeom prst="rect">
+              <a:avLst/>
+            </a:prstGeom>
+          </p:spPr>
+        </p:pic>
+      </p:grpSp>
+      <p:pic>
+        <p:nvPicPr>
+          <p:cNvPr id="11" name="Picture 10" descr="A screenshot of a cell phone&#10;&#10;Description generated with very high confidence">
+            <a:extLst>
+              <a:ext uri="{FF2B5EF4-FFF2-40B4-BE49-F238E27FC236}">
+                <a16:creationId xmlns:a16="http://schemas.microsoft.com/office/drawing/2014/main" id="{75B2E52F-F299-4DCB-8B09-4FF148039322}"/>
+              </a:ext>
+            </a:extLst>
+          </p:cNvPr>
+          <p:cNvPicPr>
+            <a:picLocks noChangeAspect="1"/>
+          </p:cNvPicPr>
+          <p:nvPr/>
+        </p:nvPicPr>
+        <p:blipFill rotWithShape="1">
+          <a:blip r:embed="rId12"/>
+          <a:srcRect b="6647"/>
+          <a:stretch/>
+        </p:blipFill>
+        <p:spPr>
+          <a:xfrm>
+            <a:off x="9900368" y="1354611"/>
+            <a:ext cx="2069489" cy="2150043"/>
+          </a:xfrm>
+          <a:prstGeom prst="rect">
+            <a:avLst/>
+          </a:prstGeom>
+          <a:solidFill>
+            <a:srgbClr val="FFFFFF">
+              <a:shade val="85000"/>
+            </a:srgbClr>
+          </a:solidFill>
+          <a:ln w="88900" cap="sq">
+            <a:solidFill>
+              <a:srgbClr val="FFFFFF"/>
+            </a:solidFill>
+            <a:miter lim="800000"/>
+          </a:ln>
+          <a:effectLst>
+            <a:outerShdw blurRad="55000" dist="18000" dir="5400000" algn="tl" rotWithShape="0">
+              <a:srgbClr val="000000">
+                <a:alpha val="40000"/>
+              </a:srgbClr>
+            </a:outerShdw>
+          </a:effectLst>
+          <a:scene3d>
+            <a:camera prst="orthographicFront"/>
+            <a:lightRig rig="twoPt" dir="t">
+              <a:rot lat="0" lon="0" rev="7200000"/>
+            </a:lightRig>
+          </a:scene3d>
+          <a:sp3d>
+            <a:bevelT w="25400" h="19050"/>
+            <a:contourClr>
+              <a:srgbClr val="FFFFFF"/>
+            </a:contourClr>
+          </a:sp3d>
+        </p:spPr>
+      </p:pic>
+      <p:pic>
+        <p:nvPicPr>
+          <p:cNvPr id="20" name="Picture 19" descr="A screenshot of a cell phone&#10;&#10;Description generated with very high confidence">
+            <a:extLst>
+              <a:ext uri="{FF2B5EF4-FFF2-40B4-BE49-F238E27FC236}">
+                <a16:creationId xmlns:a16="http://schemas.microsoft.com/office/drawing/2014/main" id="{5E296E65-466E-4C4E-99E1-47A39B99E38E}"/>
+              </a:ext>
+            </a:extLst>
+          </p:cNvPr>
+          <p:cNvPicPr>
+            <a:picLocks noChangeAspect="1"/>
+          </p:cNvPicPr>
+          <p:nvPr/>
+        </p:nvPicPr>
+        <p:blipFill>
+          <a:blip r:embed="rId13"/>
+          <a:stretch>
+            <a:fillRect/>
+          </a:stretch>
+        </p:blipFill>
+        <p:spPr>
+          <a:xfrm>
+            <a:off x="9476683" y="3886342"/>
+            <a:ext cx="2332412" cy="1891276"/>
+          </a:xfrm>
+          <a:prstGeom prst="rect">
+            <a:avLst/>
+          </a:prstGeom>
+          <a:solidFill>
+            <a:srgbClr val="FFFFFF">
+              <a:shade val="85000"/>
+            </a:srgbClr>
+          </a:solidFill>
+          <a:ln w="88900" cap="sq">
+            <a:solidFill>
+              <a:srgbClr val="FFFFFF"/>
+            </a:solidFill>
+            <a:miter lim="800000"/>
+          </a:ln>
+          <a:effectLst>
+            <a:outerShdw blurRad="55000" dist="18000" dir="5400000" algn="tl" rotWithShape="0">
+              <a:srgbClr val="000000">
+                <a:alpha val="40000"/>
+              </a:srgbClr>
+            </a:outerShdw>
+          </a:effectLst>
+          <a:scene3d>
+            <a:camera prst="orthographicFront"/>
+            <a:lightRig rig="twoPt" dir="t">
+              <a:rot lat="0" lon="0" rev="7200000"/>
+            </a:lightRig>
+          </a:scene3d>
+          <a:sp3d>
+            <a:bevelT w="25400" h="19050"/>
+            <a:contourClr>
+              <a:srgbClr val="FFFFFF"/>
+            </a:contourClr>
+          </a:sp3d>
+        </p:spPr>
+      </p:pic>
+      <p:pic>
+        <p:nvPicPr>
+          <p:cNvPr id="13" name="Picture 12" descr="A screenshot of a cell phone&#10;&#10;Description generated with very high confidence">
+            <a:extLst>
+              <a:ext uri="{FF2B5EF4-FFF2-40B4-BE49-F238E27FC236}">
+                <a16:creationId xmlns:a16="http://schemas.microsoft.com/office/drawing/2014/main" id="{5068CC0E-83D2-415E-8994-6BA414E73269}"/>
+              </a:ext>
+            </a:extLst>
+          </p:cNvPr>
+          <p:cNvPicPr>
+            <a:picLocks noChangeAspect="1"/>
+          </p:cNvPicPr>
+          <p:nvPr/>
+        </p:nvPicPr>
+        <p:blipFill>
+          <a:blip r:embed="rId14"/>
+          <a:stretch>
+            <a:fillRect/>
+          </a:stretch>
+        </p:blipFill>
+        <p:spPr>
+          <a:xfrm>
+            <a:off x="9905023" y="4558965"/>
+            <a:ext cx="2065683" cy="2125869"/>
+          </a:xfrm>
+          <a:prstGeom prst="rect">
+            <a:avLst/>
+          </a:prstGeom>
+          <a:solidFill>
+            <a:srgbClr val="FFFFFF">
+              <a:shade val="85000"/>
+            </a:srgbClr>
+          </a:solidFill>
+          <a:ln w="88900" cap="sq">
+            <a:solidFill>
+              <a:srgbClr val="FFFFFF"/>
+            </a:solidFill>
+            <a:miter lim="800000"/>
+          </a:ln>
+          <a:effectLst>
+            <a:outerShdw blurRad="55000" dist="18000" dir="5400000" algn="tl" rotWithShape="0">
+              <a:srgbClr val="000000">
+                <a:alpha val="40000"/>
+              </a:srgbClr>
+            </a:outerShdw>
+          </a:effectLst>
+          <a:scene3d>
+            <a:camera prst="orthographicFront"/>
+            <a:lightRig rig="twoPt" dir="t">
+              <a:rot lat="0" lon="0" rev="7200000"/>
+            </a:lightRig>
+          </a:scene3d>
+          <a:sp3d>
+            <a:bevelT w="25400" h="19050"/>
+            <a:contourClr>
+              <a:srgbClr val="FFFFFF"/>
+            </a:contourClr>
+          </a:sp3d>
+        </p:spPr>
+      </p:pic>
+      <p:sp>
+        <p:nvSpPr>
+          <p:cNvPr id="21" name="TextBox 20">
+            <a:extLst>
+              <a:ext uri="{FF2B5EF4-FFF2-40B4-BE49-F238E27FC236}">
+                <a16:creationId xmlns:a16="http://schemas.microsoft.com/office/drawing/2014/main" id="{5B08DB0B-F569-4201-9B16-548500E9859D}"/>
+              </a:ext>
+            </a:extLst>
+          </p:cNvPr>
+          <p:cNvSpPr txBox="1"/>
+          <p:nvPr/>
+        </p:nvSpPr>
+        <p:spPr>
+          <a:xfrm>
+            <a:off x="256919" y="234327"/>
+            <a:ext cx="7870102" cy="1384995"/>
+          </a:xfrm>
+          <a:prstGeom prst="rect">
+            <a:avLst/>
+          </a:prstGeom>
+        </p:spPr>
+        <p:style>
+          <a:lnRef idx="2">
+            <a:schemeClr val="dk1"/>
+          </a:lnRef>
+          <a:fillRef idx="1">
+            <a:schemeClr val="lt1"/>
+          </a:fillRef>
+          <a:effectRef idx="0">
+            <a:schemeClr val="dk1"/>
+          </a:effectRef>
+          <a:fontRef idx="minor">
+            <a:schemeClr val="dk1"/>
+          </a:fontRef>
+        </p:style>
+        <p:txBody>
+          <a:bodyPr wrap="square" rtlCol="0">
+            <a:spAutoFit/>
+          </a:bodyPr>
+          <a:lstStyle/>
+          <a:p>
+            <a:r>
+              <a:rPr lang="en-US" sz="2800" dirty="0">
+                <a:ln w="0"/>
+                <a:effectLst>
+                  <a:outerShdw blurRad="38100" dist="19050" dir="2700000" algn="tl" rotWithShape="0">
+                    <a:schemeClr val="dk1">
+                      <a:alpha val="40000"/>
+                    </a:schemeClr>
+                  </a:outerShdw>
+                </a:effectLst>
+              </a:rPr>
+              <a:t>(a-b) </a:t>
+            </a:r>
+          </a:p>
+          <a:p>
+            <a:r>
+              <a:rPr lang="en-US" sz="2800" dirty="0">
+                <a:ln w="0"/>
+                <a:effectLst>
+                  <a:outerShdw blurRad="38100" dist="19050" dir="2700000" algn="tl" rotWithShape="0">
+                    <a:schemeClr val="dk1">
+                      <a:alpha val="40000"/>
+                    </a:schemeClr>
+                  </a:outerShdw>
+                </a:effectLst>
+              </a:rPr>
+              <a:t>We want to get all the reviews, from every user, from all the places that the visitor has previously reviewed</a:t>
+            </a:r>
+          </a:p>
+        </p:txBody>
+      </p:sp>
+    </p:spTree>
+    <p:extLst>
+      <p:ext uri="{BB962C8B-B14F-4D97-AF65-F5344CB8AC3E}">
+        <p14:creationId xmlns:p14="http://schemas.microsoft.com/office/powerpoint/2010/main" val="3406168966"/>
+      </p:ext>
+    </p:extLst>
+  </p:cSld>
+  <p:clrMapOvr>
+    <a:masterClrMapping/>
+  </p:clrMapOvr>
+</p:sld>
+</file>
+
+<file path=ppt/slides/slide11.xml><?xml version="1.0" encoding="utf-8"?>
+<p:sld xmlns:a="http://schemas.openxmlformats.org/drawingml/2006/main" xmlns:r="http://schemas.openxmlformats.org/officeDocument/2006/relationships" xmlns:p="http://schemas.openxmlformats.org/presentationml/2006/main">
+  <p:cSld>
+    <p:spTree>
+      <p:nvGrpSpPr>
+        <p:cNvPr id="1" name=""/>
+        <p:cNvGrpSpPr/>
+        <p:nvPr/>
+      </p:nvGrpSpPr>
+      <p:grpSpPr>
+        <a:xfrm>
+          <a:off x="0" y="0"/>
+          <a:ext cx="0" cy="0"/>
+          <a:chOff x="0" y="0"/>
+          <a:chExt cx="0" cy="0"/>
+        </a:xfrm>
+      </p:grpSpPr>
+      <p:graphicFrame>
+        <p:nvGraphicFramePr>
+          <p:cNvPr id="4" name="Content Placeholder 3">
+            <a:extLst>
+              <a:ext uri="{FF2B5EF4-FFF2-40B4-BE49-F238E27FC236}">
+                <a16:creationId xmlns:a16="http://schemas.microsoft.com/office/drawing/2014/main" id="{AB0502D6-0F85-43DB-8B1C-649882906265}"/>
+              </a:ext>
+            </a:extLst>
+          </p:cNvPr>
+          <p:cNvGraphicFramePr>
+            <a:graphicFrameLocks noGrp="1"/>
+          </p:cNvGraphicFramePr>
+          <p:nvPr>
+            <p:ph idx="1"/>
+            <p:extLst>
+              <p:ext uri="{D42A27DB-BD31-4B8C-83A1-F6EECF244321}">
+                <p14:modId xmlns:p14="http://schemas.microsoft.com/office/powerpoint/2010/main" val="961900047"/>
+              </p:ext>
+            </p:extLst>
+          </p:nvPr>
+        </p:nvGraphicFramePr>
+        <p:xfrm>
+          <a:off x="1406012" y="961682"/>
+          <a:ext cx="10515600" cy="5412660"/>
+        </p:xfrm>
+        <a:graphic>
+          <a:graphicData uri="http://schemas.openxmlformats.org/drawingml/2006/table">
+            <a:tbl>
+              <a:tblPr firstRow="1" firstCol="1" bandRow="1">
+                <a:tableStyleId>{5C22544A-7EE6-4342-B048-85BDC9FD1C3A}</a:tableStyleId>
+              </a:tblPr>
+              <a:tblGrid>
+                <a:gridCol w="2628900">
+                  <a:extLst>
+                    <a:ext uri="{9D8B030D-6E8A-4147-A177-3AD203B41FA5}">
+                      <a16:colId xmlns:a16="http://schemas.microsoft.com/office/drawing/2014/main" val="2998622724"/>
+                    </a:ext>
+                  </a:extLst>
+                </a:gridCol>
+                <a:gridCol w="2628900">
+                  <a:extLst>
+                    <a:ext uri="{9D8B030D-6E8A-4147-A177-3AD203B41FA5}">
+                      <a16:colId xmlns:a16="http://schemas.microsoft.com/office/drawing/2014/main" val="4004007087"/>
+                    </a:ext>
+                  </a:extLst>
+                </a:gridCol>
+                <a:gridCol w="2628900">
+                  <a:extLst>
+                    <a:ext uri="{9D8B030D-6E8A-4147-A177-3AD203B41FA5}">
+                      <a16:colId xmlns:a16="http://schemas.microsoft.com/office/drawing/2014/main" val="4179078068"/>
+                    </a:ext>
+                  </a:extLst>
+                </a:gridCol>
+                <a:gridCol w="2628900">
+                  <a:extLst>
+                    <a:ext uri="{9D8B030D-6E8A-4147-A177-3AD203B41FA5}">
+                      <a16:colId xmlns:a16="http://schemas.microsoft.com/office/drawing/2014/main" val="1952794464"/>
+                    </a:ext>
+                  </a:extLst>
+                </a:gridCol>
+              </a:tblGrid>
+              <a:tr h="1353165">
+                <a:tc>
+                  <a:txBody>
+                    <a:bodyPr/>
+                    <a:lstStyle/>
+                    <a:p>
+                      <a:endParaRPr lang="en-US" dirty="0"/>
+                    </a:p>
+                  </a:txBody>
+                  <a:tcPr/>
+                </a:tc>
+                <a:tc>
+                  <a:txBody>
+                    <a:bodyPr/>
+                    <a:lstStyle/>
+                    <a:p>
+                      <a:endParaRPr lang="en-US" dirty="0"/>
+                    </a:p>
+                  </a:txBody>
+                  <a:tcPr/>
+                </a:tc>
+                <a:tc>
+                  <a:txBody>
+                    <a:bodyPr/>
+                    <a:lstStyle/>
+                    <a:p>
+                      <a:endParaRPr lang="en-US" dirty="0"/>
+                    </a:p>
+                  </a:txBody>
+                  <a:tcPr/>
+                </a:tc>
+                <a:tc>
+                  <a:txBody>
+                    <a:bodyPr/>
+                    <a:lstStyle/>
+                    <a:p>
+                      <a:endParaRPr lang="en-US"/>
+                    </a:p>
+                  </a:txBody>
+                  <a:tcPr/>
+                </a:tc>
+                <a:extLst>
+                  <a:ext uri="{0D108BD9-81ED-4DB2-BD59-A6C34878D82A}">
+                    <a16:rowId xmlns:a16="http://schemas.microsoft.com/office/drawing/2014/main" val="663930948"/>
+                  </a:ext>
+                </a:extLst>
+              </a:tr>
+              <a:tr h="1353165">
+                <a:tc>
+                  <a:txBody>
+                    <a:bodyPr/>
+                    <a:lstStyle/>
+                    <a:p>
+                      <a:endParaRPr lang="en-US"/>
+                    </a:p>
+                  </a:txBody>
+                  <a:tcPr/>
+                </a:tc>
+                <a:tc>
+                  <a:txBody>
+                    <a:bodyPr/>
+                    <a:lstStyle/>
+                    <a:p>
+                      <a:endParaRPr lang="en-US"/>
+                    </a:p>
+                  </a:txBody>
+                  <a:tcPr/>
+                </a:tc>
+                <a:tc>
+                  <a:txBody>
+                    <a:bodyPr/>
+                    <a:lstStyle/>
+                    <a:p>
+                      <a:endParaRPr lang="en-US"/>
+                    </a:p>
+                  </a:txBody>
+                  <a:tcPr/>
+                </a:tc>
+                <a:tc>
+                  <a:txBody>
+                    <a:bodyPr/>
+                    <a:lstStyle/>
+                    <a:p>
+                      <a:endParaRPr lang="en-US"/>
+                    </a:p>
+                  </a:txBody>
+                  <a:tcPr/>
+                </a:tc>
+                <a:extLst>
+                  <a:ext uri="{0D108BD9-81ED-4DB2-BD59-A6C34878D82A}">
+                    <a16:rowId xmlns:a16="http://schemas.microsoft.com/office/drawing/2014/main" val="2897866083"/>
+                  </a:ext>
+                </a:extLst>
+              </a:tr>
+              <a:tr h="1353165">
+                <a:tc>
+                  <a:txBody>
+                    <a:bodyPr/>
+                    <a:lstStyle/>
+                    <a:p>
+                      <a:endParaRPr lang="en-US"/>
+                    </a:p>
+                  </a:txBody>
+                  <a:tcPr/>
+                </a:tc>
+                <a:tc>
+                  <a:txBody>
+                    <a:bodyPr/>
+                    <a:lstStyle/>
+                    <a:p>
+                      <a:endParaRPr lang="en-US"/>
+                    </a:p>
+                  </a:txBody>
+                  <a:tcPr/>
+                </a:tc>
+                <a:tc>
+                  <a:txBody>
+                    <a:bodyPr/>
+                    <a:lstStyle/>
+                    <a:p>
+                      <a:endParaRPr lang="en-US" dirty="0"/>
+                    </a:p>
+                  </a:txBody>
+                  <a:tcPr/>
+                </a:tc>
+                <a:tc>
+                  <a:txBody>
+                    <a:bodyPr/>
+                    <a:lstStyle/>
+                    <a:p>
+                      <a:endParaRPr lang="en-US" dirty="0"/>
+                    </a:p>
+                  </a:txBody>
+                  <a:tcPr/>
+                </a:tc>
+                <a:extLst>
+                  <a:ext uri="{0D108BD9-81ED-4DB2-BD59-A6C34878D82A}">
+                    <a16:rowId xmlns:a16="http://schemas.microsoft.com/office/drawing/2014/main" val="481484129"/>
+                  </a:ext>
+                </a:extLst>
+              </a:tr>
+              <a:tr h="1353165">
+                <a:tc>
+                  <a:txBody>
+                    <a:bodyPr/>
+                    <a:lstStyle/>
+                    <a:p>
+                      <a:endParaRPr lang="en-US" dirty="0"/>
+                    </a:p>
+                  </a:txBody>
+                  <a:tcPr/>
+                </a:tc>
+                <a:tc>
+                  <a:txBody>
+                    <a:bodyPr/>
+                    <a:lstStyle/>
+                    <a:p>
+                      <a:endParaRPr lang="en-US"/>
+                    </a:p>
+                  </a:txBody>
+                  <a:tcPr/>
+                </a:tc>
+                <a:tc>
+                  <a:txBody>
+                    <a:bodyPr/>
+                    <a:lstStyle/>
+                    <a:p>
+                      <a:endParaRPr lang="en-US" dirty="0"/>
+                    </a:p>
+                  </a:txBody>
+                  <a:tcPr/>
+                </a:tc>
+                <a:tc>
+                  <a:txBody>
+                    <a:bodyPr/>
+                    <a:lstStyle/>
+                    <a:p>
+                      <a:endParaRPr lang="en-US" dirty="0"/>
+                    </a:p>
+                  </a:txBody>
+                  <a:tcPr/>
+                </a:tc>
+                <a:extLst>
+                  <a:ext uri="{0D108BD9-81ED-4DB2-BD59-A6C34878D82A}">
+                    <a16:rowId xmlns:a16="http://schemas.microsoft.com/office/drawing/2014/main" val="2769288421"/>
+                  </a:ext>
+                </a:extLst>
+              </a:tr>
+            </a:tbl>
+          </a:graphicData>
+        </a:graphic>
+      </p:graphicFrame>
+      <p:pic>
+        <p:nvPicPr>
+          <p:cNvPr id="5" name="Picture 4" descr="A screenshot of a cell phone&#10;&#10;Description generated with very high confidence">
+            <a:extLst>
+              <a:ext uri="{FF2B5EF4-FFF2-40B4-BE49-F238E27FC236}">
+                <a16:creationId xmlns:a16="http://schemas.microsoft.com/office/drawing/2014/main" id="{0DFA0811-37E4-41C2-B7F8-07204EB0658A}"/>
+              </a:ext>
+            </a:extLst>
+          </p:cNvPr>
+          <p:cNvPicPr>
+            <a:picLocks noChangeAspect="1"/>
+          </p:cNvPicPr>
+          <p:nvPr/>
+        </p:nvPicPr>
+        <p:blipFill rotWithShape="1">
+          <a:blip r:embed="rId2"/>
+          <a:srcRect b="53800"/>
+          <a:stretch/>
+        </p:blipFill>
+        <p:spPr>
+          <a:xfrm>
+            <a:off x="2656412" y="2576794"/>
+            <a:ext cx="1209502" cy="644429"/>
+          </a:xfrm>
+          <a:prstGeom prst="rect">
+            <a:avLst/>
+          </a:prstGeom>
+        </p:spPr>
+      </p:pic>
+      <p:pic>
+        <p:nvPicPr>
+          <p:cNvPr id="6" name="Picture 5" descr="A screenshot of a cell phone&#10;&#10;Description generated with very high confidence">
+            <a:extLst>
+              <a:ext uri="{FF2B5EF4-FFF2-40B4-BE49-F238E27FC236}">
+                <a16:creationId xmlns:a16="http://schemas.microsoft.com/office/drawing/2014/main" id="{4E95A251-EAC9-408C-886D-B29479602DC1}"/>
+              </a:ext>
+            </a:extLst>
+          </p:cNvPr>
+          <p:cNvPicPr>
+            <a:picLocks noChangeAspect="1"/>
+          </p:cNvPicPr>
+          <p:nvPr/>
+        </p:nvPicPr>
+        <p:blipFill rotWithShape="1">
+          <a:blip r:embed="rId3">
+            <a:extLst>
+              <a:ext uri="{28A0092B-C50C-407E-A947-70E740481C1C}">
+                <a14:useLocalDpi xmlns:a14="http://schemas.microsoft.com/office/drawing/2010/main" val="0"/>
+              </a:ext>
+            </a:extLst>
+          </a:blip>
+          <a:srcRect r="80616" b="75400"/>
+          <a:stretch/>
+        </p:blipFill>
+        <p:spPr>
+          <a:xfrm>
+            <a:off x="2652984" y="3924870"/>
+            <a:ext cx="1212930" cy="816782"/>
+          </a:xfrm>
+          <a:prstGeom prst="rect">
+            <a:avLst/>
+          </a:prstGeom>
+        </p:spPr>
+      </p:pic>
+      <p:pic>
+        <p:nvPicPr>
+          <p:cNvPr id="7" name="Picture 6" descr="A screenshot of a cell phone&#10;&#10;Description generated with very high confidence">
+            <a:extLst>
+              <a:ext uri="{FF2B5EF4-FFF2-40B4-BE49-F238E27FC236}">
+                <a16:creationId xmlns:a16="http://schemas.microsoft.com/office/drawing/2014/main" id="{AE7A7BD1-64ED-4596-98B0-7988E8FDD0AD}"/>
+              </a:ext>
+            </a:extLst>
+          </p:cNvPr>
+          <p:cNvPicPr>
+            <a:picLocks noChangeAspect="1"/>
+          </p:cNvPicPr>
+          <p:nvPr/>
+        </p:nvPicPr>
+        <p:blipFill rotWithShape="1">
+          <a:blip r:embed="rId4">
+            <a:extLst>
+              <a:ext uri="{28A0092B-C50C-407E-A947-70E740481C1C}">
+                <a14:useLocalDpi xmlns:a14="http://schemas.microsoft.com/office/drawing/2010/main" val="0"/>
+              </a:ext>
+            </a:extLst>
+          </a:blip>
+          <a:srcRect l="1" r="79394" b="55119"/>
+          <a:stretch/>
+        </p:blipFill>
+        <p:spPr>
+          <a:xfrm>
+            <a:off x="2596501" y="5295723"/>
+            <a:ext cx="1269413" cy="796599"/>
+          </a:xfrm>
+          <a:prstGeom prst="rect">
+            <a:avLst/>
+          </a:prstGeom>
+        </p:spPr>
+      </p:pic>
+      <p:pic>
+        <p:nvPicPr>
+          <p:cNvPr id="8" name="Graphic 7" descr="User">
+            <a:extLst>
+              <a:ext uri="{FF2B5EF4-FFF2-40B4-BE49-F238E27FC236}">
+                <a16:creationId xmlns:a16="http://schemas.microsoft.com/office/drawing/2014/main" id="{55B73894-8231-44B4-A939-9E3911BF8715}"/>
+              </a:ext>
+            </a:extLst>
+          </p:cNvPr>
+          <p:cNvPicPr>
+            <a:picLocks noChangeAspect="1"/>
+          </p:cNvPicPr>
+          <p:nvPr/>
+        </p:nvPicPr>
+        <p:blipFill>
+          <a:blip r:embed="rId5">
+            <a:extLst>
+              <a:ext uri="{28A0092B-C50C-407E-A947-70E740481C1C}">
+                <a14:useLocalDpi xmlns:a14="http://schemas.microsoft.com/office/drawing/2010/main" val="0"/>
+              </a:ext>
+              <a:ext uri="{96DAC541-7B7A-43D3-8B79-37D633B846F1}">
+                <asvg:svgBlip xmlns:asvg="http://schemas.microsoft.com/office/drawing/2016/SVG/main" r:embed="rId6"/>
+              </a:ext>
+            </a:extLst>
+          </a:blip>
+          <a:stretch>
+            <a:fillRect/>
+          </a:stretch>
+        </p:blipFill>
+        <p:spPr>
+          <a:xfrm>
+            <a:off x="1369771" y="2269208"/>
+            <a:ext cx="1322882" cy="1322882"/>
+          </a:xfrm>
+          <a:prstGeom prst="rect">
+            <a:avLst/>
+          </a:prstGeom>
+        </p:spPr>
+      </p:pic>
+      <p:pic>
+        <p:nvPicPr>
+          <p:cNvPr id="9" name="Picture 8">
+            <a:extLst>
+              <a:ext uri="{FF2B5EF4-FFF2-40B4-BE49-F238E27FC236}">
+                <a16:creationId xmlns:a16="http://schemas.microsoft.com/office/drawing/2014/main" id="{1FC23CD5-8146-4AE6-A194-BF1F036E9652}"/>
+              </a:ext>
+            </a:extLst>
+          </p:cNvPr>
+          <p:cNvPicPr>
+            <a:picLocks noChangeAspect="1"/>
+          </p:cNvPicPr>
+          <p:nvPr/>
+        </p:nvPicPr>
+        <p:blipFill rotWithShape="1">
+          <a:blip r:embed="rId7"/>
+          <a:srcRect r="42080" b="80050"/>
+          <a:stretch/>
+        </p:blipFill>
+        <p:spPr>
+          <a:xfrm>
+            <a:off x="4676204" y="1442924"/>
+            <a:ext cx="1322883" cy="416591"/>
+          </a:xfrm>
+          <a:prstGeom prst="rect">
+            <a:avLst/>
+          </a:prstGeom>
+          <a:solidFill>
+            <a:srgbClr val="FFFFFF">
+              <a:shade val="85000"/>
+            </a:srgbClr>
+          </a:solidFill>
+          <a:ln w="88900" cap="sq">
+            <a:solidFill>
+              <a:srgbClr val="FFFFFF"/>
+            </a:solidFill>
+            <a:miter lim="800000"/>
+          </a:ln>
+          <a:effectLst>
+            <a:outerShdw blurRad="55000" dist="18000" dir="5400000" algn="tl" rotWithShape="0">
+              <a:srgbClr val="000000">
+                <a:alpha val="40000"/>
+              </a:srgbClr>
+            </a:outerShdw>
+          </a:effectLst>
+          <a:scene3d>
+            <a:camera prst="orthographicFront"/>
+            <a:lightRig rig="twoPt" dir="t">
+              <a:rot lat="0" lon="0" rev="7200000"/>
+            </a:lightRig>
+          </a:scene3d>
+          <a:sp3d>
+            <a:bevelT w="25400" h="19050"/>
+            <a:contourClr>
+              <a:srgbClr val="FFFFFF"/>
+            </a:contourClr>
+          </a:sp3d>
+        </p:spPr>
+      </p:pic>
+      <p:pic>
+        <p:nvPicPr>
+          <p:cNvPr id="10" name="Picture 9" descr="A screenshot of a social media post&#10;&#10;Description generated with very high confidence">
+            <a:extLst>
+              <a:ext uri="{FF2B5EF4-FFF2-40B4-BE49-F238E27FC236}">
+                <a16:creationId xmlns:a16="http://schemas.microsoft.com/office/drawing/2014/main" id="{0DAADCAE-299F-41AA-97FA-CFDDB6D94444}"/>
+              </a:ext>
+            </a:extLst>
+          </p:cNvPr>
+          <p:cNvPicPr>
+            <a:picLocks noChangeAspect="1"/>
+          </p:cNvPicPr>
+          <p:nvPr/>
+        </p:nvPicPr>
+        <p:blipFill rotWithShape="1">
+          <a:blip r:embed="rId8"/>
+          <a:srcRect r="48630" b="82542"/>
+          <a:stretch/>
+        </p:blipFill>
+        <p:spPr>
+          <a:xfrm>
+            <a:off x="7328539" y="1442924"/>
+            <a:ext cx="1163958" cy="398804"/>
+          </a:xfrm>
+          <a:prstGeom prst="rect">
+            <a:avLst/>
+          </a:prstGeom>
+          <a:solidFill>
+            <a:srgbClr val="FFFFFF">
+              <a:shade val="85000"/>
+            </a:srgbClr>
+          </a:solidFill>
+          <a:ln w="88900" cap="sq">
+            <a:solidFill>
+              <a:srgbClr val="FFFFFF"/>
+            </a:solidFill>
+            <a:miter lim="800000"/>
+          </a:ln>
+          <a:effectLst>
+            <a:outerShdw blurRad="55000" dist="18000" dir="5400000" algn="tl" rotWithShape="0">
+              <a:srgbClr val="000000">
+                <a:alpha val="40000"/>
+              </a:srgbClr>
+            </a:outerShdw>
+          </a:effectLst>
+          <a:scene3d>
+            <a:camera prst="orthographicFront"/>
+            <a:lightRig rig="twoPt" dir="t">
+              <a:rot lat="0" lon="0" rev="7200000"/>
+            </a:lightRig>
+          </a:scene3d>
+          <a:sp3d>
+            <a:bevelT w="25400" h="19050"/>
+            <a:contourClr>
+              <a:srgbClr val="FFFFFF"/>
+            </a:contourClr>
+          </a:sp3d>
+        </p:spPr>
+      </p:pic>
+      <p:pic>
+        <p:nvPicPr>
+          <p:cNvPr id="11" name="Picture 10" descr="A screenshot of a cell phone&#10;&#10;Description generated with very high confidence">
+            <a:extLst>
+              <a:ext uri="{FF2B5EF4-FFF2-40B4-BE49-F238E27FC236}">
+                <a16:creationId xmlns:a16="http://schemas.microsoft.com/office/drawing/2014/main" id="{1EA9B5DD-ED40-4EBB-91CF-F9A5D306BF5E}"/>
+              </a:ext>
+            </a:extLst>
+          </p:cNvPr>
+          <p:cNvPicPr>
+            <a:picLocks noChangeAspect="1"/>
+          </p:cNvPicPr>
+          <p:nvPr/>
+        </p:nvPicPr>
+        <p:blipFill rotWithShape="1">
+          <a:blip r:embed="rId9"/>
+          <a:srcRect r="43201" b="79267"/>
+          <a:stretch/>
+        </p:blipFill>
+        <p:spPr>
+          <a:xfrm>
+            <a:off x="9821949" y="1442924"/>
+            <a:ext cx="1322882" cy="417675"/>
+          </a:xfrm>
+          <a:prstGeom prst="rect">
+            <a:avLst/>
+          </a:prstGeom>
+          <a:solidFill>
+            <a:srgbClr val="FFFFFF">
+              <a:shade val="85000"/>
+            </a:srgbClr>
+          </a:solidFill>
+          <a:ln w="88900" cap="sq">
+            <a:solidFill>
+              <a:srgbClr val="FFFFFF"/>
+            </a:solidFill>
+            <a:miter lim="800000"/>
+          </a:ln>
+          <a:effectLst>
+            <a:outerShdw blurRad="55000" dist="18000" dir="5400000" algn="tl" rotWithShape="0">
+              <a:srgbClr val="000000">
+                <a:alpha val="40000"/>
+              </a:srgbClr>
+            </a:outerShdw>
+          </a:effectLst>
+          <a:scene3d>
+            <a:camera prst="orthographicFront"/>
+            <a:lightRig rig="twoPt" dir="t">
+              <a:rot lat="0" lon="0" rev="7200000"/>
+            </a:lightRig>
+          </a:scene3d>
+          <a:sp3d>
+            <a:bevelT w="25400" h="19050"/>
+            <a:contourClr>
+              <a:srgbClr val="FFFFFF"/>
+            </a:contourClr>
+          </a:sp3d>
+        </p:spPr>
+      </p:pic>
+      <p:pic>
+        <p:nvPicPr>
+          <p:cNvPr id="12" name="Picture 11">
+            <a:extLst>
+              <a:ext uri="{FF2B5EF4-FFF2-40B4-BE49-F238E27FC236}">
+                <a16:creationId xmlns:a16="http://schemas.microsoft.com/office/drawing/2014/main" id="{9C7777A2-F878-4BEB-877C-AF1FCC9F6B46}"/>
+              </a:ext>
+            </a:extLst>
+          </p:cNvPr>
+          <p:cNvPicPr>
+            <a:picLocks noChangeAspect="1"/>
+          </p:cNvPicPr>
+          <p:nvPr/>
+        </p:nvPicPr>
+        <p:blipFill rotWithShape="1">
+          <a:blip r:embed="rId7"/>
+          <a:srcRect t="33017" b="22840"/>
+          <a:stretch/>
+        </p:blipFill>
+        <p:spPr>
+          <a:xfrm>
+            <a:off x="4195653" y="2510262"/>
+            <a:ext cx="2283983" cy="921775"/>
+          </a:xfrm>
+          <a:prstGeom prst="rect">
+            <a:avLst/>
+          </a:prstGeom>
+          <a:solidFill>
+            <a:srgbClr val="FFFFFF">
+              <a:shade val="85000"/>
+            </a:srgbClr>
+          </a:solidFill>
+          <a:ln w="88900" cap="sq">
+            <a:solidFill>
+              <a:srgbClr val="FFFFFF"/>
+            </a:solidFill>
+            <a:miter lim="800000"/>
+          </a:ln>
+          <a:effectLst>
+            <a:outerShdw blurRad="55000" dist="18000" dir="5400000" algn="tl" rotWithShape="0">
+              <a:srgbClr val="000000">
+                <a:alpha val="40000"/>
+              </a:srgbClr>
+            </a:outerShdw>
+          </a:effectLst>
+          <a:scene3d>
+            <a:camera prst="orthographicFront"/>
+            <a:lightRig rig="twoPt" dir="t">
+              <a:rot lat="0" lon="0" rev="7200000"/>
+            </a:lightRig>
+          </a:scene3d>
+          <a:sp3d>
+            <a:bevelT w="25400" h="19050"/>
+            <a:contourClr>
+              <a:srgbClr val="FFFFFF"/>
+            </a:contourClr>
+          </a:sp3d>
+        </p:spPr>
+      </p:pic>
+      <p:pic>
+        <p:nvPicPr>
+          <p:cNvPr id="13" name="Picture 12" descr="A screenshot of a social media post&#10;&#10;Description generated with very high confidence">
+            <a:extLst>
+              <a:ext uri="{FF2B5EF4-FFF2-40B4-BE49-F238E27FC236}">
+                <a16:creationId xmlns:a16="http://schemas.microsoft.com/office/drawing/2014/main" id="{10356A8D-532B-4BF0-8C97-65D7FB26FE33}"/>
+              </a:ext>
+            </a:extLst>
+          </p:cNvPr>
+          <p:cNvPicPr>
+            <a:picLocks noChangeAspect="1"/>
+          </p:cNvPicPr>
+          <p:nvPr/>
+        </p:nvPicPr>
+        <p:blipFill rotWithShape="1">
+          <a:blip r:embed="rId8"/>
+          <a:srcRect t="29376" b="30274"/>
+          <a:stretch/>
+        </p:blipFill>
+        <p:spPr>
+          <a:xfrm>
+            <a:off x="6847990" y="2494699"/>
+            <a:ext cx="2265836" cy="921775"/>
+          </a:xfrm>
+          <a:prstGeom prst="rect">
+            <a:avLst/>
+          </a:prstGeom>
+          <a:solidFill>
+            <a:srgbClr val="FFFFFF">
+              <a:shade val="85000"/>
+            </a:srgbClr>
+          </a:solidFill>
+          <a:ln w="88900" cap="sq">
+            <a:solidFill>
+              <a:srgbClr val="FFFFFF"/>
+            </a:solidFill>
+            <a:miter lim="800000"/>
+          </a:ln>
+          <a:effectLst>
+            <a:outerShdw blurRad="55000" dist="18000" dir="5400000" algn="tl" rotWithShape="0">
+              <a:srgbClr val="000000">
+                <a:alpha val="40000"/>
+              </a:srgbClr>
+            </a:outerShdw>
+          </a:effectLst>
+          <a:scene3d>
+            <a:camera prst="orthographicFront"/>
+            <a:lightRig rig="twoPt" dir="t">
+              <a:rot lat="0" lon="0" rev="7200000"/>
+            </a:lightRig>
+          </a:scene3d>
+          <a:sp3d>
+            <a:bevelT w="25400" h="19050"/>
+            <a:contourClr>
+              <a:srgbClr val="FFFFFF"/>
+            </a:contourClr>
+          </a:sp3d>
+        </p:spPr>
+      </p:pic>
+      <p:pic>
+        <p:nvPicPr>
+          <p:cNvPr id="14" name="Picture 13" descr="A screenshot of a cell phone&#10;&#10;Description generated with very high confidence">
+            <a:extLst>
+              <a:ext uri="{FF2B5EF4-FFF2-40B4-BE49-F238E27FC236}">
+                <a16:creationId xmlns:a16="http://schemas.microsoft.com/office/drawing/2014/main" id="{A61922F6-07C7-4CBF-AF05-AE395D125E77}"/>
+              </a:ext>
+            </a:extLst>
+          </p:cNvPr>
+          <p:cNvPicPr>
+            <a:picLocks noChangeAspect="1"/>
+          </p:cNvPicPr>
+          <p:nvPr/>
+        </p:nvPicPr>
+        <p:blipFill rotWithShape="1">
+          <a:blip r:embed="rId9"/>
+          <a:srcRect t="34334" b="25527"/>
+          <a:stretch/>
+        </p:blipFill>
+        <p:spPr>
+          <a:xfrm>
+            <a:off x="9482180" y="2494699"/>
+            <a:ext cx="2329050" cy="808620"/>
+          </a:xfrm>
+          <a:prstGeom prst="rect">
+            <a:avLst/>
+          </a:prstGeom>
+          <a:solidFill>
+            <a:srgbClr val="FFFFFF">
+              <a:shade val="85000"/>
+            </a:srgbClr>
+          </a:solidFill>
+          <a:ln w="88900" cap="sq">
+            <a:solidFill>
+              <a:srgbClr val="FFFFFF"/>
+            </a:solidFill>
+            <a:miter lim="800000"/>
+          </a:ln>
+          <a:effectLst>
+            <a:outerShdw blurRad="55000" dist="18000" dir="5400000" algn="tl" rotWithShape="0">
+              <a:srgbClr val="000000">
+                <a:alpha val="40000"/>
+              </a:srgbClr>
+            </a:outerShdw>
+          </a:effectLst>
+          <a:scene3d>
+            <a:camera prst="orthographicFront"/>
+            <a:lightRig rig="twoPt" dir="t">
+              <a:rot lat="0" lon="0" rev="7200000"/>
+            </a:lightRig>
+          </a:scene3d>
+          <a:sp3d>
+            <a:bevelT w="25400" h="19050"/>
+            <a:contourClr>
+              <a:srgbClr val="FFFFFF"/>
+            </a:contourClr>
+          </a:sp3d>
+        </p:spPr>
+      </p:pic>
+      <p:pic>
+        <p:nvPicPr>
+          <p:cNvPr id="18" name="Picture 17" descr="A screenshot of a cell phone&#10;&#10;Description generated with very high confidence">
+            <a:extLst>
+              <a:ext uri="{FF2B5EF4-FFF2-40B4-BE49-F238E27FC236}">
+                <a16:creationId xmlns:a16="http://schemas.microsoft.com/office/drawing/2014/main" id="{0464EB29-B6A0-445D-95E4-EDCFCC681870}"/>
+              </a:ext>
+            </a:extLst>
+          </p:cNvPr>
+          <p:cNvPicPr>
+            <a:picLocks noChangeAspect="1"/>
+          </p:cNvPicPr>
+          <p:nvPr/>
+        </p:nvPicPr>
+        <p:blipFill rotWithShape="1">
+          <a:blip r:embed="rId10"/>
+          <a:srcRect t="30313" b="19792"/>
+          <a:stretch/>
+        </p:blipFill>
+        <p:spPr>
+          <a:xfrm>
+            <a:off x="4195653" y="3763876"/>
+            <a:ext cx="2216038" cy="1129643"/>
+          </a:xfrm>
+          <a:prstGeom prst="rect">
+            <a:avLst/>
+          </a:prstGeom>
+          <a:solidFill>
+            <a:srgbClr val="FFFFFF">
+              <a:shade val="85000"/>
+            </a:srgbClr>
+          </a:solidFill>
+          <a:ln w="88900" cap="sq">
+            <a:solidFill>
+              <a:srgbClr val="FFFFFF"/>
+            </a:solidFill>
+            <a:miter lim="800000"/>
+          </a:ln>
+          <a:effectLst>
+            <a:outerShdw blurRad="55000" dist="18000" dir="5400000" algn="tl" rotWithShape="0">
+              <a:srgbClr val="000000">
+                <a:alpha val="40000"/>
+              </a:srgbClr>
+            </a:outerShdw>
+          </a:effectLst>
+          <a:scene3d>
+            <a:camera prst="orthographicFront"/>
+            <a:lightRig rig="twoPt" dir="t">
+              <a:rot lat="0" lon="0" rev="7200000"/>
+            </a:lightRig>
+          </a:scene3d>
+          <a:sp3d>
+            <a:bevelT w="25400" h="19050"/>
+            <a:contourClr>
+              <a:srgbClr val="FFFFFF"/>
+            </a:contourClr>
+          </a:sp3d>
+        </p:spPr>
+      </p:pic>
+      <p:pic>
+        <p:nvPicPr>
+          <p:cNvPr id="19" name="Picture 18" descr="A screenshot of a cell phone&#10;&#10;Description generated with very high confidence">
+            <a:extLst>
+              <a:ext uri="{FF2B5EF4-FFF2-40B4-BE49-F238E27FC236}">
+                <a16:creationId xmlns:a16="http://schemas.microsoft.com/office/drawing/2014/main" id="{915B437D-7C3E-4E25-9A47-04C73BD45297}"/>
+              </a:ext>
+            </a:extLst>
+          </p:cNvPr>
+          <p:cNvPicPr>
+            <a:picLocks noChangeAspect="1"/>
+          </p:cNvPicPr>
+          <p:nvPr/>
+        </p:nvPicPr>
+        <p:blipFill rotWithShape="1">
+          <a:blip r:embed="rId11"/>
+          <a:srcRect t="27536" b="36603"/>
+          <a:stretch/>
+        </p:blipFill>
+        <p:spPr>
+          <a:xfrm>
+            <a:off x="6946163" y="3915742"/>
+            <a:ext cx="2069489" cy="825910"/>
+          </a:xfrm>
+          <a:prstGeom prst="rect">
+            <a:avLst/>
+          </a:prstGeom>
+          <a:solidFill>
+            <a:srgbClr val="FFFFFF">
+              <a:shade val="85000"/>
+            </a:srgbClr>
+          </a:solidFill>
+          <a:ln w="88900" cap="sq">
+            <a:solidFill>
+              <a:srgbClr val="FFFFFF"/>
+            </a:solidFill>
+            <a:miter lim="800000"/>
+          </a:ln>
+          <a:effectLst>
+            <a:outerShdw blurRad="55000" dist="18000" dir="5400000" algn="tl" rotWithShape="0">
+              <a:srgbClr val="000000">
+                <a:alpha val="40000"/>
+              </a:srgbClr>
+            </a:outerShdw>
+          </a:effectLst>
+          <a:scene3d>
+            <a:camera prst="orthographicFront"/>
+            <a:lightRig rig="twoPt" dir="t">
+              <a:rot lat="0" lon="0" rev="7200000"/>
+            </a:lightRig>
+          </a:scene3d>
+          <a:sp3d>
+            <a:bevelT w="25400" h="19050"/>
+            <a:contourClr>
+              <a:srgbClr val="FFFFFF"/>
+            </a:contourClr>
+          </a:sp3d>
+        </p:spPr>
+      </p:pic>
+      <p:pic>
+        <p:nvPicPr>
+          <p:cNvPr id="20" name="Picture 19" descr="A screenshot of a cell phone&#10;&#10;Description generated with very high confidence">
+            <a:extLst>
+              <a:ext uri="{FF2B5EF4-FFF2-40B4-BE49-F238E27FC236}">
+                <a16:creationId xmlns:a16="http://schemas.microsoft.com/office/drawing/2014/main" id="{4DE207D8-6304-4D7F-8CDA-301E16AE5A75}"/>
+              </a:ext>
+            </a:extLst>
+          </p:cNvPr>
+          <p:cNvPicPr>
+            <a:picLocks noChangeAspect="1"/>
+          </p:cNvPicPr>
+          <p:nvPr/>
+        </p:nvPicPr>
+        <p:blipFill rotWithShape="1">
+          <a:blip r:embed="rId12"/>
+          <a:srcRect t="35666"/>
+          <a:stretch/>
+        </p:blipFill>
+        <p:spPr>
+          <a:xfrm>
+            <a:off x="4171438" y="5157599"/>
+            <a:ext cx="2332412" cy="1216743"/>
+          </a:xfrm>
+          <a:prstGeom prst="rect">
+            <a:avLst/>
+          </a:prstGeom>
+          <a:solidFill>
+            <a:srgbClr val="FFFFFF">
+              <a:shade val="85000"/>
+            </a:srgbClr>
+          </a:solidFill>
+          <a:ln w="88900" cap="sq">
+            <a:solidFill>
+              <a:srgbClr val="FFFFFF"/>
+            </a:solidFill>
+            <a:miter lim="800000"/>
+          </a:ln>
+          <a:effectLst>
+            <a:outerShdw blurRad="55000" dist="18000" dir="5400000" algn="tl" rotWithShape="0">
+              <a:srgbClr val="000000">
+                <a:alpha val="40000"/>
+              </a:srgbClr>
+            </a:outerShdw>
+          </a:effectLst>
+          <a:scene3d>
+            <a:camera prst="orthographicFront"/>
+            <a:lightRig rig="twoPt" dir="t">
+              <a:rot lat="0" lon="0" rev="7200000"/>
+            </a:lightRig>
+          </a:scene3d>
+          <a:sp3d>
+            <a:bevelT w="25400" h="19050"/>
+            <a:contourClr>
+              <a:srgbClr val="FFFFFF"/>
+            </a:contourClr>
+          </a:sp3d>
+        </p:spPr>
+      </p:pic>
+      <p:pic>
+        <p:nvPicPr>
+          <p:cNvPr id="21" name="Picture 20" descr="A screenshot of a cell phone&#10;&#10;Description generated with very high confidence">
+            <a:extLst>
+              <a:ext uri="{FF2B5EF4-FFF2-40B4-BE49-F238E27FC236}">
+                <a16:creationId xmlns:a16="http://schemas.microsoft.com/office/drawing/2014/main" id="{F396C156-059B-4451-A6D2-13AF69D07152}"/>
+              </a:ext>
+            </a:extLst>
+          </p:cNvPr>
+          <p:cNvPicPr>
+            <a:picLocks noChangeAspect="1"/>
+          </p:cNvPicPr>
+          <p:nvPr/>
+        </p:nvPicPr>
+        <p:blipFill rotWithShape="1">
+          <a:blip r:embed="rId13"/>
+          <a:srcRect t="30005" b="15188"/>
+          <a:stretch/>
+        </p:blipFill>
+        <p:spPr>
+          <a:xfrm>
+            <a:off x="9565092" y="5118012"/>
+            <a:ext cx="2065683" cy="1165122"/>
+          </a:xfrm>
+          <a:prstGeom prst="rect">
+            <a:avLst/>
+          </a:prstGeom>
+          <a:solidFill>
+            <a:srgbClr val="FFFFFF">
+              <a:shade val="85000"/>
+            </a:srgbClr>
+          </a:solidFill>
+          <a:ln w="88900" cap="sq">
+            <a:solidFill>
+              <a:srgbClr val="FFFFFF"/>
+            </a:solidFill>
+            <a:miter lim="800000"/>
+          </a:ln>
+          <a:effectLst>
+            <a:outerShdw blurRad="55000" dist="18000" dir="5400000" algn="tl" rotWithShape="0">
+              <a:srgbClr val="000000">
+                <a:alpha val="40000"/>
+              </a:srgbClr>
+            </a:outerShdw>
+          </a:effectLst>
+          <a:scene3d>
+            <a:camera prst="orthographicFront"/>
+            <a:lightRig rig="twoPt" dir="t">
+              <a:rot lat="0" lon="0" rev="7200000"/>
+            </a:lightRig>
+          </a:scene3d>
+          <a:sp3d>
+            <a:bevelT w="25400" h="19050"/>
+            <a:contourClr>
+              <a:srgbClr val="FFFFFF"/>
+            </a:contourClr>
+          </a:sp3d>
+        </p:spPr>
+      </p:pic>
+      <p:sp>
+        <p:nvSpPr>
+          <p:cNvPr id="23" name="TextBox 22">
+            <a:extLst>
+              <a:ext uri="{FF2B5EF4-FFF2-40B4-BE49-F238E27FC236}">
+                <a16:creationId xmlns:a16="http://schemas.microsoft.com/office/drawing/2014/main" id="{C42C71CD-0DC9-49E7-A38A-A71066AAA0CC}"/>
+              </a:ext>
+            </a:extLst>
+          </p:cNvPr>
+          <p:cNvSpPr txBox="1"/>
+          <p:nvPr/>
+        </p:nvSpPr>
+        <p:spPr>
+          <a:xfrm>
+            <a:off x="256919" y="234327"/>
+            <a:ext cx="7390120" cy="523220"/>
+          </a:xfrm>
+          <a:prstGeom prst="rect">
+            <a:avLst/>
+          </a:prstGeom>
+        </p:spPr>
+        <p:style>
+          <a:lnRef idx="2">
+            <a:schemeClr val="dk1"/>
+          </a:lnRef>
+          <a:fillRef idx="1">
+            <a:schemeClr val="lt1"/>
+          </a:fillRef>
+          <a:effectRef idx="0">
+            <a:schemeClr val="dk1"/>
+          </a:effectRef>
+          <a:fontRef idx="minor">
+            <a:schemeClr val="dk1"/>
+          </a:fontRef>
+        </p:style>
+        <p:txBody>
+          <a:bodyPr wrap="square" rtlCol="0">
+            <a:spAutoFit/>
+          </a:bodyPr>
+          <a:lstStyle/>
+          <a:p>
+            <a:r>
+              <a:rPr lang="en-US" sz="2800" dirty="0">
+                <a:ln w="0"/>
+                <a:effectLst>
+                  <a:outerShdw blurRad="38100" dist="19050" dir="2700000" algn="tl" rotWithShape="0">
+                    <a:schemeClr val="dk1">
+                      <a:alpha val="40000"/>
+                    </a:schemeClr>
+                  </a:outerShdw>
+                </a:effectLst>
+              </a:rPr>
+              <a:t>The User – Item Matrix for user U and business B</a:t>
+            </a:r>
+          </a:p>
+        </p:txBody>
+      </p:sp>
+      <p:sp>
+        <p:nvSpPr>
+          <p:cNvPr id="24" name="TextBox 23">
+            <a:extLst>
+              <a:ext uri="{FF2B5EF4-FFF2-40B4-BE49-F238E27FC236}">
+                <a16:creationId xmlns:a16="http://schemas.microsoft.com/office/drawing/2014/main" id="{374C340A-31A6-4F64-9EE6-CEF56CBC2C9D}"/>
+              </a:ext>
+            </a:extLst>
+          </p:cNvPr>
+          <p:cNvSpPr txBox="1"/>
+          <p:nvPr/>
+        </p:nvSpPr>
+        <p:spPr>
+          <a:xfrm>
+            <a:off x="7838769" y="172771"/>
+            <a:ext cx="4119084" cy="646331"/>
+          </a:xfrm>
+          <a:prstGeom prst="rect">
+            <a:avLst/>
+          </a:prstGeom>
+          <a:noFill/>
+        </p:spPr>
+        <p:txBody>
+          <a:bodyPr wrap="square" rtlCol="0">
+            <a:spAutoFit/>
+          </a:bodyPr>
+          <a:lstStyle/>
+          <a:p>
+            <a:r>
+              <a:rPr lang="en-US" dirty="0"/>
+              <a:t>* Note: Text was prepossessed and TFIDF    calculated before calculating similarity</a:t>
+            </a:r>
+          </a:p>
+        </p:txBody>
+      </p:sp>
+    </p:spTree>
+    <p:extLst>
+      <p:ext uri="{BB962C8B-B14F-4D97-AF65-F5344CB8AC3E}">
+        <p14:creationId xmlns:p14="http://schemas.microsoft.com/office/powerpoint/2010/main" val="924217465"/>
+      </p:ext>
+    </p:extLst>
+  </p:cSld>
+  <p:clrMapOvr>
+    <a:masterClrMapping/>
+  </p:clrMapOvr>
+</p:sld>
+</file>
+
+<file path=ppt/slides/slide12.xml><?xml version="1.0" encoding="utf-8"?>
+<p:sld xmlns:a="http://schemas.openxmlformats.org/drawingml/2006/main" xmlns:r="http://schemas.openxmlformats.org/officeDocument/2006/relationships" xmlns:p="http://schemas.openxmlformats.org/presentationml/2006/main">
+  <p:cSld>
+    <p:spTree>
+      <p:nvGrpSpPr>
+        <p:cNvPr id="1" name=""/>
+        <p:cNvGrpSpPr/>
+        <p:nvPr/>
+      </p:nvGrpSpPr>
+      <p:grpSpPr>
+        <a:xfrm>
+          <a:off x="0" y="0"/>
+          <a:ext cx="0" cy="0"/>
+          <a:chOff x="0" y="0"/>
+          <a:chExt cx="0" cy="0"/>
+        </a:xfrm>
+      </p:grpSpPr>
+      <p:graphicFrame>
+        <p:nvGraphicFramePr>
+          <p:cNvPr id="4" name="Content Placeholder 3">
+            <a:extLst>
+              <a:ext uri="{FF2B5EF4-FFF2-40B4-BE49-F238E27FC236}">
+                <a16:creationId xmlns:a16="http://schemas.microsoft.com/office/drawing/2014/main" id="{AB0502D6-0F85-43DB-8B1C-649882906265}"/>
+              </a:ext>
+            </a:extLst>
+          </p:cNvPr>
+          <p:cNvGraphicFramePr>
+            <a:graphicFrameLocks noGrp="1"/>
+          </p:cNvGraphicFramePr>
+          <p:nvPr>
+            <p:ph idx="1"/>
+            <p:extLst>
+              <p:ext uri="{D42A27DB-BD31-4B8C-83A1-F6EECF244321}">
+                <p14:modId xmlns:p14="http://schemas.microsoft.com/office/powerpoint/2010/main" val="1782212609"/>
+              </p:ext>
+            </p:extLst>
+          </p:nvPr>
+        </p:nvGraphicFramePr>
+        <p:xfrm>
+          <a:off x="1398638" y="937139"/>
+          <a:ext cx="10515600" cy="5412660"/>
+        </p:xfrm>
+        <a:graphic>
+          <a:graphicData uri="http://schemas.openxmlformats.org/drawingml/2006/table">
+            <a:tbl>
+              <a:tblPr firstRow="1" firstCol="1" bandRow="1">
+                <a:tableStyleId>{5C22544A-7EE6-4342-B048-85BDC9FD1C3A}</a:tableStyleId>
+              </a:tblPr>
+              <a:tblGrid>
+                <a:gridCol w="2628900">
+                  <a:extLst>
+                    <a:ext uri="{9D8B030D-6E8A-4147-A177-3AD203B41FA5}">
+                      <a16:colId xmlns:a16="http://schemas.microsoft.com/office/drawing/2014/main" val="2998622724"/>
+                    </a:ext>
+                  </a:extLst>
+                </a:gridCol>
+                <a:gridCol w="2628900">
+                  <a:extLst>
+                    <a:ext uri="{9D8B030D-6E8A-4147-A177-3AD203B41FA5}">
+                      <a16:colId xmlns:a16="http://schemas.microsoft.com/office/drawing/2014/main" val="4004007087"/>
+                    </a:ext>
+                  </a:extLst>
+                </a:gridCol>
+                <a:gridCol w="2628900">
+                  <a:extLst>
+                    <a:ext uri="{9D8B030D-6E8A-4147-A177-3AD203B41FA5}">
+                      <a16:colId xmlns:a16="http://schemas.microsoft.com/office/drawing/2014/main" val="4179078068"/>
+                    </a:ext>
+                  </a:extLst>
+                </a:gridCol>
+                <a:gridCol w="2628900">
+                  <a:extLst>
+                    <a:ext uri="{9D8B030D-6E8A-4147-A177-3AD203B41FA5}">
+                      <a16:colId xmlns:a16="http://schemas.microsoft.com/office/drawing/2014/main" val="1952794464"/>
+                    </a:ext>
+                  </a:extLst>
+                </a:gridCol>
+              </a:tblGrid>
+              <a:tr h="1353165">
+                <a:tc>
+                  <a:txBody>
+                    <a:bodyPr/>
+                    <a:lstStyle/>
+                    <a:p>
+                      <a:endParaRPr lang="en-US" dirty="0"/>
+                    </a:p>
+                  </a:txBody>
+                  <a:tcPr/>
+                </a:tc>
+                <a:tc>
+                  <a:txBody>
+                    <a:bodyPr/>
+                    <a:lstStyle/>
+                    <a:p>
+                      <a:endParaRPr lang="en-US" dirty="0"/>
+                    </a:p>
+                  </a:txBody>
+                  <a:tcPr/>
+                </a:tc>
+                <a:tc>
+                  <a:txBody>
+                    <a:bodyPr/>
+                    <a:lstStyle/>
+                    <a:p>
+                      <a:endParaRPr lang="en-US" dirty="0"/>
+                    </a:p>
+                  </a:txBody>
+                  <a:tcPr/>
+                </a:tc>
+                <a:tc>
+                  <a:txBody>
+                    <a:bodyPr/>
+                    <a:lstStyle/>
+                    <a:p>
+                      <a:endParaRPr lang="en-US"/>
+                    </a:p>
+                  </a:txBody>
+                  <a:tcPr/>
+                </a:tc>
+                <a:extLst>
+                  <a:ext uri="{0D108BD9-81ED-4DB2-BD59-A6C34878D82A}">
+                    <a16:rowId xmlns:a16="http://schemas.microsoft.com/office/drawing/2014/main" val="663930948"/>
+                  </a:ext>
+                </a:extLst>
+              </a:tr>
+              <a:tr h="1353165">
+                <a:tc>
+                  <a:txBody>
+                    <a:bodyPr/>
+                    <a:lstStyle/>
+                    <a:p>
+                      <a:endParaRPr lang="en-US"/>
+                    </a:p>
+                  </a:txBody>
+                  <a:tcPr/>
+                </a:tc>
+                <a:tc>
+                  <a:txBody>
+                    <a:bodyPr/>
+                    <a:lstStyle/>
+                    <a:p>
+                      <a:pPr algn="ctr">
+                        <a:lnSpc>
+                          <a:spcPct val="300000"/>
+                        </a:lnSpc>
+                      </a:pPr>
+                      <a:r>
+                        <a:rPr lang="en-US" dirty="0"/>
+                        <a:t>1</a:t>
+                      </a:r>
+                    </a:p>
+                  </a:txBody>
+                  <a:tcPr/>
+                </a:tc>
+                <a:tc>
+                  <a:txBody>
+                    <a:bodyPr/>
+                    <a:lstStyle/>
+                    <a:p>
+                      <a:endParaRPr lang="en-US"/>
+                    </a:p>
+                  </a:txBody>
+                  <a:tcPr/>
+                </a:tc>
+                <a:tc>
+                  <a:txBody>
+                    <a:bodyPr/>
+                    <a:lstStyle/>
+                    <a:p>
+                      <a:endParaRPr lang="en-US"/>
+                    </a:p>
+                  </a:txBody>
+                  <a:tcPr/>
+                </a:tc>
+                <a:extLst>
+                  <a:ext uri="{0D108BD9-81ED-4DB2-BD59-A6C34878D82A}">
+                    <a16:rowId xmlns:a16="http://schemas.microsoft.com/office/drawing/2014/main" val="2897866083"/>
+                  </a:ext>
+                </a:extLst>
+              </a:tr>
+              <a:tr h="1353165">
+                <a:tc>
+                  <a:txBody>
+                    <a:bodyPr/>
+                    <a:lstStyle/>
+                    <a:p>
+                      <a:endParaRPr lang="en-US"/>
+                    </a:p>
+                  </a:txBody>
+                  <a:tcPr/>
+                </a:tc>
+                <a:tc>
+                  <a:txBody>
+                    <a:bodyPr/>
+                    <a:lstStyle/>
+                    <a:p>
+                      <a:pPr algn="ctr">
+                        <a:lnSpc>
+                          <a:spcPct val="300000"/>
+                        </a:lnSpc>
+                      </a:pPr>
+                      <a:r>
+                        <a:rPr lang="en-US" dirty="0"/>
+                        <a:t>.007</a:t>
+                      </a:r>
+                    </a:p>
+                  </a:txBody>
+                  <a:tcPr/>
+                </a:tc>
+                <a:tc>
+                  <a:txBody>
+                    <a:bodyPr/>
+                    <a:lstStyle/>
+                    <a:p>
+                      <a:endParaRPr lang="en-US" dirty="0"/>
+                    </a:p>
+                  </a:txBody>
+                  <a:tcPr/>
+                </a:tc>
+                <a:tc>
+                  <a:txBody>
+                    <a:bodyPr/>
+                    <a:lstStyle/>
+                    <a:p>
+                      <a:endParaRPr lang="en-US" dirty="0"/>
+                    </a:p>
+                  </a:txBody>
+                  <a:tcPr/>
+                </a:tc>
+                <a:extLst>
+                  <a:ext uri="{0D108BD9-81ED-4DB2-BD59-A6C34878D82A}">
+                    <a16:rowId xmlns:a16="http://schemas.microsoft.com/office/drawing/2014/main" val="481484129"/>
+                  </a:ext>
+                </a:extLst>
+              </a:tr>
+              <a:tr h="1353165">
+                <a:tc>
+                  <a:txBody>
+                    <a:bodyPr/>
+                    <a:lstStyle/>
+                    <a:p>
+                      <a:endParaRPr lang="en-US" dirty="0"/>
+                    </a:p>
+                  </a:txBody>
+                  <a:tcPr/>
+                </a:tc>
+                <a:tc>
+                  <a:txBody>
+                    <a:bodyPr/>
+                    <a:lstStyle/>
+                    <a:p>
+                      <a:pPr algn="ctr">
+                        <a:lnSpc>
+                          <a:spcPct val="300000"/>
+                        </a:lnSpc>
+                      </a:pPr>
+                      <a:r>
+                        <a:rPr lang="en-US" dirty="0"/>
+                        <a:t>.052</a:t>
+                      </a:r>
+                    </a:p>
+                  </a:txBody>
+                  <a:tcPr/>
+                </a:tc>
+                <a:tc>
+                  <a:txBody>
+                    <a:bodyPr/>
+                    <a:lstStyle/>
+                    <a:p>
+                      <a:endParaRPr lang="en-US" dirty="0"/>
+                    </a:p>
+                  </a:txBody>
+                  <a:tcPr/>
+                </a:tc>
+                <a:tc>
+                  <a:txBody>
+                    <a:bodyPr/>
+                    <a:lstStyle/>
+                    <a:p>
+                      <a:endParaRPr lang="en-US" dirty="0"/>
+                    </a:p>
+                  </a:txBody>
+                  <a:tcPr/>
+                </a:tc>
+                <a:extLst>
+                  <a:ext uri="{0D108BD9-81ED-4DB2-BD59-A6C34878D82A}">
+                    <a16:rowId xmlns:a16="http://schemas.microsoft.com/office/drawing/2014/main" val="2769288421"/>
+                  </a:ext>
+                </a:extLst>
+              </a:tr>
+            </a:tbl>
+          </a:graphicData>
+        </a:graphic>
+      </p:graphicFrame>
+      <p:pic>
+        <p:nvPicPr>
+          <p:cNvPr id="5" name="Picture 4" descr="A screenshot of a cell phone&#10;&#10;Description generated with very high confidence">
+            <a:extLst>
+              <a:ext uri="{FF2B5EF4-FFF2-40B4-BE49-F238E27FC236}">
+                <a16:creationId xmlns:a16="http://schemas.microsoft.com/office/drawing/2014/main" id="{0DFA0811-37E4-41C2-B7F8-07204EB0658A}"/>
+              </a:ext>
+            </a:extLst>
+          </p:cNvPr>
+          <p:cNvPicPr>
+            <a:picLocks noChangeAspect="1"/>
+          </p:cNvPicPr>
+          <p:nvPr/>
+        </p:nvPicPr>
+        <p:blipFill rotWithShape="1">
+          <a:blip r:embed="rId2"/>
+          <a:srcRect b="53800"/>
+          <a:stretch/>
+        </p:blipFill>
+        <p:spPr>
+          <a:xfrm>
+            <a:off x="2649038" y="2552251"/>
+            <a:ext cx="1209502" cy="644429"/>
+          </a:xfrm>
+          <a:prstGeom prst="rect">
+            <a:avLst/>
+          </a:prstGeom>
+        </p:spPr>
+      </p:pic>
+      <p:pic>
+        <p:nvPicPr>
+          <p:cNvPr id="6" name="Picture 5" descr="A screenshot of a cell phone&#10;&#10;Description generated with very high confidence">
+            <a:extLst>
+              <a:ext uri="{FF2B5EF4-FFF2-40B4-BE49-F238E27FC236}">
+                <a16:creationId xmlns:a16="http://schemas.microsoft.com/office/drawing/2014/main" id="{4E95A251-EAC9-408C-886D-B29479602DC1}"/>
+              </a:ext>
+            </a:extLst>
+          </p:cNvPr>
+          <p:cNvPicPr>
+            <a:picLocks noChangeAspect="1"/>
+          </p:cNvPicPr>
+          <p:nvPr/>
+        </p:nvPicPr>
+        <p:blipFill rotWithShape="1">
+          <a:blip r:embed="rId3">
+            <a:extLst>
+              <a:ext uri="{28A0092B-C50C-407E-A947-70E740481C1C}">
+                <a14:useLocalDpi xmlns:a14="http://schemas.microsoft.com/office/drawing/2010/main" val="0"/>
+              </a:ext>
+            </a:extLst>
+          </a:blip>
+          <a:srcRect r="80616" b="75400"/>
+          <a:stretch/>
+        </p:blipFill>
+        <p:spPr>
+          <a:xfrm>
+            <a:off x="2645610" y="3900327"/>
+            <a:ext cx="1212930" cy="816782"/>
+          </a:xfrm>
+          <a:prstGeom prst="rect">
+            <a:avLst/>
+          </a:prstGeom>
+        </p:spPr>
+      </p:pic>
+      <p:pic>
+        <p:nvPicPr>
+          <p:cNvPr id="7" name="Picture 6" descr="A screenshot of a cell phone&#10;&#10;Description generated with very high confidence">
+            <a:extLst>
+              <a:ext uri="{FF2B5EF4-FFF2-40B4-BE49-F238E27FC236}">
+                <a16:creationId xmlns:a16="http://schemas.microsoft.com/office/drawing/2014/main" id="{AE7A7BD1-64ED-4596-98B0-7988E8FDD0AD}"/>
+              </a:ext>
+            </a:extLst>
+          </p:cNvPr>
+          <p:cNvPicPr>
+            <a:picLocks noChangeAspect="1"/>
+          </p:cNvPicPr>
+          <p:nvPr/>
+        </p:nvPicPr>
+        <p:blipFill rotWithShape="1">
+          <a:blip r:embed="rId4">
+            <a:extLst>
+              <a:ext uri="{28A0092B-C50C-407E-A947-70E740481C1C}">
+                <a14:useLocalDpi xmlns:a14="http://schemas.microsoft.com/office/drawing/2010/main" val="0"/>
+              </a:ext>
+            </a:extLst>
+          </a:blip>
+          <a:srcRect l="1" r="79394" b="55119"/>
+          <a:stretch/>
+        </p:blipFill>
+        <p:spPr>
+          <a:xfrm>
+            <a:off x="2589127" y="5271180"/>
+            <a:ext cx="1269413" cy="796599"/>
+          </a:xfrm>
+          <a:prstGeom prst="rect">
+            <a:avLst/>
+          </a:prstGeom>
+        </p:spPr>
+      </p:pic>
+      <p:pic>
+        <p:nvPicPr>
+          <p:cNvPr id="8" name="Graphic 7" descr="User">
+            <a:extLst>
+              <a:ext uri="{FF2B5EF4-FFF2-40B4-BE49-F238E27FC236}">
+                <a16:creationId xmlns:a16="http://schemas.microsoft.com/office/drawing/2014/main" id="{55B73894-8231-44B4-A939-9E3911BF8715}"/>
+              </a:ext>
+            </a:extLst>
+          </p:cNvPr>
+          <p:cNvPicPr>
+            <a:picLocks noChangeAspect="1"/>
+          </p:cNvPicPr>
+          <p:nvPr/>
+        </p:nvPicPr>
+        <p:blipFill>
+          <a:blip r:embed="rId5">
+            <a:extLst>
+              <a:ext uri="{28A0092B-C50C-407E-A947-70E740481C1C}">
+                <a14:useLocalDpi xmlns:a14="http://schemas.microsoft.com/office/drawing/2010/main" val="0"/>
+              </a:ext>
+              <a:ext uri="{96DAC541-7B7A-43D3-8B79-37D633B846F1}">
+                <asvg:svgBlip xmlns:asvg="http://schemas.microsoft.com/office/drawing/2016/SVG/main" r:embed="rId6"/>
+              </a:ext>
+            </a:extLst>
+          </a:blip>
+          <a:stretch>
+            <a:fillRect/>
+          </a:stretch>
+        </p:blipFill>
+        <p:spPr>
+          <a:xfrm>
+            <a:off x="1362397" y="2244665"/>
+            <a:ext cx="1322882" cy="1322882"/>
+          </a:xfrm>
+          <a:prstGeom prst="rect">
+            <a:avLst/>
+          </a:prstGeom>
+        </p:spPr>
+      </p:pic>
+      <p:pic>
+        <p:nvPicPr>
+          <p:cNvPr id="9" name="Picture 8">
+            <a:extLst>
+              <a:ext uri="{FF2B5EF4-FFF2-40B4-BE49-F238E27FC236}">
+                <a16:creationId xmlns:a16="http://schemas.microsoft.com/office/drawing/2014/main" id="{1FC23CD5-8146-4AE6-A194-BF1F036E9652}"/>
+              </a:ext>
+            </a:extLst>
+          </p:cNvPr>
+          <p:cNvPicPr>
+            <a:picLocks noChangeAspect="1"/>
+          </p:cNvPicPr>
+          <p:nvPr/>
+        </p:nvPicPr>
+        <p:blipFill rotWithShape="1">
+          <a:blip r:embed="rId7"/>
+          <a:srcRect r="42080" b="80050"/>
+          <a:stretch/>
+        </p:blipFill>
+        <p:spPr>
+          <a:xfrm>
+            <a:off x="4668830" y="1418381"/>
+            <a:ext cx="1322883" cy="416591"/>
+          </a:xfrm>
+          <a:prstGeom prst="rect">
+            <a:avLst/>
+          </a:prstGeom>
+          <a:solidFill>
+            <a:srgbClr val="FFFFFF">
+              <a:shade val="85000"/>
+            </a:srgbClr>
+          </a:solidFill>
+          <a:ln w="88900" cap="sq">
+            <a:solidFill>
+              <a:srgbClr val="FFFFFF"/>
+            </a:solidFill>
+            <a:miter lim="800000"/>
+          </a:ln>
+          <a:effectLst>
+            <a:outerShdw blurRad="55000" dist="18000" dir="5400000" algn="tl" rotWithShape="0">
+              <a:srgbClr val="000000">
+                <a:alpha val="40000"/>
+              </a:srgbClr>
+            </a:outerShdw>
+          </a:effectLst>
+          <a:scene3d>
+            <a:camera prst="orthographicFront"/>
+            <a:lightRig rig="twoPt" dir="t">
+              <a:rot lat="0" lon="0" rev="7200000"/>
+            </a:lightRig>
+          </a:scene3d>
+          <a:sp3d>
+            <a:bevelT w="25400" h="19050"/>
+            <a:contourClr>
+              <a:srgbClr val="FFFFFF"/>
+            </a:contourClr>
+          </a:sp3d>
+        </p:spPr>
+      </p:pic>
+      <p:pic>
+        <p:nvPicPr>
+          <p:cNvPr id="10" name="Picture 9" descr="A screenshot of a social media post&#10;&#10;Description generated with very high confidence">
+            <a:extLst>
+              <a:ext uri="{FF2B5EF4-FFF2-40B4-BE49-F238E27FC236}">
+                <a16:creationId xmlns:a16="http://schemas.microsoft.com/office/drawing/2014/main" id="{0DAADCAE-299F-41AA-97FA-CFDDB6D94444}"/>
+              </a:ext>
+            </a:extLst>
+          </p:cNvPr>
+          <p:cNvPicPr>
+            <a:picLocks noChangeAspect="1"/>
+          </p:cNvPicPr>
+          <p:nvPr/>
+        </p:nvPicPr>
+        <p:blipFill rotWithShape="1">
+          <a:blip r:embed="rId8"/>
+          <a:srcRect r="48630" b="82542"/>
+          <a:stretch/>
+        </p:blipFill>
+        <p:spPr>
+          <a:xfrm>
+            <a:off x="7321165" y="1418381"/>
+            <a:ext cx="1163958" cy="398804"/>
+          </a:xfrm>
+          <a:prstGeom prst="rect">
+            <a:avLst/>
+          </a:prstGeom>
+          <a:solidFill>
+            <a:srgbClr val="FFFFFF">
+              <a:shade val="85000"/>
+            </a:srgbClr>
+          </a:solidFill>
+          <a:ln w="88900" cap="sq">
+            <a:solidFill>
+              <a:srgbClr val="FFFFFF"/>
+            </a:solidFill>
+            <a:miter lim="800000"/>
+          </a:ln>
+          <a:effectLst>
+            <a:outerShdw blurRad="55000" dist="18000" dir="5400000" algn="tl" rotWithShape="0">
+              <a:srgbClr val="000000">
+                <a:alpha val="40000"/>
+              </a:srgbClr>
+            </a:outerShdw>
+          </a:effectLst>
+          <a:scene3d>
+            <a:camera prst="orthographicFront"/>
+            <a:lightRig rig="twoPt" dir="t">
+              <a:rot lat="0" lon="0" rev="7200000"/>
+            </a:lightRig>
+          </a:scene3d>
+          <a:sp3d>
+            <a:bevelT w="25400" h="19050"/>
+            <a:contourClr>
+              <a:srgbClr val="FFFFFF"/>
+            </a:contourClr>
+          </a:sp3d>
+        </p:spPr>
+      </p:pic>
+      <p:pic>
+        <p:nvPicPr>
+          <p:cNvPr id="11" name="Picture 10" descr="A screenshot of a cell phone&#10;&#10;Description generated with very high confidence">
+            <a:extLst>
+              <a:ext uri="{FF2B5EF4-FFF2-40B4-BE49-F238E27FC236}">
+                <a16:creationId xmlns:a16="http://schemas.microsoft.com/office/drawing/2014/main" id="{1EA9B5DD-ED40-4EBB-91CF-F9A5D306BF5E}"/>
+              </a:ext>
+            </a:extLst>
+          </p:cNvPr>
+          <p:cNvPicPr>
+            <a:picLocks noChangeAspect="1"/>
+          </p:cNvPicPr>
+          <p:nvPr/>
+        </p:nvPicPr>
+        <p:blipFill rotWithShape="1">
+          <a:blip r:embed="rId9"/>
+          <a:srcRect r="43201" b="79267"/>
+          <a:stretch/>
+        </p:blipFill>
+        <p:spPr>
+          <a:xfrm>
+            <a:off x="9814575" y="1418381"/>
+            <a:ext cx="1322882" cy="417675"/>
+          </a:xfrm>
+          <a:prstGeom prst="rect">
+            <a:avLst/>
+          </a:prstGeom>
+          <a:solidFill>
+            <a:srgbClr val="FFFFFF">
+              <a:shade val="85000"/>
+            </a:srgbClr>
+          </a:solidFill>
+          <a:ln w="88900" cap="sq">
+            <a:solidFill>
+              <a:srgbClr val="FFFFFF"/>
+            </a:solidFill>
+            <a:miter lim="800000"/>
+          </a:ln>
+          <a:effectLst>
+            <a:outerShdw blurRad="55000" dist="18000" dir="5400000" algn="tl" rotWithShape="0">
+              <a:srgbClr val="000000">
+                <a:alpha val="40000"/>
+              </a:srgbClr>
+            </a:outerShdw>
+          </a:effectLst>
+          <a:scene3d>
+            <a:camera prst="orthographicFront"/>
+            <a:lightRig rig="twoPt" dir="t">
+              <a:rot lat="0" lon="0" rev="7200000"/>
+            </a:lightRig>
+          </a:scene3d>
+          <a:sp3d>
+            <a:bevelT w="25400" h="19050"/>
+            <a:contourClr>
+              <a:srgbClr val="FFFFFF"/>
+            </a:contourClr>
+          </a:sp3d>
+        </p:spPr>
+      </p:pic>
+      <p:pic>
+        <p:nvPicPr>
+          <p:cNvPr id="13" name="Picture 12" descr="A screenshot of a social media post&#10;&#10;Description generated with very high confidence">
+            <a:extLst>
+              <a:ext uri="{FF2B5EF4-FFF2-40B4-BE49-F238E27FC236}">
+                <a16:creationId xmlns:a16="http://schemas.microsoft.com/office/drawing/2014/main" id="{10356A8D-532B-4BF0-8C97-65D7FB26FE33}"/>
+              </a:ext>
+            </a:extLst>
+          </p:cNvPr>
+          <p:cNvPicPr>
+            <a:picLocks noChangeAspect="1"/>
+          </p:cNvPicPr>
+          <p:nvPr/>
+        </p:nvPicPr>
+        <p:blipFill rotWithShape="1">
+          <a:blip r:embed="rId8"/>
+          <a:srcRect t="29376" b="30274"/>
+          <a:stretch/>
+        </p:blipFill>
+        <p:spPr>
+          <a:xfrm>
+            <a:off x="6840616" y="2470156"/>
+            <a:ext cx="2265836" cy="921775"/>
+          </a:xfrm>
+          <a:prstGeom prst="rect">
+            <a:avLst/>
+          </a:prstGeom>
+          <a:solidFill>
+            <a:srgbClr val="FFFFFF">
+              <a:shade val="85000"/>
+            </a:srgbClr>
+          </a:solidFill>
+          <a:ln w="88900" cap="sq">
+            <a:solidFill>
+              <a:srgbClr val="FFFFFF"/>
+            </a:solidFill>
+            <a:miter lim="800000"/>
+          </a:ln>
+          <a:effectLst>
+            <a:outerShdw blurRad="55000" dist="18000" dir="5400000" algn="tl" rotWithShape="0">
+              <a:srgbClr val="000000">
+                <a:alpha val="40000"/>
+              </a:srgbClr>
+            </a:outerShdw>
+          </a:effectLst>
+          <a:scene3d>
+            <a:camera prst="orthographicFront"/>
+            <a:lightRig rig="twoPt" dir="t">
+              <a:rot lat="0" lon="0" rev="7200000"/>
+            </a:lightRig>
+          </a:scene3d>
+          <a:sp3d>
+            <a:bevelT w="25400" h="19050"/>
+            <a:contourClr>
+              <a:srgbClr val="FFFFFF"/>
+            </a:contourClr>
+          </a:sp3d>
+        </p:spPr>
+      </p:pic>
+      <p:pic>
+        <p:nvPicPr>
+          <p:cNvPr id="14" name="Picture 13" descr="A screenshot of a cell phone&#10;&#10;Description generated with very high confidence">
+            <a:extLst>
+              <a:ext uri="{FF2B5EF4-FFF2-40B4-BE49-F238E27FC236}">
+                <a16:creationId xmlns:a16="http://schemas.microsoft.com/office/drawing/2014/main" id="{A61922F6-07C7-4CBF-AF05-AE395D125E77}"/>
+              </a:ext>
+            </a:extLst>
+          </p:cNvPr>
+          <p:cNvPicPr>
+            <a:picLocks noChangeAspect="1"/>
+          </p:cNvPicPr>
+          <p:nvPr/>
+        </p:nvPicPr>
+        <p:blipFill rotWithShape="1">
+          <a:blip r:embed="rId9"/>
+          <a:srcRect t="34334" b="25527"/>
+          <a:stretch/>
+        </p:blipFill>
+        <p:spPr>
+          <a:xfrm>
+            <a:off x="9474806" y="2470156"/>
+            <a:ext cx="2329050" cy="808620"/>
+          </a:xfrm>
+          <a:prstGeom prst="rect">
+            <a:avLst/>
+          </a:prstGeom>
+          <a:solidFill>
+            <a:srgbClr val="FFFFFF">
+              <a:shade val="85000"/>
+            </a:srgbClr>
+          </a:solidFill>
+          <a:ln w="88900" cap="sq">
+            <a:solidFill>
+              <a:srgbClr val="FFFFFF"/>
+            </a:solidFill>
+            <a:miter lim="800000"/>
+          </a:ln>
+          <a:effectLst>
+            <a:outerShdw blurRad="55000" dist="18000" dir="5400000" algn="tl" rotWithShape="0">
+              <a:srgbClr val="000000">
+                <a:alpha val="40000"/>
+              </a:srgbClr>
+            </a:outerShdw>
+          </a:effectLst>
+          <a:scene3d>
+            <a:camera prst="orthographicFront"/>
+            <a:lightRig rig="twoPt" dir="t">
+              <a:rot lat="0" lon="0" rev="7200000"/>
+            </a:lightRig>
+          </a:scene3d>
+          <a:sp3d>
+            <a:bevelT w="25400" h="19050"/>
+            <a:contourClr>
+              <a:srgbClr val="FFFFFF"/>
+            </a:contourClr>
+          </a:sp3d>
+        </p:spPr>
+      </p:pic>
+      <p:pic>
+        <p:nvPicPr>
+          <p:cNvPr id="19" name="Picture 18" descr="A screenshot of a cell phone&#10;&#10;Description generated with very high confidence">
+            <a:extLst>
+              <a:ext uri="{FF2B5EF4-FFF2-40B4-BE49-F238E27FC236}">
+                <a16:creationId xmlns:a16="http://schemas.microsoft.com/office/drawing/2014/main" id="{915B437D-7C3E-4E25-9A47-04C73BD45297}"/>
+              </a:ext>
+            </a:extLst>
+          </p:cNvPr>
+          <p:cNvPicPr>
+            <a:picLocks noChangeAspect="1"/>
+          </p:cNvPicPr>
+          <p:nvPr/>
+        </p:nvPicPr>
+        <p:blipFill rotWithShape="1">
+          <a:blip r:embed="rId10"/>
+          <a:srcRect t="27536" b="36603"/>
+          <a:stretch/>
+        </p:blipFill>
+        <p:spPr>
+          <a:xfrm>
+            <a:off x="6938789" y="3891199"/>
+            <a:ext cx="2069489" cy="825910"/>
+          </a:xfrm>
+          <a:prstGeom prst="rect">
+            <a:avLst/>
+          </a:prstGeom>
+          <a:solidFill>
+            <a:srgbClr val="FFFFFF">
+              <a:shade val="85000"/>
+            </a:srgbClr>
+          </a:solidFill>
+          <a:ln w="88900" cap="sq">
+            <a:solidFill>
+              <a:srgbClr val="FFFFFF"/>
+            </a:solidFill>
+            <a:miter lim="800000"/>
+          </a:ln>
+          <a:effectLst>
+            <a:outerShdw blurRad="55000" dist="18000" dir="5400000" algn="tl" rotWithShape="0">
+              <a:srgbClr val="000000">
+                <a:alpha val="40000"/>
+              </a:srgbClr>
+            </a:outerShdw>
+          </a:effectLst>
+          <a:scene3d>
+            <a:camera prst="orthographicFront"/>
+            <a:lightRig rig="twoPt" dir="t">
+              <a:rot lat="0" lon="0" rev="7200000"/>
+            </a:lightRig>
+          </a:scene3d>
+          <a:sp3d>
+            <a:bevelT w="25400" h="19050"/>
+            <a:contourClr>
+              <a:srgbClr val="FFFFFF"/>
+            </a:contourClr>
+          </a:sp3d>
+        </p:spPr>
+      </p:pic>
+      <p:pic>
+        <p:nvPicPr>
+          <p:cNvPr id="21" name="Picture 20" descr="A screenshot of a cell phone&#10;&#10;Description generated with very high confidence">
+            <a:extLst>
+              <a:ext uri="{FF2B5EF4-FFF2-40B4-BE49-F238E27FC236}">
+                <a16:creationId xmlns:a16="http://schemas.microsoft.com/office/drawing/2014/main" id="{F396C156-059B-4451-A6D2-13AF69D07152}"/>
+              </a:ext>
+            </a:extLst>
+          </p:cNvPr>
+          <p:cNvPicPr>
+            <a:picLocks noChangeAspect="1"/>
+          </p:cNvPicPr>
+          <p:nvPr/>
+        </p:nvPicPr>
+        <p:blipFill rotWithShape="1">
+          <a:blip r:embed="rId11"/>
+          <a:srcRect t="30005" b="15188"/>
+          <a:stretch/>
+        </p:blipFill>
+        <p:spPr>
+          <a:xfrm>
+            <a:off x="9557718" y="5093469"/>
+            <a:ext cx="2065683" cy="1165122"/>
+          </a:xfrm>
+          <a:prstGeom prst="rect">
+            <a:avLst/>
+          </a:prstGeom>
+          <a:solidFill>
+            <a:srgbClr val="FFFFFF">
+              <a:shade val="85000"/>
+            </a:srgbClr>
+          </a:solidFill>
+          <a:ln w="88900" cap="sq">
+            <a:solidFill>
+              <a:srgbClr val="FFFFFF"/>
+            </a:solidFill>
+            <a:miter lim="800000"/>
+          </a:ln>
+          <a:effectLst>
+            <a:outerShdw blurRad="55000" dist="18000" dir="5400000" algn="tl" rotWithShape="0">
+              <a:srgbClr val="000000">
+                <a:alpha val="40000"/>
+              </a:srgbClr>
+            </a:outerShdw>
+          </a:effectLst>
+          <a:scene3d>
+            <a:camera prst="orthographicFront"/>
+            <a:lightRig rig="twoPt" dir="t">
+              <a:rot lat="0" lon="0" rev="7200000"/>
+            </a:lightRig>
+          </a:scene3d>
+          <a:sp3d>
+            <a:bevelT w="25400" h="19050"/>
+            <a:contourClr>
+              <a:srgbClr val="FFFFFF"/>
+            </a:contourClr>
+          </a:sp3d>
+        </p:spPr>
+      </p:pic>
+      <p:sp>
+        <p:nvSpPr>
+          <p:cNvPr id="22" name="Rectangle 21">
+            <a:extLst>
+              <a:ext uri="{FF2B5EF4-FFF2-40B4-BE49-F238E27FC236}">
+                <a16:creationId xmlns:a16="http://schemas.microsoft.com/office/drawing/2014/main" id="{690DC747-CCCB-4373-8EFB-758012B2EC93}"/>
+              </a:ext>
+            </a:extLst>
+          </p:cNvPr>
+          <p:cNvSpPr/>
+          <p:nvPr/>
+        </p:nvSpPr>
+        <p:spPr>
+          <a:xfrm>
+            <a:off x="4033071" y="937139"/>
+            <a:ext cx="2592146" cy="5412660"/>
+          </a:xfrm>
+          <a:prstGeom prst="rect">
+            <a:avLst/>
+          </a:prstGeom>
+          <a:noFill/>
+          <a:ln w="57150">
+            <a:solidFill>
+              <a:schemeClr val="tx1"/>
+            </a:solidFill>
+          </a:ln>
+        </p:spPr>
+        <p:style>
+          <a:lnRef idx="2">
+            <a:schemeClr val="accent1">
+              <a:shade val="50000"/>
+            </a:schemeClr>
+          </a:lnRef>
+          <a:fillRef idx="1">
+            <a:schemeClr val="accent1"/>
+          </a:fillRef>
+          <a:effectRef idx="0">
+            <a:schemeClr val="accent1"/>
+          </a:effectRef>
+          <a:fontRef idx="minor">
+            <a:schemeClr val="lt1"/>
+          </a:fontRef>
+        </p:style>
+        <p:txBody>
+          <a:bodyPr rtlCol="0" anchor="ctr"/>
+          <a:lstStyle/>
+          <a:p>
+            <a:pPr algn="ctr"/>
+            <a:endParaRPr lang="en-US"/>
+          </a:p>
+        </p:txBody>
+      </p:sp>
+      <p:sp>
+        <p:nvSpPr>
+          <p:cNvPr id="23" name="TextBox 22">
+            <a:extLst>
+              <a:ext uri="{FF2B5EF4-FFF2-40B4-BE49-F238E27FC236}">
+                <a16:creationId xmlns:a16="http://schemas.microsoft.com/office/drawing/2014/main" id="{E640DCD0-E3AA-4247-9684-F603FC4C3D54}"/>
+              </a:ext>
+            </a:extLst>
+          </p:cNvPr>
+          <p:cNvSpPr txBox="1"/>
+          <p:nvPr/>
+        </p:nvSpPr>
+        <p:spPr>
+          <a:xfrm>
+            <a:off x="256919" y="234327"/>
+            <a:ext cx="7870102" cy="523220"/>
+          </a:xfrm>
+          <a:prstGeom prst="rect">
+            <a:avLst/>
+          </a:prstGeom>
+        </p:spPr>
+        <p:style>
+          <a:lnRef idx="2">
+            <a:schemeClr val="dk1"/>
+          </a:lnRef>
+          <a:fillRef idx="1">
+            <a:schemeClr val="lt1"/>
+          </a:fillRef>
+          <a:effectRef idx="0">
+            <a:schemeClr val="dk1"/>
+          </a:effectRef>
+          <a:fontRef idx="minor">
+            <a:schemeClr val="dk1"/>
+          </a:fontRef>
+        </p:style>
+        <p:txBody>
+          <a:bodyPr wrap="square" rtlCol="0">
+            <a:spAutoFit/>
+          </a:bodyPr>
+          <a:lstStyle/>
+          <a:p>
+            <a:r>
+              <a:rPr lang="en-US" sz="2800" dirty="0">
+                <a:ln w="0"/>
+                <a:effectLst>
+                  <a:outerShdw blurRad="38100" dist="19050" dir="2700000" algn="tl" rotWithShape="0">
+                    <a:schemeClr val="dk1">
+                      <a:alpha val="40000"/>
+                    </a:schemeClr>
+                  </a:outerShdw>
+                </a:effectLst>
+              </a:rPr>
+              <a:t>(c) Calculating Cosine Similarity within each business</a:t>
+            </a:r>
+          </a:p>
+        </p:txBody>
+      </p:sp>
+    </p:spTree>
+    <p:extLst>
+      <p:ext uri="{BB962C8B-B14F-4D97-AF65-F5344CB8AC3E}">
+        <p14:creationId xmlns:p14="http://schemas.microsoft.com/office/powerpoint/2010/main" val="1392194851"/>
+      </p:ext>
+    </p:extLst>
+  </p:cSld>
+  <p:clrMapOvr>
+    <a:masterClrMapping/>
+  </p:clrMapOvr>
+</p:sld>
+</file>
+
+<file path=ppt/slides/slide13.xml><?xml version="1.0" encoding="utf-8"?>
+<p:sld xmlns:a="http://schemas.openxmlformats.org/drawingml/2006/main" xmlns:r="http://schemas.openxmlformats.org/officeDocument/2006/relationships" xmlns:p="http://schemas.openxmlformats.org/presentationml/2006/main">
+  <p:cSld>
+    <p:spTree>
+      <p:nvGrpSpPr>
+        <p:cNvPr id="1" name=""/>
+        <p:cNvGrpSpPr/>
+        <p:nvPr/>
+      </p:nvGrpSpPr>
+      <p:grpSpPr>
+        <a:xfrm>
+          <a:off x="0" y="0"/>
+          <a:ext cx="0" cy="0"/>
+          <a:chOff x="0" y="0"/>
+          <a:chExt cx="0" cy="0"/>
+        </a:xfrm>
+      </p:grpSpPr>
+      <p:graphicFrame>
+        <p:nvGraphicFramePr>
+          <p:cNvPr id="4" name="Content Placeholder 3">
+            <a:extLst>
+              <a:ext uri="{FF2B5EF4-FFF2-40B4-BE49-F238E27FC236}">
+                <a16:creationId xmlns:a16="http://schemas.microsoft.com/office/drawing/2014/main" id="{AB0502D6-0F85-43DB-8B1C-649882906265}"/>
+              </a:ext>
+            </a:extLst>
+          </p:cNvPr>
+          <p:cNvGraphicFramePr>
+            <a:graphicFrameLocks noGrp="1"/>
+          </p:cNvGraphicFramePr>
+          <p:nvPr>
+            <p:ph idx="1"/>
+            <p:extLst>
+              <p:ext uri="{D42A27DB-BD31-4B8C-83A1-F6EECF244321}">
+                <p14:modId xmlns:p14="http://schemas.microsoft.com/office/powerpoint/2010/main" val="2211127915"/>
+              </p:ext>
+            </p:extLst>
+          </p:nvPr>
+        </p:nvGraphicFramePr>
+        <p:xfrm>
+          <a:off x="1413386" y="932185"/>
+          <a:ext cx="10515600" cy="5412660"/>
+        </p:xfrm>
+        <a:graphic>
+          <a:graphicData uri="http://schemas.openxmlformats.org/drawingml/2006/table">
+            <a:tbl>
+              <a:tblPr firstRow="1" firstCol="1" bandRow="1">
+                <a:tableStyleId>{5C22544A-7EE6-4342-B048-85BDC9FD1C3A}</a:tableStyleId>
+              </a:tblPr>
+              <a:tblGrid>
+                <a:gridCol w="2628900">
+                  <a:extLst>
+                    <a:ext uri="{9D8B030D-6E8A-4147-A177-3AD203B41FA5}">
+                      <a16:colId xmlns:a16="http://schemas.microsoft.com/office/drawing/2014/main" val="2998622724"/>
+                    </a:ext>
+                  </a:extLst>
+                </a:gridCol>
+                <a:gridCol w="2628900">
+                  <a:extLst>
+                    <a:ext uri="{9D8B030D-6E8A-4147-A177-3AD203B41FA5}">
+                      <a16:colId xmlns:a16="http://schemas.microsoft.com/office/drawing/2014/main" val="4004007087"/>
+                    </a:ext>
+                  </a:extLst>
+                </a:gridCol>
+                <a:gridCol w="2628900">
+                  <a:extLst>
+                    <a:ext uri="{9D8B030D-6E8A-4147-A177-3AD203B41FA5}">
+                      <a16:colId xmlns:a16="http://schemas.microsoft.com/office/drawing/2014/main" val="4179078068"/>
+                    </a:ext>
+                  </a:extLst>
+                </a:gridCol>
+                <a:gridCol w="2628900">
+                  <a:extLst>
+                    <a:ext uri="{9D8B030D-6E8A-4147-A177-3AD203B41FA5}">
+                      <a16:colId xmlns:a16="http://schemas.microsoft.com/office/drawing/2014/main" val="1952794464"/>
+                    </a:ext>
+                  </a:extLst>
+                </a:gridCol>
+              </a:tblGrid>
+              <a:tr h="1353165">
+                <a:tc>
+                  <a:txBody>
+                    <a:bodyPr/>
+                    <a:lstStyle/>
+                    <a:p>
+                      <a:endParaRPr lang="en-US" dirty="0"/>
+                    </a:p>
+                  </a:txBody>
+                  <a:tcPr/>
+                </a:tc>
+                <a:tc>
+                  <a:txBody>
+                    <a:bodyPr/>
+                    <a:lstStyle/>
+                    <a:p>
+                      <a:endParaRPr lang="en-US" dirty="0"/>
+                    </a:p>
+                  </a:txBody>
+                  <a:tcPr/>
+                </a:tc>
+                <a:tc>
+                  <a:txBody>
+                    <a:bodyPr/>
+                    <a:lstStyle/>
+                    <a:p>
+                      <a:endParaRPr lang="en-US" dirty="0"/>
+                    </a:p>
+                  </a:txBody>
+                  <a:tcPr/>
+                </a:tc>
+                <a:tc>
+                  <a:txBody>
+                    <a:bodyPr/>
+                    <a:lstStyle/>
+                    <a:p>
+                      <a:endParaRPr lang="en-US"/>
+                    </a:p>
+                  </a:txBody>
+                  <a:tcPr/>
+                </a:tc>
+                <a:extLst>
+                  <a:ext uri="{0D108BD9-81ED-4DB2-BD59-A6C34878D82A}">
+                    <a16:rowId xmlns:a16="http://schemas.microsoft.com/office/drawing/2014/main" val="663930948"/>
+                  </a:ext>
+                </a:extLst>
+              </a:tr>
+              <a:tr h="1353165">
+                <a:tc>
+                  <a:txBody>
+                    <a:bodyPr/>
+                    <a:lstStyle/>
+                    <a:p>
+                      <a:endParaRPr lang="en-US"/>
+                    </a:p>
+                  </a:txBody>
+                  <a:tcPr/>
+                </a:tc>
+                <a:tc>
+                  <a:txBody>
+                    <a:bodyPr/>
+                    <a:lstStyle/>
+                    <a:p>
+                      <a:pPr algn="ctr">
+                        <a:lnSpc>
+                          <a:spcPct val="300000"/>
+                        </a:lnSpc>
+                      </a:pPr>
+                      <a:r>
+                        <a:rPr lang="en-US" dirty="0"/>
+                        <a:t>1</a:t>
+                      </a:r>
+                    </a:p>
+                  </a:txBody>
+                  <a:tcPr/>
+                </a:tc>
+                <a:tc>
+                  <a:txBody>
+                    <a:bodyPr/>
+                    <a:lstStyle/>
+                    <a:p>
+                      <a:pPr algn="ctr">
+                        <a:lnSpc>
+                          <a:spcPct val="300000"/>
+                        </a:lnSpc>
+                      </a:pPr>
+                      <a:r>
+                        <a:rPr lang="en-US" dirty="0"/>
+                        <a:t>1</a:t>
+                      </a:r>
+                    </a:p>
+                  </a:txBody>
+                  <a:tcPr/>
+                </a:tc>
+                <a:tc>
+                  <a:txBody>
+                    <a:bodyPr/>
+                    <a:lstStyle/>
+                    <a:p>
+                      <a:pPr algn="ctr">
+                        <a:lnSpc>
+                          <a:spcPct val="300000"/>
+                        </a:lnSpc>
+                      </a:pPr>
+                      <a:r>
+                        <a:rPr lang="en-US" dirty="0"/>
+                        <a:t>1</a:t>
+                      </a:r>
+                    </a:p>
+                  </a:txBody>
+                  <a:tcPr/>
+                </a:tc>
+                <a:extLst>
+                  <a:ext uri="{0D108BD9-81ED-4DB2-BD59-A6C34878D82A}">
+                    <a16:rowId xmlns:a16="http://schemas.microsoft.com/office/drawing/2014/main" val="2897866083"/>
+                  </a:ext>
+                </a:extLst>
+              </a:tr>
+              <a:tr h="1353165">
+                <a:tc>
+                  <a:txBody>
+                    <a:bodyPr/>
+                    <a:lstStyle/>
+                    <a:p>
+                      <a:endParaRPr lang="en-US"/>
+                    </a:p>
+                  </a:txBody>
+                  <a:tcPr/>
+                </a:tc>
+                <a:tc>
+                  <a:txBody>
+                    <a:bodyPr/>
+                    <a:lstStyle/>
+                    <a:p>
+                      <a:pPr algn="ctr">
+                        <a:lnSpc>
+                          <a:spcPct val="300000"/>
+                        </a:lnSpc>
+                      </a:pPr>
+                      <a:r>
+                        <a:rPr lang="en-US" dirty="0"/>
+                        <a:t>.007</a:t>
+                      </a:r>
+                    </a:p>
+                  </a:txBody>
+                  <a:tcPr/>
+                </a:tc>
+                <a:tc>
+                  <a:txBody>
+                    <a:bodyPr/>
+                    <a:lstStyle/>
+                    <a:p>
+                      <a:pPr algn="ctr">
+                        <a:lnSpc>
+                          <a:spcPct val="300000"/>
+                        </a:lnSpc>
+                      </a:pPr>
+                      <a:r>
+                        <a:rPr lang="en-US" dirty="0"/>
+                        <a:t>.381</a:t>
+                      </a:r>
+                    </a:p>
+                  </a:txBody>
+                  <a:tcPr/>
+                </a:tc>
+                <a:tc>
+                  <a:txBody>
+                    <a:bodyPr/>
+                    <a:lstStyle/>
+                    <a:p>
+                      <a:pPr algn="ctr">
+                        <a:lnSpc>
+                          <a:spcPct val="300000"/>
+                        </a:lnSpc>
+                      </a:pPr>
+                      <a:r>
+                        <a:rPr lang="en-US" dirty="0"/>
+                        <a:t>0</a:t>
+                      </a:r>
+                    </a:p>
+                  </a:txBody>
+                  <a:tcPr/>
+                </a:tc>
+                <a:extLst>
+                  <a:ext uri="{0D108BD9-81ED-4DB2-BD59-A6C34878D82A}">
+                    <a16:rowId xmlns:a16="http://schemas.microsoft.com/office/drawing/2014/main" val="481484129"/>
+                  </a:ext>
+                </a:extLst>
+              </a:tr>
+              <a:tr h="1353165">
+                <a:tc>
+                  <a:txBody>
+                    <a:bodyPr/>
+                    <a:lstStyle/>
+                    <a:p>
+                      <a:endParaRPr lang="en-US" dirty="0"/>
+                    </a:p>
+                  </a:txBody>
+                  <a:tcPr/>
+                </a:tc>
+                <a:tc>
+                  <a:txBody>
+                    <a:bodyPr/>
+                    <a:lstStyle/>
+                    <a:p>
+                      <a:pPr algn="ctr">
+                        <a:lnSpc>
+                          <a:spcPct val="300000"/>
+                        </a:lnSpc>
+                      </a:pPr>
+                      <a:r>
+                        <a:rPr lang="en-US" dirty="0"/>
+                        <a:t>.052</a:t>
+                      </a:r>
+                    </a:p>
+                  </a:txBody>
+                  <a:tcPr/>
+                </a:tc>
+                <a:tc>
+                  <a:txBody>
+                    <a:bodyPr/>
+                    <a:lstStyle/>
+                    <a:p>
+                      <a:pPr algn="ctr">
+                        <a:lnSpc>
+                          <a:spcPct val="300000"/>
+                        </a:lnSpc>
+                      </a:pPr>
+                      <a:r>
+                        <a:rPr lang="en-US" dirty="0"/>
+                        <a:t>0</a:t>
+                      </a:r>
+                    </a:p>
+                  </a:txBody>
+                  <a:tcPr/>
+                </a:tc>
+                <a:tc>
+                  <a:txBody>
+                    <a:bodyPr/>
+                    <a:lstStyle/>
+                    <a:p>
+                      <a:pPr algn="ctr">
+                        <a:lnSpc>
+                          <a:spcPct val="300000"/>
+                        </a:lnSpc>
+                      </a:pPr>
+                      <a:r>
+                        <a:rPr lang="en-US" dirty="0"/>
+                        <a:t>.133</a:t>
+                      </a:r>
+                    </a:p>
+                  </a:txBody>
+                  <a:tcPr/>
+                </a:tc>
+                <a:extLst>
+                  <a:ext uri="{0D108BD9-81ED-4DB2-BD59-A6C34878D82A}">
+                    <a16:rowId xmlns:a16="http://schemas.microsoft.com/office/drawing/2014/main" val="2769288421"/>
+                  </a:ext>
+                </a:extLst>
+              </a:tr>
+            </a:tbl>
+          </a:graphicData>
+        </a:graphic>
+      </p:graphicFrame>
+      <p:pic>
+        <p:nvPicPr>
+          <p:cNvPr id="5" name="Picture 4" descr="A screenshot of a cell phone&#10;&#10;Description generated with very high confidence">
+            <a:extLst>
+              <a:ext uri="{FF2B5EF4-FFF2-40B4-BE49-F238E27FC236}">
+                <a16:creationId xmlns:a16="http://schemas.microsoft.com/office/drawing/2014/main" id="{0DFA0811-37E4-41C2-B7F8-07204EB0658A}"/>
+              </a:ext>
+            </a:extLst>
+          </p:cNvPr>
+          <p:cNvPicPr>
+            <a:picLocks noChangeAspect="1"/>
+          </p:cNvPicPr>
+          <p:nvPr/>
+        </p:nvPicPr>
+        <p:blipFill rotWithShape="1">
+          <a:blip r:embed="rId2"/>
+          <a:srcRect b="53800"/>
+          <a:stretch/>
+        </p:blipFill>
+        <p:spPr>
+          <a:xfrm>
+            <a:off x="2663786" y="2547297"/>
+            <a:ext cx="1209502" cy="644429"/>
+          </a:xfrm>
+          <a:prstGeom prst="rect">
+            <a:avLst/>
+          </a:prstGeom>
+        </p:spPr>
+      </p:pic>
+      <p:pic>
+        <p:nvPicPr>
+          <p:cNvPr id="6" name="Picture 5" descr="A screenshot of a cell phone&#10;&#10;Description generated with very high confidence">
+            <a:extLst>
+              <a:ext uri="{FF2B5EF4-FFF2-40B4-BE49-F238E27FC236}">
+                <a16:creationId xmlns:a16="http://schemas.microsoft.com/office/drawing/2014/main" id="{4E95A251-EAC9-408C-886D-B29479602DC1}"/>
+              </a:ext>
+            </a:extLst>
+          </p:cNvPr>
+          <p:cNvPicPr>
+            <a:picLocks noChangeAspect="1"/>
+          </p:cNvPicPr>
+          <p:nvPr/>
+        </p:nvPicPr>
+        <p:blipFill rotWithShape="1">
+          <a:blip r:embed="rId3">
+            <a:extLst>
+              <a:ext uri="{28A0092B-C50C-407E-A947-70E740481C1C}">
+                <a14:useLocalDpi xmlns:a14="http://schemas.microsoft.com/office/drawing/2010/main" val="0"/>
+              </a:ext>
+            </a:extLst>
+          </a:blip>
+          <a:srcRect r="80616" b="75400"/>
+          <a:stretch/>
+        </p:blipFill>
+        <p:spPr>
+          <a:xfrm>
+            <a:off x="2660358" y="3895373"/>
+            <a:ext cx="1212930" cy="816782"/>
+          </a:xfrm>
+          <a:prstGeom prst="rect">
+            <a:avLst/>
+          </a:prstGeom>
+        </p:spPr>
+      </p:pic>
+      <p:pic>
+        <p:nvPicPr>
+          <p:cNvPr id="7" name="Picture 6" descr="A screenshot of a cell phone&#10;&#10;Description generated with very high confidence">
+            <a:extLst>
+              <a:ext uri="{FF2B5EF4-FFF2-40B4-BE49-F238E27FC236}">
+                <a16:creationId xmlns:a16="http://schemas.microsoft.com/office/drawing/2014/main" id="{AE7A7BD1-64ED-4596-98B0-7988E8FDD0AD}"/>
+              </a:ext>
+            </a:extLst>
+          </p:cNvPr>
+          <p:cNvPicPr>
+            <a:picLocks noChangeAspect="1"/>
+          </p:cNvPicPr>
+          <p:nvPr/>
+        </p:nvPicPr>
+        <p:blipFill rotWithShape="1">
+          <a:blip r:embed="rId4">
+            <a:extLst>
+              <a:ext uri="{28A0092B-C50C-407E-A947-70E740481C1C}">
+                <a14:useLocalDpi xmlns:a14="http://schemas.microsoft.com/office/drawing/2010/main" val="0"/>
+              </a:ext>
+            </a:extLst>
+          </a:blip>
+          <a:srcRect l="1" r="79394" b="55119"/>
+          <a:stretch/>
+        </p:blipFill>
+        <p:spPr>
+          <a:xfrm>
+            <a:off x="2603875" y="5266226"/>
+            <a:ext cx="1269413" cy="796599"/>
+          </a:xfrm>
+          <a:prstGeom prst="rect">
+            <a:avLst/>
+          </a:prstGeom>
+        </p:spPr>
+      </p:pic>
+      <p:pic>
+        <p:nvPicPr>
+          <p:cNvPr id="8" name="Graphic 7" descr="User">
+            <a:extLst>
+              <a:ext uri="{FF2B5EF4-FFF2-40B4-BE49-F238E27FC236}">
+                <a16:creationId xmlns:a16="http://schemas.microsoft.com/office/drawing/2014/main" id="{55B73894-8231-44B4-A939-9E3911BF8715}"/>
+              </a:ext>
+            </a:extLst>
+          </p:cNvPr>
+          <p:cNvPicPr>
+            <a:picLocks noChangeAspect="1"/>
+          </p:cNvPicPr>
+          <p:nvPr/>
+        </p:nvPicPr>
+        <p:blipFill>
+          <a:blip r:embed="rId5">
+            <a:extLst>
+              <a:ext uri="{28A0092B-C50C-407E-A947-70E740481C1C}">
+                <a14:useLocalDpi xmlns:a14="http://schemas.microsoft.com/office/drawing/2010/main" val="0"/>
+              </a:ext>
+              <a:ext uri="{96DAC541-7B7A-43D3-8B79-37D633B846F1}">
+                <asvg:svgBlip xmlns:asvg="http://schemas.microsoft.com/office/drawing/2016/SVG/main" r:embed="rId6"/>
+              </a:ext>
+            </a:extLst>
+          </a:blip>
+          <a:stretch>
+            <a:fillRect/>
+          </a:stretch>
+        </p:blipFill>
+        <p:spPr>
+          <a:xfrm>
+            <a:off x="1377145" y="2239711"/>
+            <a:ext cx="1322882" cy="1322882"/>
+          </a:xfrm>
+          <a:prstGeom prst="rect">
+            <a:avLst/>
+          </a:prstGeom>
+        </p:spPr>
+      </p:pic>
+      <p:pic>
+        <p:nvPicPr>
+          <p:cNvPr id="9" name="Picture 8">
+            <a:extLst>
+              <a:ext uri="{FF2B5EF4-FFF2-40B4-BE49-F238E27FC236}">
+                <a16:creationId xmlns:a16="http://schemas.microsoft.com/office/drawing/2014/main" id="{1FC23CD5-8146-4AE6-A194-BF1F036E9652}"/>
+              </a:ext>
+            </a:extLst>
+          </p:cNvPr>
+          <p:cNvPicPr>
+            <a:picLocks noChangeAspect="1"/>
+          </p:cNvPicPr>
+          <p:nvPr/>
+        </p:nvPicPr>
+        <p:blipFill rotWithShape="1">
+          <a:blip r:embed="rId7"/>
+          <a:srcRect r="42080" b="80050"/>
+          <a:stretch/>
+        </p:blipFill>
+        <p:spPr>
+          <a:xfrm>
+            <a:off x="4683578" y="1413427"/>
+            <a:ext cx="1322883" cy="416591"/>
+          </a:xfrm>
+          <a:prstGeom prst="rect">
+            <a:avLst/>
+          </a:prstGeom>
+          <a:solidFill>
+            <a:srgbClr val="FFFFFF">
+              <a:shade val="85000"/>
+            </a:srgbClr>
+          </a:solidFill>
+          <a:ln w="88900" cap="sq">
+            <a:solidFill>
+              <a:srgbClr val="FFFFFF"/>
+            </a:solidFill>
+            <a:miter lim="800000"/>
+          </a:ln>
+          <a:effectLst>
+            <a:outerShdw blurRad="55000" dist="18000" dir="5400000" algn="tl" rotWithShape="0">
+              <a:srgbClr val="000000">
+                <a:alpha val="40000"/>
+              </a:srgbClr>
+            </a:outerShdw>
+          </a:effectLst>
+          <a:scene3d>
+            <a:camera prst="orthographicFront"/>
+            <a:lightRig rig="twoPt" dir="t">
+              <a:rot lat="0" lon="0" rev="7200000"/>
+            </a:lightRig>
+          </a:scene3d>
+          <a:sp3d>
+            <a:bevelT w="25400" h="19050"/>
+            <a:contourClr>
+              <a:srgbClr val="FFFFFF"/>
+            </a:contourClr>
+          </a:sp3d>
+        </p:spPr>
+      </p:pic>
+      <p:pic>
+        <p:nvPicPr>
+          <p:cNvPr id="10" name="Picture 9" descr="A screenshot of a social media post&#10;&#10;Description generated with very high confidence">
+            <a:extLst>
+              <a:ext uri="{FF2B5EF4-FFF2-40B4-BE49-F238E27FC236}">
+                <a16:creationId xmlns:a16="http://schemas.microsoft.com/office/drawing/2014/main" id="{0DAADCAE-299F-41AA-97FA-CFDDB6D94444}"/>
+              </a:ext>
+            </a:extLst>
+          </p:cNvPr>
+          <p:cNvPicPr>
+            <a:picLocks noChangeAspect="1"/>
+          </p:cNvPicPr>
+          <p:nvPr/>
+        </p:nvPicPr>
+        <p:blipFill rotWithShape="1">
+          <a:blip r:embed="rId8"/>
+          <a:srcRect r="48630" b="82542"/>
+          <a:stretch/>
+        </p:blipFill>
+        <p:spPr>
+          <a:xfrm>
+            <a:off x="7335913" y="1413427"/>
+            <a:ext cx="1163958" cy="398804"/>
+          </a:xfrm>
+          <a:prstGeom prst="rect">
+            <a:avLst/>
+          </a:prstGeom>
+          <a:solidFill>
+            <a:srgbClr val="FFFFFF">
+              <a:shade val="85000"/>
+            </a:srgbClr>
+          </a:solidFill>
+          <a:ln w="88900" cap="sq">
+            <a:solidFill>
+              <a:srgbClr val="FFFFFF"/>
+            </a:solidFill>
+            <a:miter lim="800000"/>
+          </a:ln>
+          <a:effectLst>
+            <a:outerShdw blurRad="55000" dist="18000" dir="5400000" algn="tl" rotWithShape="0">
+              <a:srgbClr val="000000">
+                <a:alpha val="40000"/>
+              </a:srgbClr>
+            </a:outerShdw>
+          </a:effectLst>
+          <a:scene3d>
+            <a:camera prst="orthographicFront"/>
+            <a:lightRig rig="twoPt" dir="t">
+              <a:rot lat="0" lon="0" rev="7200000"/>
+            </a:lightRig>
+          </a:scene3d>
+          <a:sp3d>
+            <a:bevelT w="25400" h="19050"/>
+            <a:contourClr>
+              <a:srgbClr val="FFFFFF"/>
+            </a:contourClr>
+          </a:sp3d>
+        </p:spPr>
+      </p:pic>
+      <p:pic>
+        <p:nvPicPr>
+          <p:cNvPr id="11" name="Picture 10" descr="A screenshot of a cell phone&#10;&#10;Description generated with very high confidence">
+            <a:extLst>
+              <a:ext uri="{FF2B5EF4-FFF2-40B4-BE49-F238E27FC236}">
+                <a16:creationId xmlns:a16="http://schemas.microsoft.com/office/drawing/2014/main" id="{1EA9B5DD-ED40-4EBB-91CF-F9A5D306BF5E}"/>
+              </a:ext>
+            </a:extLst>
+          </p:cNvPr>
+          <p:cNvPicPr>
+            <a:picLocks noChangeAspect="1"/>
+          </p:cNvPicPr>
+          <p:nvPr/>
+        </p:nvPicPr>
+        <p:blipFill rotWithShape="1">
+          <a:blip r:embed="rId9"/>
+          <a:srcRect r="43201" b="79267"/>
+          <a:stretch/>
+        </p:blipFill>
+        <p:spPr>
+          <a:xfrm>
+            <a:off x="9829323" y="1413427"/>
+            <a:ext cx="1322882" cy="417675"/>
+          </a:xfrm>
+          <a:prstGeom prst="rect">
+            <a:avLst/>
+          </a:prstGeom>
+          <a:solidFill>
+            <a:srgbClr val="FFFFFF">
+              <a:shade val="85000"/>
+            </a:srgbClr>
+          </a:solidFill>
+          <a:ln w="88900" cap="sq">
+            <a:solidFill>
+              <a:srgbClr val="FFFFFF"/>
+            </a:solidFill>
+            <a:miter lim="800000"/>
+          </a:ln>
+          <a:effectLst>
+            <a:outerShdw blurRad="55000" dist="18000" dir="5400000" algn="tl" rotWithShape="0">
+              <a:srgbClr val="000000">
+                <a:alpha val="40000"/>
+              </a:srgbClr>
+            </a:outerShdw>
+          </a:effectLst>
+          <a:scene3d>
+            <a:camera prst="orthographicFront"/>
+            <a:lightRig rig="twoPt" dir="t">
+              <a:rot lat="0" lon="0" rev="7200000"/>
+            </a:lightRig>
+          </a:scene3d>
+          <a:sp3d>
+            <a:bevelT w="25400" h="19050"/>
+            <a:contourClr>
+              <a:srgbClr val="FFFFFF"/>
+            </a:contourClr>
+          </a:sp3d>
+        </p:spPr>
+      </p:pic>
+      <p:sp>
+        <p:nvSpPr>
+          <p:cNvPr id="15" name="TextBox 14">
+            <a:extLst>
+              <a:ext uri="{FF2B5EF4-FFF2-40B4-BE49-F238E27FC236}">
+                <a16:creationId xmlns:a16="http://schemas.microsoft.com/office/drawing/2014/main" id="{F3E7296A-8ED4-4D45-87B8-85A5C8E979EA}"/>
+              </a:ext>
+            </a:extLst>
+          </p:cNvPr>
+          <p:cNvSpPr txBox="1"/>
+          <p:nvPr/>
+        </p:nvSpPr>
+        <p:spPr>
+          <a:xfrm>
+            <a:off x="256919" y="234327"/>
+            <a:ext cx="7870102" cy="523220"/>
+          </a:xfrm>
+          <a:prstGeom prst="rect">
+            <a:avLst/>
+          </a:prstGeom>
+        </p:spPr>
+        <p:style>
+          <a:lnRef idx="2">
+            <a:schemeClr val="dk1"/>
+          </a:lnRef>
+          <a:fillRef idx="1">
+            <a:schemeClr val="lt1"/>
+          </a:fillRef>
+          <a:effectRef idx="0">
+            <a:schemeClr val="dk1"/>
+          </a:effectRef>
+          <a:fontRef idx="minor">
+            <a:schemeClr val="dk1"/>
+          </a:fontRef>
+        </p:style>
+        <p:txBody>
+          <a:bodyPr wrap="square" rtlCol="0">
+            <a:spAutoFit/>
+          </a:bodyPr>
+          <a:lstStyle/>
+          <a:p>
+            <a:r>
+              <a:rPr lang="en-US" sz="2800" dirty="0">
+                <a:ln w="0"/>
+                <a:effectLst>
+                  <a:outerShdw blurRad="38100" dist="19050" dir="2700000" algn="tl" rotWithShape="0">
+                    <a:schemeClr val="dk1">
+                      <a:alpha val="40000"/>
+                    </a:schemeClr>
+                  </a:outerShdw>
+                </a:effectLst>
+              </a:rPr>
+              <a:t>(d) Calculating Cosine Similarity within each business</a:t>
+            </a:r>
+          </a:p>
+        </p:txBody>
+      </p:sp>
+      <p:sp>
+        <p:nvSpPr>
+          <p:cNvPr id="16" name="Rectangle 15">
+            <a:extLst>
+              <a:ext uri="{FF2B5EF4-FFF2-40B4-BE49-F238E27FC236}">
+                <a16:creationId xmlns:a16="http://schemas.microsoft.com/office/drawing/2014/main" id="{2798275B-81D5-4053-9D43-FAD29B614DAC}"/>
+              </a:ext>
+            </a:extLst>
+          </p:cNvPr>
+          <p:cNvSpPr/>
+          <p:nvPr/>
+        </p:nvSpPr>
+        <p:spPr>
+          <a:xfrm rot="5400000">
+            <a:off x="5358359" y="-2954273"/>
+            <a:ext cx="1322882" cy="11818373"/>
+          </a:xfrm>
+          <a:prstGeom prst="rect">
+            <a:avLst/>
+          </a:prstGeom>
+          <a:noFill/>
+          <a:ln w="57150">
+            <a:solidFill>
+              <a:schemeClr val="tx1"/>
+            </a:solidFill>
+          </a:ln>
+        </p:spPr>
+        <p:style>
+          <a:lnRef idx="2">
+            <a:schemeClr val="accent1">
+              <a:shade val="50000"/>
+            </a:schemeClr>
+          </a:lnRef>
+          <a:fillRef idx="1">
+            <a:schemeClr val="accent1"/>
+          </a:fillRef>
+          <a:effectRef idx="0">
+            <a:schemeClr val="accent1"/>
+          </a:effectRef>
+          <a:fontRef idx="minor">
+            <a:schemeClr val="lt1"/>
+          </a:fontRef>
+        </p:style>
+        <p:txBody>
+          <a:bodyPr rtlCol="0" anchor="ctr"/>
+          <a:lstStyle/>
+          <a:p>
+            <a:pPr algn="ctr"/>
+            <a:endParaRPr lang="en-US"/>
+          </a:p>
+        </p:txBody>
+      </p:sp>
+      <p:sp>
+        <p:nvSpPr>
+          <p:cNvPr id="2" name="Rectangle 1">
+            <a:extLst>
+              <a:ext uri="{FF2B5EF4-FFF2-40B4-BE49-F238E27FC236}">
+                <a16:creationId xmlns:a16="http://schemas.microsoft.com/office/drawing/2014/main" id="{F9EDB139-98D8-422B-A312-1A6D7A5A9194}"/>
+              </a:ext>
+            </a:extLst>
+          </p:cNvPr>
+          <p:cNvSpPr/>
+          <p:nvPr/>
+        </p:nvSpPr>
+        <p:spPr>
+          <a:xfrm>
+            <a:off x="601103" y="2293472"/>
+            <a:ext cx="301685" cy="776495"/>
+          </a:xfrm>
+          <a:prstGeom prst="rect">
+            <a:avLst/>
+          </a:prstGeom>
+        </p:spPr>
+        <p:txBody>
+          <a:bodyPr wrap="none">
+            <a:spAutoFit/>
+          </a:bodyPr>
+          <a:lstStyle/>
+          <a:p>
+            <a:pPr algn="ctr">
+              <a:lnSpc>
+                <a:spcPct val="300000"/>
+              </a:lnSpc>
+            </a:pPr>
+            <a:r>
+              <a:rPr lang="en-US" dirty="0"/>
+              <a:t>1</a:t>
+            </a:r>
+          </a:p>
+        </p:txBody>
+      </p:sp>
+      <p:sp>
+        <p:nvSpPr>
+          <p:cNvPr id="3" name="Rectangle 2">
+            <a:extLst>
+              <a:ext uri="{FF2B5EF4-FFF2-40B4-BE49-F238E27FC236}">
+                <a16:creationId xmlns:a16="http://schemas.microsoft.com/office/drawing/2014/main" id="{82CE28E9-2524-4D8F-8206-4AC3D95ABB7D}"/>
+              </a:ext>
+            </a:extLst>
+          </p:cNvPr>
+          <p:cNvSpPr/>
+          <p:nvPr/>
+        </p:nvSpPr>
+        <p:spPr>
+          <a:xfrm rot="5400000">
+            <a:off x="1126288" y="3007160"/>
+            <a:ext cx="574196" cy="1764778"/>
+          </a:xfrm>
+          <a:prstGeom prst="rect">
+            <a:avLst/>
+          </a:prstGeom>
+        </p:spPr>
+        <p:txBody>
+          <a:bodyPr wrap="none">
+            <a:spAutoFit/>
+          </a:bodyPr>
+          <a:lstStyle/>
+          <a:p>
+            <a:pPr algn="ctr">
+              <a:lnSpc>
+                <a:spcPct val="300000"/>
+              </a:lnSpc>
+            </a:pPr>
+            <a:r>
+              <a:rPr lang="en-US" sz="4400" dirty="0"/>
+              <a:t>…</a:t>
+            </a:r>
+          </a:p>
+        </p:txBody>
+      </p:sp>
+    </p:spTree>
+    <p:extLst>
+      <p:ext uri="{BB962C8B-B14F-4D97-AF65-F5344CB8AC3E}">
+        <p14:creationId xmlns:p14="http://schemas.microsoft.com/office/powerpoint/2010/main" val="740908316"/>
+      </p:ext>
+    </p:extLst>
+  </p:cSld>
+  <p:clrMapOvr>
+    <a:masterClrMapping/>
+  </p:clrMapOvr>
+</p:sld>
+</file>
+
+<file path=ppt/slides/slide14.xml><?xml version="1.0" encoding="utf-8"?>
+<p:sld xmlns:a="http://schemas.openxmlformats.org/drawingml/2006/main" xmlns:r="http://schemas.openxmlformats.org/officeDocument/2006/relationships" xmlns:p="http://schemas.openxmlformats.org/presentationml/2006/main">
+  <p:cSld>
+    <p:spTree>
+      <p:nvGrpSpPr>
+        <p:cNvPr id="1" name=""/>
+        <p:cNvGrpSpPr/>
+        <p:nvPr/>
+      </p:nvGrpSpPr>
+      <p:grpSpPr>
+        <a:xfrm>
+          <a:off x="0" y="0"/>
+          <a:ext cx="0" cy="0"/>
+          <a:chOff x="0" y="0"/>
+          <a:chExt cx="0" cy="0"/>
+        </a:xfrm>
+      </p:grpSpPr>
+      <p:sp>
+        <p:nvSpPr>
+          <p:cNvPr id="2" name="Title 1">
+            <a:extLst>
+              <a:ext uri="{FF2B5EF4-FFF2-40B4-BE49-F238E27FC236}">
+                <a16:creationId xmlns:a16="http://schemas.microsoft.com/office/drawing/2014/main" id="{EFC8078D-6A60-4006-BB59-E4F92E86A152}"/>
+              </a:ext>
+            </a:extLst>
+          </p:cNvPr>
+          <p:cNvSpPr>
+            <a:spLocks noGrp="1"/>
+          </p:cNvSpPr>
+          <p:nvPr>
+            <p:ph type="title"/>
+          </p:nvPr>
+        </p:nvSpPr>
+        <p:spPr/>
+        <p:txBody>
+          <a:bodyPr/>
+          <a:lstStyle/>
+          <a:p>
+            <a:r>
+              <a:rPr lang="en-US" dirty="0"/>
+              <a:t>Evaluate Results	</a:t>
+            </a:r>
+          </a:p>
+        </p:txBody>
+      </p:sp>
+      <p:sp>
+        <p:nvSpPr>
+          <p:cNvPr id="3" name="Content Placeholder 2">
+            <a:extLst>
+              <a:ext uri="{FF2B5EF4-FFF2-40B4-BE49-F238E27FC236}">
+                <a16:creationId xmlns:a16="http://schemas.microsoft.com/office/drawing/2014/main" id="{EED89EDC-AEB3-478D-B83E-EA55F90B58D5}"/>
+              </a:ext>
+            </a:extLst>
+          </p:cNvPr>
+          <p:cNvSpPr>
+            <a:spLocks noGrp="1"/>
+          </p:cNvSpPr>
+          <p:nvPr>
+            <p:ph idx="1"/>
+          </p:nvPr>
+        </p:nvSpPr>
+        <p:spPr/>
+        <p:txBody>
+          <a:bodyPr>
+            <a:normAutofit/>
+          </a:bodyPr>
+          <a:lstStyle/>
+          <a:p>
+            <a:pPr lvl="1"/>
+            <a:r>
+              <a:rPr lang="en-US" dirty="0"/>
+              <a:t>Our RMSE was 0.83, which means that the error in our model’s prediction was within 1 star rating of user rating.</a:t>
+            </a:r>
+          </a:p>
+          <a:p>
+            <a:pPr lvl="1"/>
+            <a:r>
+              <a:rPr lang="en-US" dirty="0"/>
+              <a:t>We are curious if there are better ways to gauge accuracy of the model</a:t>
+            </a:r>
+          </a:p>
+          <a:p>
+            <a:pPr lvl="1"/>
+            <a:r>
+              <a:rPr lang="en-US" dirty="0"/>
+              <a:t>We calculated the TFIDF for each iteration of a user-business pair, which limits the dictionary.  We are curious if expanding it to the entire corpus will a) improve our results, b) speed up the model</a:t>
+            </a:r>
+          </a:p>
+          <a:p>
+            <a:pPr lvl="1"/>
+            <a:r>
+              <a:rPr lang="en-US" dirty="0"/>
+              <a:t>We calculated the cosine similarity of users within each business first.  We are curious if calculating the similarity of the entire matrix at once will improve accuracy and time</a:t>
+            </a:r>
+          </a:p>
+          <a:p>
+            <a:pPr lvl="1"/>
+            <a:r>
+              <a:rPr lang="en-US" dirty="0"/>
+              <a:t>We calculated cosine similarity from the visitor to every other user.  We are curious if calculating everyone’s similarity at once would yield different results</a:t>
+            </a:r>
+          </a:p>
+          <a:p>
+            <a:pPr lvl="3"/>
+            <a:endParaRPr lang="en-US" dirty="0"/>
+          </a:p>
+          <a:p>
+            <a:pPr lvl="3"/>
+            <a:endParaRPr lang="en-US" dirty="0"/>
+          </a:p>
+          <a:p>
+            <a:pPr lvl="2"/>
+            <a:endParaRPr lang="en-US" dirty="0"/>
+          </a:p>
+          <a:p>
+            <a:pPr lvl="2"/>
+            <a:endParaRPr lang="en-US" dirty="0"/>
+          </a:p>
+          <a:p>
+            <a:pPr lvl="1"/>
+            <a:endParaRPr lang="en-US" dirty="0"/>
+          </a:p>
+        </p:txBody>
+      </p:sp>
+    </p:spTree>
+    <p:extLst>
+      <p:ext uri="{BB962C8B-B14F-4D97-AF65-F5344CB8AC3E}">
+        <p14:creationId xmlns:p14="http://schemas.microsoft.com/office/powerpoint/2010/main" val="1364652139"/>
+      </p:ext>
+    </p:extLst>
+  </p:cSld>
+  <p:clrMapOvr>
+    <a:masterClrMapping/>
+  </p:clrMapOvr>
+</p:sld>
+</file>
+
+<file path=ppt/slides/slide15.xml><?xml version="1.0" encoding="utf-8"?>
+<p:sld xmlns:a="http://schemas.openxmlformats.org/drawingml/2006/main" xmlns:r="http://schemas.openxmlformats.org/officeDocument/2006/relationships" xmlns:p="http://schemas.openxmlformats.org/presentationml/2006/main">
+  <p:cSld>
+    <p:spTree>
+      <p:nvGrpSpPr>
+        <p:cNvPr id="1" name=""/>
+        <p:cNvGrpSpPr/>
+        <p:nvPr/>
+      </p:nvGrpSpPr>
+      <p:grpSpPr>
+        <a:xfrm>
+          <a:off x="0" y="0"/>
+          <a:ext cx="0" cy="0"/>
+          <a:chOff x="0" y="0"/>
+          <a:chExt cx="0" cy="0"/>
+        </a:xfrm>
+      </p:grpSpPr>
+      <p:sp>
+        <p:nvSpPr>
+          <p:cNvPr id="2" name="Title 1">
+            <a:extLst>
+              <a:ext uri="{FF2B5EF4-FFF2-40B4-BE49-F238E27FC236}">
+                <a16:creationId xmlns:a16="http://schemas.microsoft.com/office/drawing/2014/main" id="{EFC8078D-6A60-4006-BB59-E4F92E86A152}"/>
+              </a:ext>
+            </a:extLst>
+          </p:cNvPr>
+          <p:cNvSpPr>
+            <a:spLocks noGrp="1"/>
+          </p:cNvSpPr>
+          <p:nvPr>
+            <p:ph type="title"/>
+          </p:nvPr>
+        </p:nvSpPr>
+        <p:spPr/>
+        <p:txBody>
+          <a:bodyPr/>
+          <a:lstStyle/>
+          <a:p>
+            <a:r>
+              <a:rPr lang="en-US" dirty="0"/>
+              <a:t>Evaluate Results	</a:t>
+            </a:r>
+          </a:p>
+        </p:txBody>
+      </p:sp>
+      <p:sp>
+        <p:nvSpPr>
+          <p:cNvPr id="3" name="Content Placeholder 2">
+            <a:extLst>
+              <a:ext uri="{FF2B5EF4-FFF2-40B4-BE49-F238E27FC236}">
+                <a16:creationId xmlns:a16="http://schemas.microsoft.com/office/drawing/2014/main" id="{EED89EDC-AEB3-478D-B83E-EA55F90B58D5}"/>
+              </a:ext>
+            </a:extLst>
+          </p:cNvPr>
+          <p:cNvSpPr>
+            <a:spLocks noGrp="1"/>
+          </p:cNvSpPr>
+          <p:nvPr>
+            <p:ph idx="1"/>
+          </p:nvPr>
+        </p:nvSpPr>
+        <p:spPr/>
+        <p:txBody>
+          <a:bodyPr>
+            <a:normAutofit/>
+          </a:bodyPr>
+          <a:lstStyle/>
+          <a:p>
+            <a:pPr lvl="1"/>
+            <a:r>
+              <a:rPr lang="en-US" dirty="0"/>
+              <a:t>The computation was very intensive, with the entire dataset taking nearly 26 hours.  </a:t>
+            </a:r>
+          </a:p>
+          <a:p>
+            <a:pPr lvl="1"/>
+            <a:r>
+              <a:rPr lang="en-US" dirty="0"/>
+              <a:t>Code has been updated since to replace loops with vectorization and built in functions in </a:t>
+            </a:r>
+            <a:r>
+              <a:rPr lang="en-US" dirty="0" err="1"/>
+              <a:t>sklearn</a:t>
+            </a:r>
+            <a:r>
+              <a:rPr lang="en-US" dirty="0"/>
+              <a:t> that are optimized for these operations.  </a:t>
+            </a:r>
+          </a:p>
+          <a:p>
+            <a:pPr lvl="1"/>
+            <a:r>
+              <a:rPr lang="en-US" dirty="0"/>
+              <a:t>However, further review should be given to see if there can be substantial improvements.</a:t>
+            </a:r>
+          </a:p>
+          <a:p>
+            <a:pPr lvl="3"/>
+            <a:endParaRPr lang="en-US" dirty="0"/>
+          </a:p>
+          <a:p>
+            <a:pPr lvl="3"/>
+            <a:endParaRPr lang="en-US" dirty="0"/>
+          </a:p>
+          <a:p>
+            <a:pPr lvl="2"/>
+            <a:endParaRPr lang="en-US" dirty="0"/>
+          </a:p>
+          <a:p>
+            <a:pPr lvl="2"/>
+            <a:endParaRPr lang="en-US" dirty="0"/>
+          </a:p>
+          <a:p>
+            <a:pPr lvl="1"/>
+            <a:endParaRPr lang="en-US" dirty="0"/>
+          </a:p>
+        </p:txBody>
+      </p:sp>
+    </p:spTree>
+    <p:extLst>
+      <p:ext uri="{BB962C8B-B14F-4D97-AF65-F5344CB8AC3E}">
+        <p14:creationId xmlns:p14="http://schemas.microsoft.com/office/powerpoint/2010/main" val="3829570938"/>
+      </p:ext>
+    </p:extLst>
+  </p:cSld>
+  <p:clrMapOvr>
+    <a:masterClrMapping/>
+  </p:clrMapOvr>
+</p:sld>
+</file>
+
+<file path=ppt/slides/slide16.xml><?xml version="1.0" encoding="utf-8"?>
+<p:sld xmlns:a="http://schemas.openxmlformats.org/drawingml/2006/main" xmlns:r="http://schemas.openxmlformats.org/officeDocument/2006/relationships" xmlns:p="http://schemas.openxmlformats.org/presentationml/2006/main">
+  <p:cSld>
+    <p:spTree>
+      <p:nvGrpSpPr>
+        <p:cNvPr id="1" name=""/>
+        <p:cNvGrpSpPr/>
+        <p:nvPr/>
+      </p:nvGrpSpPr>
+      <p:grpSpPr>
+        <a:xfrm>
+          <a:off x="0" y="0"/>
+          <a:ext cx="0" cy="0"/>
+          <a:chOff x="0" y="0"/>
+          <a:chExt cx="0" cy="0"/>
+        </a:xfrm>
+      </p:grpSpPr>
+      <p:sp>
+        <p:nvSpPr>
+          <p:cNvPr id="2" name="Title 1">
+            <a:extLst>
+              <a:ext uri="{FF2B5EF4-FFF2-40B4-BE49-F238E27FC236}">
+                <a16:creationId xmlns:a16="http://schemas.microsoft.com/office/drawing/2014/main" id="{EFC8078D-6A60-4006-BB59-E4F92E86A152}"/>
+              </a:ext>
+            </a:extLst>
+          </p:cNvPr>
+          <p:cNvSpPr>
+            <a:spLocks noGrp="1"/>
+          </p:cNvSpPr>
+          <p:nvPr>
+            <p:ph type="title"/>
+          </p:nvPr>
+        </p:nvSpPr>
+        <p:spPr/>
+        <p:txBody>
+          <a:bodyPr/>
+          <a:lstStyle/>
+          <a:p>
+            <a:r>
+              <a:rPr lang="en-US" dirty="0"/>
+              <a:t>Next Steps</a:t>
+            </a:r>
+          </a:p>
+        </p:txBody>
+      </p:sp>
+      <p:sp>
+        <p:nvSpPr>
+          <p:cNvPr id="3" name="Content Placeholder 2">
+            <a:extLst>
+              <a:ext uri="{FF2B5EF4-FFF2-40B4-BE49-F238E27FC236}">
+                <a16:creationId xmlns:a16="http://schemas.microsoft.com/office/drawing/2014/main" id="{EED89EDC-AEB3-478D-B83E-EA55F90B58D5}"/>
+              </a:ext>
+            </a:extLst>
+          </p:cNvPr>
+          <p:cNvSpPr>
+            <a:spLocks noGrp="1"/>
+          </p:cNvSpPr>
+          <p:nvPr>
+            <p:ph idx="1"/>
+          </p:nvPr>
+        </p:nvSpPr>
+        <p:spPr>
+          <a:xfrm>
+            <a:off x="838200" y="1825625"/>
+            <a:ext cx="5257800" cy="4351338"/>
+          </a:xfrm>
+        </p:spPr>
+        <p:txBody>
+          <a:bodyPr>
+            <a:normAutofit/>
+          </a:bodyPr>
+          <a:lstStyle/>
+          <a:p>
+            <a:r>
+              <a:rPr lang="en-US" dirty="0"/>
+              <a:t>Matrix Factorization</a:t>
+            </a:r>
+          </a:p>
+          <a:p>
+            <a:r>
+              <a:rPr lang="en-US" dirty="0"/>
+              <a:t>Sampling to test model</a:t>
+            </a:r>
+          </a:p>
+          <a:p>
+            <a:r>
+              <a:rPr lang="en-US" dirty="0"/>
+              <a:t>Cloud Computing</a:t>
+            </a:r>
+          </a:p>
+          <a:p>
+            <a:pPr lvl="1"/>
+            <a:r>
+              <a:rPr lang="en-US" dirty="0"/>
+              <a:t>AWS (EC2/RDS/S3) Instance</a:t>
+            </a:r>
+          </a:p>
+          <a:p>
+            <a:r>
+              <a:rPr lang="en-US" dirty="0"/>
+              <a:t>Hyperparameter tuning</a:t>
+            </a:r>
+          </a:p>
+          <a:p>
+            <a:pPr lvl="1"/>
+            <a:r>
+              <a:rPr lang="en-US" dirty="0"/>
+              <a:t>Number of users to return</a:t>
+            </a:r>
+          </a:p>
+          <a:p>
+            <a:pPr lvl="2"/>
+            <a:r>
+              <a:rPr lang="en-US" dirty="0" err="1"/>
+              <a:t>GridSearch</a:t>
+            </a:r>
+            <a:r>
+              <a:rPr lang="en-US" dirty="0"/>
+              <a:t>: [1, 3, 5, 7, 9….]</a:t>
+            </a:r>
+          </a:p>
+          <a:p>
+            <a:pPr lvl="2"/>
+            <a:r>
+              <a:rPr lang="en-US" dirty="0"/>
+              <a:t>Percentage of total number of reviews on business</a:t>
+            </a:r>
+          </a:p>
+          <a:p>
+            <a:pPr lvl="2"/>
+            <a:r>
+              <a:rPr lang="en-US" dirty="0"/>
+              <a:t>Threshold Based on Similarity</a:t>
+            </a:r>
+          </a:p>
+          <a:p>
+            <a:pPr lvl="2"/>
+            <a:endParaRPr lang="en-US" dirty="0"/>
+          </a:p>
+          <a:p>
+            <a:pPr lvl="2"/>
+            <a:endParaRPr lang="en-US" dirty="0"/>
+          </a:p>
+          <a:p>
+            <a:pPr lvl="3"/>
+            <a:endParaRPr lang="en-US" dirty="0"/>
+          </a:p>
+          <a:p>
+            <a:pPr lvl="3"/>
+            <a:endParaRPr lang="en-US" dirty="0"/>
+          </a:p>
+          <a:p>
+            <a:pPr lvl="3"/>
+            <a:endParaRPr lang="en-US" dirty="0"/>
+          </a:p>
+          <a:p>
+            <a:pPr lvl="2"/>
+            <a:endParaRPr lang="en-US" dirty="0"/>
+          </a:p>
+          <a:p>
+            <a:pPr lvl="2"/>
+            <a:endParaRPr lang="en-US" dirty="0"/>
+          </a:p>
+          <a:p>
+            <a:pPr lvl="1"/>
+            <a:endParaRPr lang="en-US" dirty="0"/>
+          </a:p>
+        </p:txBody>
+      </p:sp>
+      <p:sp>
+        <p:nvSpPr>
+          <p:cNvPr id="5" name="Content Placeholder 2">
+            <a:extLst>
+              <a:ext uri="{FF2B5EF4-FFF2-40B4-BE49-F238E27FC236}">
+                <a16:creationId xmlns:a16="http://schemas.microsoft.com/office/drawing/2014/main" id="{93AEFF67-0161-4188-B43F-7D5853DEE280}"/>
+              </a:ext>
+            </a:extLst>
+          </p:cNvPr>
+          <p:cNvSpPr txBox="1">
+            <a:spLocks/>
+          </p:cNvSpPr>
+          <p:nvPr/>
+        </p:nvSpPr>
+        <p:spPr>
+          <a:xfrm>
+            <a:off x="6096000" y="1825625"/>
+            <a:ext cx="5257800" cy="4351338"/>
+          </a:xfrm>
+          <a:prstGeom prst="rect">
+            <a:avLst/>
+          </a:prstGeom>
+        </p:spPr>
+        <p:txBody>
+          <a:bodyPr vert="horz" lIns="91440" tIns="45720" rIns="91440" bIns="45720" rtlCol="0">
+            <a:normAutofit fontScale="92500" lnSpcReduction="20000"/>
+          </a:bodyPr>
+          <a:lstStyle>
+            <a:lvl1pPr marL="228600" indent="-228600" algn="l" defTabSz="914400" rtl="0" eaLnBrk="1" latinLnBrk="0" hangingPunct="1">
+              <a:lnSpc>
+                <a:spcPct val="90000"/>
+              </a:lnSpc>
+              <a:spcBef>
+                <a:spcPts val="1000"/>
+              </a:spcBef>
+              <a:buFont typeface="Arial" panose="020B0604020202020204" pitchFamily="34" charset="0"/>
+              <a:buChar char="•"/>
+              <a:defRPr sz="2800" kern="1200">
+                <a:solidFill>
+                  <a:schemeClr val="tx1"/>
+                </a:solidFill>
+                <a:latin typeface="Arial" panose="020B0604020202020204" pitchFamily="34" charset="0"/>
+                <a:ea typeface="+mn-ea"/>
+                <a:cs typeface="Arial" panose="020B0604020202020204" pitchFamily="34" charset="0"/>
+              </a:defRPr>
+            </a:lvl1pPr>
+            <a:lvl2pPr marL="685800" indent="-228600" algn="l" defTabSz="914400" rtl="0" eaLnBrk="1" latinLnBrk="0" hangingPunct="1">
+              <a:lnSpc>
+                <a:spcPct val="90000"/>
+              </a:lnSpc>
+              <a:spcBef>
+                <a:spcPts val="500"/>
+              </a:spcBef>
+              <a:buFont typeface="Arial" panose="020B0604020202020204" pitchFamily="34" charset="0"/>
+              <a:buChar char="•"/>
+              <a:defRPr sz="2400" kern="1200">
+                <a:solidFill>
+                  <a:schemeClr val="tx1"/>
+                </a:solidFill>
+                <a:latin typeface="Arial" panose="020B0604020202020204" pitchFamily="34" charset="0"/>
+                <a:ea typeface="+mn-ea"/>
+                <a:cs typeface="Arial" panose="020B0604020202020204" pitchFamily="34" charset="0"/>
+              </a:defRPr>
+            </a:lvl2pPr>
+            <a:lvl3pPr marL="1143000" indent="-228600" algn="l" defTabSz="914400" rtl="0" eaLnBrk="1" latinLnBrk="0" hangingPunct="1">
+              <a:lnSpc>
+                <a:spcPct val="90000"/>
+              </a:lnSpc>
+              <a:spcBef>
+                <a:spcPts val="500"/>
+              </a:spcBef>
+              <a:buFont typeface="Arial" panose="020B0604020202020204" pitchFamily="34" charset="0"/>
+              <a:buChar char="•"/>
+              <a:defRPr sz="2000" kern="1200">
+                <a:solidFill>
+                  <a:schemeClr val="tx1"/>
+                </a:solidFill>
+                <a:latin typeface="Arial" panose="020B0604020202020204" pitchFamily="34" charset="0"/>
+                <a:ea typeface="+mn-ea"/>
+                <a:cs typeface="Arial" panose="020B0604020202020204" pitchFamily="34" charset="0"/>
+              </a:defRPr>
+            </a:lvl3pPr>
+            <a:lvl4pPr marL="1600200" indent="-228600" algn="l" defTabSz="914400" rtl="0" eaLnBrk="1" latinLnBrk="0" hangingPunct="1">
+              <a:lnSpc>
+                <a:spcPct val="90000"/>
+              </a:lnSpc>
+              <a:spcBef>
+                <a:spcPts val="500"/>
+              </a:spcBef>
+              <a:buFont typeface="Arial" panose="020B0604020202020204" pitchFamily="34" charset="0"/>
+              <a:buChar char="•"/>
+              <a:defRPr sz="1800" kern="1200">
+                <a:solidFill>
+                  <a:schemeClr val="tx1"/>
+                </a:solidFill>
+                <a:latin typeface="Arial" panose="020B0604020202020204" pitchFamily="34" charset="0"/>
+                <a:ea typeface="+mn-ea"/>
+                <a:cs typeface="Arial" panose="020B0604020202020204" pitchFamily="34" charset="0"/>
+              </a:defRPr>
+            </a:lvl4pPr>
+            <a:lvl5pPr marL="2057400" indent="-228600" algn="l" defTabSz="914400" rtl="0" eaLnBrk="1" latinLnBrk="0" hangingPunct="1">
+              <a:lnSpc>
+                <a:spcPct val="90000"/>
+              </a:lnSpc>
+              <a:spcBef>
+                <a:spcPts val="500"/>
+              </a:spcBef>
+              <a:buFont typeface="Arial" panose="020B0604020202020204" pitchFamily="34" charset="0"/>
+              <a:buChar char="•"/>
+              <a:defRPr sz="1800" kern="1200">
+                <a:solidFill>
+                  <a:schemeClr val="tx1"/>
+                </a:solidFill>
+                <a:latin typeface="Arial" panose="020B0604020202020204" pitchFamily="34" charset="0"/>
+                <a:ea typeface="+mn-ea"/>
+                <a:cs typeface="Arial" panose="020B0604020202020204" pitchFamily="34" charset="0"/>
+              </a:defRPr>
+            </a:lvl5pPr>
+            <a:lvl6pPr marL="2514600" indent="-228600" algn="l" defTabSz="914400" rtl="0" eaLnBrk="1" latinLnBrk="0" hangingPunct="1">
+              <a:lnSpc>
+                <a:spcPct val="90000"/>
+              </a:lnSpc>
+              <a:spcBef>
+                <a:spcPts val="500"/>
+              </a:spcBef>
+              <a:buFont typeface="Arial" panose="020B0604020202020204" pitchFamily="34" charset="0"/>
+              <a:buChar char="•"/>
+              <a:defRPr sz="1800" kern="1200">
+                <a:solidFill>
+                  <a:schemeClr val="tx1"/>
+                </a:solidFill>
+                <a:latin typeface="+mn-lt"/>
+                <a:ea typeface="+mn-ea"/>
+                <a:cs typeface="+mn-cs"/>
+              </a:defRPr>
+            </a:lvl6pPr>
+            <a:lvl7pPr marL="2971800" indent="-228600" algn="l" defTabSz="914400" rtl="0" eaLnBrk="1" latinLnBrk="0" hangingPunct="1">
+              <a:lnSpc>
+                <a:spcPct val="90000"/>
+              </a:lnSpc>
+              <a:spcBef>
+                <a:spcPts val="500"/>
+              </a:spcBef>
+              <a:buFont typeface="Arial" panose="020B0604020202020204" pitchFamily="34" charset="0"/>
+              <a:buChar char="•"/>
+              <a:defRPr sz="1800" kern="1200">
+                <a:solidFill>
+                  <a:schemeClr val="tx1"/>
+                </a:solidFill>
+                <a:latin typeface="+mn-lt"/>
+                <a:ea typeface="+mn-ea"/>
+                <a:cs typeface="+mn-cs"/>
+              </a:defRPr>
+            </a:lvl7pPr>
+            <a:lvl8pPr marL="3429000" indent="-228600" algn="l" defTabSz="914400" rtl="0" eaLnBrk="1" latinLnBrk="0" hangingPunct="1">
+              <a:lnSpc>
+                <a:spcPct val="90000"/>
+              </a:lnSpc>
+              <a:spcBef>
+                <a:spcPts val="500"/>
+              </a:spcBef>
+              <a:buFont typeface="Arial" panose="020B0604020202020204" pitchFamily="34" charset="0"/>
+              <a:buChar char="•"/>
+              <a:defRPr sz="1800" kern="1200">
+                <a:solidFill>
+                  <a:schemeClr val="tx1"/>
+                </a:solidFill>
+                <a:latin typeface="+mn-lt"/>
+                <a:ea typeface="+mn-ea"/>
+                <a:cs typeface="+mn-cs"/>
+              </a:defRPr>
+            </a:lvl8pPr>
+            <a:lvl9pPr marL="3886200" indent="-228600" algn="l" defTabSz="914400" rtl="0" eaLnBrk="1" latinLnBrk="0" hangingPunct="1">
+              <a:lnSpc>
+                <a:spcPct val="90000"/>
+              </a:lnSpc>
+              <a:spcBef>
+                <a:spcPts val="500"/>
+              </a:spcBef>
+              <a:buFont typeface="Arial" panose="020B0604020202020204" pitchFamily="34" charset="0"/>
+              <a:buChar char="•"/>
+              <a:defRPr sz="1800" kern="1200">
+                <a:solidFill>
+                  <a:schemeClr val="tx1"/>
+                </a:solidFill>
+                <a:latin typeface="+mn-lt"/>
+                <a:ea typeface="+mn-ea"/>
+                <a:cs typeface="+mn-cs"/>
+              </a:defRPr>
+            </a:lvl9pPr>
+          </a:lstStyle>
+          <a:p>
+            <a:r>
+              <a:rPr lang="en-US" dirty="0"/>
+              <a:t>Adding features</a:t>
+            </a:r>
+          </a:p>
+          <a:p>
+            <a:pPr lvl="1"/>
+            <a:r>
+              <a:rPr lang="en-US" dirty="0"/>
+              <a:t>Sentiment analysis </a:t>
+            </a:r>
+          </a:p>
+          <a:p>
+            <a:pPr lvl="1"/>
+            <a:r>
+              <a:rPr lang="en-US" dirty="0"/>
+              <a:t>Compiling user profiles from metadata from restaurants they rated highly</a:t>
+            </a:r>
+          </a:p>
+          <a:p>
+            <a:r>
+              <a:rPr lang="en-US" dirty="0"/>
+              <a:t>Process Text Differently</a:t>
+            </a:r>
+          </a:p>
+          <a:p>
+            <a:pPr lvl="1"/>
+            <a:r>
+              <a:rPr lang="en-US" dirty="0"/>
+              <a:t>Topic modeling / LDA</a:t>
+            </a:r>
+          </a:p>
+          <a:p>
+            <a:pPr lvl="1"/>
+            <a:r>
+              <a:rPr lang="en-US" dirty="0"/>
+              <a:t>Only retrieve nouns</a:t>
+            </a:r>
+          </a:p>
+          <a:p>
+            <a:pPr lvl="1"/>
+            <a:r>
+              <a:rPr lang="en-US" dirty="0"/>
+              <a:t>N-Grams</a:t>
+            </a:r>
+          </a:p>
+          <a:p>
+            <a:r>
+              <a:rPr lang="en-US" dirty="0"/>
+              <a:t>Other Similarity Calculations</a:t>
+            </a:r>
+          </a:p>
+          <a:p>
+            <a:pPr lvl="1"/>
+            <a:r>
+              <a:rPr lang="en-US" dirty="0" err="1"/>
+              <a:t>Minhashing</a:t>
+            </a:r>
+            <a:endParaRPr lang="en-US" dirty="0"/>
+          </a:p>
+          <a:p>
+            <a:pPr lvl="1"/>
+            <a:r>
+              <a:rPr lang="en-US" dirty="0"/>
+              <a:t>Jaccard </a:t>
+            </a:r>
+          </a:p>
+          <a:p>
+            <a:pPr lvl="1"/>
+            <a:r>
+              <a:rPr lang="en-US" dirty="0" err="1"/>
+              <a:t>Levenshtein</a:t>
+            </a:r>
+            <a:endParaRPr lang="en-US" dirty="0"/>
+          </a:p>
+        </p:txBody>
+      </p:sp>
+    </p:spTree>
+    <p:extLst>
+      <p:ext uri="{BB962C8B-B14F-4D97-AF65-F5344CB8AC3E}">
+        <p14:creationId xmlns:p14="http://schemas.microsoft.com/office/powerpoint/2010/main" val="480645937"/>
+      </p:ext>
+    </p:extLst>
+  </p:cSld>
+  <p:clrMapOvr>
+    <a:masterClrMapping/>
+  </p:clrMapOvr>
+</p:sld>
+</file>
+
+<file path=ppt/slides/slide17.xml><?xml version="1.0" encoding="utf-8"?>
+<p:sld xmlns:a="http://schemas.openxmlformats.org/drawingml/2006/main" xmlns:r="http://schemas.openxmlformats.org/officeDocument/2006/relationships" xmlns:p="http://schemas.openxmlformats.org/presentationml/2006/main">
+  <p:cSld>
+    <p:spTree>
+      <p:nvGrpSpPr>
+        <p:cNvPr id="1" name=""/>
+        <p:cNvGrpSpPr/>
+        <p:nvPr/>
+      </p:nvGrpSpPr>
+      <p:grpSpPr>
+        <a:xfrm>
+          <a:off x="0" y="0"/>
+          <a:ext cx="0" cy="0"/>
+          <a:chOff x="0" y="0"/>
+          <a:chExt cx="0" cy="0"/>
+        </a:xfrm>
+      </p:grpSpPr>
+      <p:sp>
+        <p:nvSpPr>
+          <p:cNvPr id="6" name="Title 1">
+            <a:extLst>
+              <a:ext uri="{FF2B5EF4-FFF2-40B4-BE49-F238E27FC236}">
+                <a16:creationId xmlns:a16="http://schemas.microsoft.com/office/drawing/2014/main" id="{6B590506-C5DC-44DD-B881-A7AB15ECE82D}"/>
+              </a:ext>
+            </a:extLst>
+          </p:cNvPr>
+          <p:cNvSpPr>
+            <a:spLocks noGrp="1"/>
+          </p:cNvSpPr>
+          <p:nvPr>
+            <p:ph type="title"/>
+          </p:nvPr>
+        </p:nvSpPr>
+        <p:spPr>
+          <a:xfrm>
+            <a:off x="838200" y="365125"/>
+            <a:ext cx="10515600" cy="1325563"/>
+          </a:xfrm>
+        </p:spPr>
+        <p:txBody>
+          <a:bodyPr/>
+          <a:lstStyle/>
+          <a:p>
+            <a:r>
+              <a:rPr lang="en-US" dirty="0"/>
+              <a:t>Potential Direction</a:t>
+            </a:r>
+          </a:p>
+        </p:txBody>
+      </p:sp>
+      <p:sp>
+        <p:nvSpPr>
+          <p:cNvPr id="7" name="Content Placeholder 2">
+            <a:extLst>
+              <a:ext uri="{FF2B5EF4-FFF2-40B4-BE49-F238E27FC236}">
+                <a16:creationId xmlns:a16="http://schemas.microsoft.com/office/drawing/2014/main" id="{8A962831-7347-454C-A442-D4D013E9B225}"/>
+              </a:ext>
+            </a:extLst>
+          </p:cNvPr>
+          <p:cNvSpPr>
+            <a:spLocks noGrp="1"/>
+          </p:cNvSpPr>
+          <p:nvPr>
+            <p:ph idx="1"/>
+          </p:nvPr>
+        </p:nvSpPr>
+        <p:spPr>
+          <a:xfrm>
+            <a:off x="838200" y="1825625"/>
+            <a:ext cx="10515600" cy="4351338"/>
+          </a:xfrm>
+        </p:spPr>
+        <p:txBody>
+          <a:bodyPr>
+            <a:normAutofit/>
+          </a:bodyPr>
+          <a:lstStyle/>
+          <a:p>
+            <a:r>
+              <a:rPr lang="en-US" dirty="0"/>
+              <a:t>We have done data exploration and established a baseline model for our recommendation engine.</a:t>
+            </a:r>
+          </a:p>
+          <a:p>
+            <a:r>
+              <a:rPr lang="en-US" dirty="0"/>
+              <a:t>We would like take our project further with these steps:</a:t>
+            </a:r>
+          </a:p>
+          <a:p>
+            <a:pPr lvl="1"/>
+            <a:r>
+              <a:rPr lang="en-US" dirty="0"/>
+              <a:t>Setup database and integrate with cloud technologies</a:t>
+            </a:r>
+          </a:p>
+          <a:p>
+            <a:pPr lvl="1"/>
+            <a:r>
+              <a:rPr lang="en-US" dirty="0"/>
+              <a:t>Focus on making the model more robust and scalable.</a:t>
+            </a:r>
+          </a:p>
+          <a:p>
+            <a:pPr lvl="1"/>
+            <a:r>
+              <a:rPr lang="en-US" dirty="0"/>
+              <a:t>Develop different models for our recommendation engine that would outperform our current model</a:t>
+            </a:r>
+          </a:p>
+          <a:p>
+            <a:pPr marL="457200" lvl="1" indent="0">
+              <a:buNone/>
+            </a:pPr>
+            <a:endParaRPr lang="en-US" dirty="0"/>
+          </a:p>
+          <a:p>
+            <a:pPr marL="457200" lvl="1" indent="0">
+              <a:buNone/>
+            </a:pPr>
+            <a:endParaRPr lang="en-US" sz="3200" b="1" dirty="0"/>
+          </a:p>
+          <a:p>
+            <a:pPr marL="457200" lvl="1" indent="0">
+              <a:buNone/>
+            </a:pPr>
+            <a:r>
+              <a:rPr lang="en-US" sz="3200" b="1" dirty="0"/>
+              <a:t>Thank you</a:t>
+            </a:r>
+          </a:p>
+        </p:txBody>
+      </p:sp>
+    </p:spTree>
+    <p:extLst>
+      <p:ext uri="{BB962C8B-B14F-4D97-AF65-F5344CB8AC3E}">
+        <p14:creationId xmlns:p14="http://schemas.microsoft.com/office/powerpoint/2010/main" val="3443744189"/>
       </p:ext>
     </p:extLst>
   </p:cSld>
@@ -1482,10 +6094,10 @@
       </p:grpSpPr>
       <p:sp>
         <p:nvSpPr>
-          <p:cNvPr id="4" name="Title 1">
-            <a:extLst>
-              <a:ext uri="{FF2B5EF4-FFF2-40B4-BE49-F238E27FC236}">
-                <a16:creationId xmlns:a16="http://schemas.microsoft.com/office/drawing/2014/main" id="{9C96CC0F-C403-4358-A5EA-AE0E48EB33F5}"/>
+          <p:cNvPr id="6" name="Title 1">
+            <a:extLst>
+              <a:ext uri="{FF2B5EF4-FFF2-40B4-BE49-F238E27FC236}">
+                <a16:creationId xmlns:a16="http://schemas.microsoft.com/office/drawing/2014/main" id="{380689D2-2ED5-4E37-A43B-AC18F56A40C7}"/>
               </a:ext>
             </a:extLst>
           </p:cNvPr>
@@ -1506,558 +6118,102 @@
           <a:bodyPr/>
           <a:lstStyle/>
           <a:p>
-            <a:pPr algn="ctr"/>
-            <a:r>
-              <a:rPr lang="en-US" b="1" dirty="0" err="1">
-                <a:solidFill>
-                  <a:srgbClr val="FF0000"/>
-                </a:solidFill>
-              </a:rPr>
-              <a:t>Reviewly</a:t>
-            </a:r>
-            <a:r>
-              <a:rPr lang="en-US" b="1" dirty="0">
-                <a:solidFill>
-                  <a:srgbClr val="FF0000"/>
-                </a:solidFill>
-              </a:rPr>
-              <a:t> Architecture</a:t>
+            <a:r>
+              <a:rPr lang="en-US" dirty="0"/>
+              <a:t>Phase 1</a:t>
             </a:r>
           </a:p>
         </p:txBody>
       </p:sp>
       <p:sp>
         <p:nvSpPr>
-          <p:cNvPr id="5" name="Rectangle 4">
-            <a:extLst>
-              <a:ext uri="{FF2B5EF4-FFF2-40B4-BE49-F238E27FC236}">
-                <a16:creationId xmlns:a16="http://schemas.microsoft.com/office/drawing/2014/main" id="{CC58FE9B-B1F6-449B-831D-50103F37881A}"/>
-              </a:ext>
-            </a:extLst>
-          </p:cNvPr>
-          <p:cNvSpPr/>
-          <p:nvPr/>
+          <p:cNvPr id="7" name="Content Placeholder 2">
+            <a:extLst>
+              <a:ext uri="{FF2B5EF4-FFF2-40B4-BE49-F238E27FC236}">
+                <a16:creationId xmlns:a16="http://schemas.microsoft.com/office/drawing/2014/main" id="{ED768480-CFB4-480B-ABB7-E1FF605182B8}"/>
+              </a:ext>
+            </a:extLst>
+          </p:cNvPr>
+          <p:cNvSpPr>
+            <a:spLocks noGrp="1"/>
+          </p:cNvSpPr>
+          <p:nvPr>
+            <p:ph idx="1"/>
+          </p:nvPr>
         </p:nvSpPr>
         <p:spPr>
           <a:xfrm>
-            <a:off x="2538235" y="3014889"/>
-            <a:ext cx="1525977" cy="641876"/>
-          </a:xfrm>
-          <a:prstGeom prst="rect">
-            <a:avLst/>
-          </a:prstGeom>
-          <a:solidFill>
-            <a:schemeClr val="bg1"/>
-          </a:solidFill>
-        </p:spPr>
-        <p:style>
-          <a:lnRef idx="2">
-            <a:schemeClr val="accent1">
-              <a:shade val="50000"/>
-            </a:schemeClr>
-          </a:lnRef>
-          <a:fillRef idx="1">
-            <a:schemeClr val="accent1"/>
-          </a:fillRef>
-          <a:effectRef idx="0">
-            <a:schemeClr val="accent1"/>
-          </a:effectRef>
-          <a:fontRef idx="minor">
-            <a:schemeClr val="lt1"/>
-          </a:fontRef>
-        </p:style>
+            <a:off x="838200" y="1825625"/>
+            <a:ext cx="10515600" cy="4351338"/>
+          </a:xfrm>
+        </p:spPr>
         <p:txBody>
-          <a:bodyPr rtlCol="0" anchor="ctr"/>
+          <a:bodyPr/>
           <a:lstStyle/>
           <a:p>
-            <a:pPr algn="ctr"/>
-            <a:endParaRPr lang="en-US"/>
-          </a:p>
-        </p:txBody>
-      </p:sp>
-      <p:sp>
-        <p:nvSpPr>
-          <p:cNvPr id="6" name="TextBox 5">
-            <a:extLst>
-              <a:ext uri="{FF2B5EF4-FFF2-40B4-BE49-F238E27FC236}">
-                <a16:creationId xmlns:a16="http://schemas.microsoft.com/office/drawing/2014/main" id="{4EBAA62F-1E53-4839-9F3B-CBC1E21408D5}"/>
-              </a:ext>
-            </a:extLst>
-          </p:cNvPr>
-          <p:cNvSpPr txBox="1"/>
-          <p:nvPr/>
-        </p:nvSpPr>
-        <p:spPr>
-          <a:xfrm>
-            <a:off x="2538236" y="3164229"/>
-            <a:ext cx="1869418" cy="307777"/>
-          </a:xfrm>
-          <a:prstGeom prst="rect">
-            <a:avLst/>
-          </a:prstGeom>
-          <a:noFill/>
-        </p:spPr>
-        <p:txBody>
-          <a:bodyPr wrap="square" rtlCol="0">
-            <a:spAutoFit/>
-          </a:bodyPr>
-          <a:lstStyle/>
-          <a:p>
-            <a:r>
-              <a:rPr lang="en-US" sz="1400" dirty="0">
-                <a:solidFill>
-                  <a:srgbClr val="002060"/>
-                </a:solidFill>
-              </a:rPr>
-              <a:t>Web Scraped Data</a:t>
-            </a:r>
-          </a:p>
-        </p:txBody>
-      </p:sp>
-      <p:sp>
-        <p:nvSpPr>
-          <p:cNvPr id="7" name="Rectangle 6">
-            <a:extLst>
-              <a:ext uri="{FF2B5EF4-FFF2-40B4-BE49-F238E27FC236}">
-                <a16:creationId xmlns:a16="http://schemas.microsoft.com/office/drawing/2014/main" id="{403872F8-96CB-4833-8ACB-652A04C81175}"/>
-              </a:ext>
-            </a:extLst>
-          </p:cNvPr>
-          <p:cNvSpPr/>
-          <p:nvPr/>
-        </p:nvSpPr>
-        <p:spPr>
-          <a:xfrm>
-            <a:off x="4876503" y="3249198"/>
-            <a:ext cx="1608992" cy="1037630"/>
-          </a:xfrm>
-          <a:prstGeom prst="rect">
-            <a:avLst/>
-          </a:prstGeom>
-          <a:solidFill>
-            <a:schemeClr val="bg1"/>
-          </a:solidFill>
-        </p:spPr>
-        <p:style>
-          <a:lnRef idx="2">
-            <a:schemeClr val="accent1">
-              <a:shade val="50000"/>
-            </a:schemeClr>
-          </a:lnRef>
-          <a:fillRef idx="1">
-            <a:schemeClr val="accent1"/>
-          </a:fillRef>
-          <a:effectRef idx="0">
-            <a:schemeClr val="accent1"/>
-          </a:effectRef>
-          <a:fontRef idx="minor">
-            <a:schemeClr val="lt1"/>
-          </a:fontRef>
-        </p:style>
-        <p:txBody>
-          <a:bodyPr rtlCol="0" anchor="ctr"/>
-          <a:lstStyle/>
-          <a:p>
-            <a:pPr algn="ctr"/>
-            <a:endParaRPr lang="en-US"/>
-          </a:p>
-        </p:txBody>
-      </p:sp>
-      <p:sp>
-        <p:nvSpPr>
-          <p:cNvPr id="8" name="Rectangle 7">
-            <a:extLst>
-              <a:ext uri="{FF2B5EF4-FFF2-40B4-BE49-F238E27FC236}">
-                <a16:creationId xmlns:a16="http://schemas.microsoft.com/office/drawing/2014/main" id="{3A274D13-C1F6-455D-9B35-81975AF3EAFD}"/>
-              </a:ext>
-            </a:extLst>
-          </p:cNvPr>
-          <p:cNvSpPr/>
-          <p:nvPr/>
-        </p:nvSpPr>
-        <p:spPr>
-          <a:xfrm>
-            <a:off x="7241906" y="3249198"/>
-            <a:ext cx="1608992" cy="1037630"/>
-          </a:xfrm>
-          <a:prstGeom prst="rect">
-            <a:avLst/>
-          </a:prstGeom>
-          <a:solidFill>
-            <a:schemeClr val="bg1"/>
-          </a:solidFill>
-        </p:spPr>
-        <p:style>
-          <a:lnRef idx="2">
-            <a:schemeClr val="accent1">
-              <a:shade val="50000"/>
-            </a:schemeClr>
-          </a:lnRef>
-          <a:fillRef idx="1">
-            <a:schemeClr val="accent1"/>
-          </a:fillRef>
-          <a:effectRef idx="0">
-            <a:schemeClr val="accent1"/>
-          </a:effectRef>
-          <a:fontRef idx="minor">
-            <a:schemeClr val="lt1"/>
-          </a:fontRef>
-        </p:style>
-        <p:txBody>
-          <a:bodyPr rtlCol="0" anchor="ctr"/>
-          <a:lstStyle/>
-          <a:p>
-            <a:pPr algn="ctr"/>
-            <a:endParaRPr lang="en-US"/>
-          </a:p>
-        </p:txBody>
-      </p:sp>
-      <p:sp>
-        <p:nvSpPr>
-          <p:cNvPr id="9" name="TextBox 8">
-            <a:extLst>
-              <a:ext uri="{FF2B5EF4-FFF2-40B4-BE49-F238E27FC236}">
-                <a16:creationId xmlns:a16="http://schemas.microsoft.com/office/drawing/2014/main" id="{5B085F0B-447A-4D6A-9E55-45A9DE5DB6A0}"/>
-              </a:ext>
-            </a:extLst>
-          </p:cNvPr>
-          <p:cNvSpPr txBox="1"/>
-          <p:nvPr/>
-        </p:nvSpPr>
-        <p:spPr>
-          <a:xfrm>
-            <a:off x="7300154" y="3534099"/>
-            <a:ext cx="1492495" cy="523220"/>
-          </a:xfrm>
-          <a:prstGeom prst="rect">
-            <a:avLst/>
-          </a:prstGeom>
-          <a:noFill/>
-        </p:spPr>
-        <p:txBody>
-          <a:bodyPr wrap="square" rtlCol="0">
-            <a:spAutoFit/>
-          </a:bodyPr>
-          <a:lstStyle/>
-          <a:p>
-            <a:pPr algn="ctr"/>
-            <a:r>
-              <a:rPr lang="en-US" sz="1400" dirty="0">
-                <a:solidFill>
-                  <a:srgbClr val="002060"/>
-                </a:solidFill>
-              </a:rPr>
-              <a:t>Recommendation Engine</a:t>
-            </a:r>
-          </a:p>
-        </p:txBody>
-      </p:sp>
-      <p:pic>
-        <p:nvPicPr>
-          <p:cNvPr id="10" name="Picture 9">
-            <a:extLst>
-              <a:ext uri="{FF2B5EF4-FFF2-40B4-BE49-F238E27FC236}">
-                <a16:creationId xmlns:a16="http://schemas.microsoft.com/office/drawing/2014/main" id="{5630E792-0A1F-4BAB-BEC3-4C5C17550509}"/>
-              </a:ext>
-            </a:extLst>
-          </p:cNvPr>
-          <p:cNvPicPr>
-            <a:picLocks noChangeAspect="1"/>
-          </p:cNvPicPr>
-          <p:nvPr/>
-        </p:nvPicPr>
-        <p:blipFill>
-          <a:blip r:embed="rId2">
-            <a:extLst>
-              <a:ext uri="{28A0092B-C50C-407E-A947-70E740481C1C}">
-                <a14:useLocalDpi xmlns:a14="http://schemas.microsoft.com/office/drawing/2010/main" val="0"/>
-              </a:ext>
-            </a:extLst>
-          </a:blip>
-          <a:stretch>
-            <a:fillRect/>
-          </a:stretch>
-        </p:blipFill>
-        <p:spPr>
-          <a:xfrm>
-            <a:off x="2538234" y="3968623"/>
-            <a:ext cx="1514669" cy="710387"/>
-          </a:xfrm>
-          <a:prstGeom prst="rect">
-            <a:avLst/>
-          </a:prstGeom>
-        </p:spPr>
-      </p:pic>
-      <p:pic>
-        <p:nvPicPr>
-          <p:cNvPr id="11" name="Picture 10">
-            <a:extLst>
-              <a:ext uri="{FF2B5EF4-FFF2-40B4-BE49-F238E27FC236}">
-                <a16:creationId xmlns:a16="http://schemas.microsoft.com/office/drawing/2014/main" id="{17834A54-A3E2-4F81-B4F4-78EEBDEC75A4}"/>
-              </a:ext>
-            </a:extLst>
-          </p:cNvPr>
-          <p:cNvPicPr>
-            <a:picLocks noChangeAspect="1"/>
-          </p:cNvPicPr>
-          <p:nvPr/>
-        </p:nvPicPr>
-        <p:blipFill>
-          <a:blip r:embed="rId3">
-            <a:extLst>
-              <a:ext uri="{28A0092B-C50C-407E-A947-70E740481C1C}">
-                <a14:useLocalDpi xmlns:a14="http://schemas.microsoft.com/office/drawing/2010/main" val="0"/>
-              </a:ext>
-            </a:extLst>
-          </a:blip>
-          <a:stretch>
-            <a:fillRect/>
-          </a:stretch>
-        </p:blipFill>
-        <p:spPr>
-          <a:xfrm>
-            <a:off x="5007775" y="3389652"/>
-            <a:ext cx="1376442" cy="756717"/>
-          </a:xfrm>
-          <a:prstGeom prst="rect">
-            <a:avLst/>
-          </a:prstGeom>
-        </p:spPr>
-      </p:pic>
-      <p:sp>
-        <p:nvSpPr>
-          <p:cNvPr id="12" name="Arrow: Right 11">
-            <a:extLst>
-              <a:ext uri="{FF2B5EF4-FFF2-40B4-BE49-F238E27FC236}">
-                <a16:creationId xmlns:a16="http://schemas.microsoft.com/office/drawing/2014/main" id="{9AA2CCA4-1BD0-4F63-828D-D831CB525FCF}"/>
-              </a:ext>
-            </a:extLst>
-          </p:cNvPr>
-          <p:cNvSpPr/>
-          <p:nvPr/>
-        </p:nvSpPr>
-        <p:spPr>
-          <a:xfrm>
-            <a:off x="6485495" y="3668987"/>
-            <a:ext cx="742950" cy="230631"/>
-          </a:xfrm>
-          <a:prstGeom prst="rightArrow">
-            <a:avLst/>
-          </a:prstGeom>
-          <a:solidFill>
-            <a:srgbClr val="002060"/>
-          </a:solidFill>
-        </p:spPr>
-        <p:style>
-          <a:lnRef idx="2">
-            <a:schemeClr val="accent5">
-              <a:shade val="50000"/>
-            </a:schemeClr>
-          </a:lnRef>
-          <a:fillRef idx="1">
-            <a:schemeClr val="accent5"/>
-          </a:fillRef>
-          <a:effectRef idx="0">
-            <a:schemeClr val="accent5"/>
-          </a:effectRef>
-          <a:fontRef idx="minor">
-            <a:schemeClr val="lt1"/>
-          </a:fontRef>
-        </p:style>
-        <p:txBody>
-          <a:bodyPr rtlCol="0" anchor="ctr"/>
-          <a:lstStyle/>
-          <a:p>
-            <a:pPr algn="ctr"/>
-            <a:endParaRPr lang="en-US"/>
-          </a:p>
-        </p:txBody>
-      </p:sp>
-      <p:sp>
-        <p:nvSpPr>
-          <p:cNvPr id="13" name="Rectangle 12">
-            <a:extLst>
-              <a:ext uri="{FF2B5EF4-FFF2-40B4-BE49-F238E27FC236}">
-                <a16:creationId xmlns:a16="http://schemas.microsoft.com/office/drawing/2014/main" id="{1A101B0B-90DD-4F60-A4CE-F390853D2FDC}"/>
-              </a:ext>
-            </a:extLst>
-          </p:cNvPr>
-          <p:cNvSpPr/>
-          <p:nvPr/>
-        </p:nvSpPr>
-        <p:spPr>
-          <a:xfrm>
-            <a:off x="4357756" y="2288424"/>
-            <a:ext cx="5213839" cy="2825693"/>
-          </a:xfrm>
-          <a:prstGeom prst="rect">
-            <a:avLst/>
-          </a:prstGeom>
-          <a:noFill/>
-        </p:spPr>
-        <p:style>
-          <a:lnRef idx="2">
-            <a:schemeClr val="accent1">
-              <a:shade val="50000"/>
-            </a:schemeClr>
-          </a:lnRef>
-          <a:fillRef idx="1">
-            <a:schemeClr val="accent1"/>
-          </a:fillRef>
-          <a:effectRef idx="0">
-            <a:schemeClr val="accent1"/>
-          </a:effectRef>
-          <a:fontRef idx="minor">
-            <a:schemeClr val="lt1"/>
-          </a:fontRef>
-        </p:style>
-        <p:txBody>
-          <a:bodyPr rtlCol="0" anchor="ctr"/>
-          <a:lstStyle/>
-          <a:p>
-            <a:pPr algn="ctr"/>
-            <a:endParaRPr lang="en-US"/>
-          </a:p>
-        </p:txBody>
-      </p:sp>
-      <p:sp>
-        <p:nvSpPr>
-          <p:cNvPr id="14" name="TextBox 13">
-            <a:extLst>
-              <a:ext uri="{FF2B5EF4-FFF2-40B4-BE49-F238E27FC236}">
-                <a16:creationId xmlns:a16="http://schemas.microsoft.com/office/drawing/2014/main" id="{DECE16B2-605E-4596-85BD-0A8BC5F24273}"/>
-              </a:ext>
-            </a:extLst>
-          </p:cNvPr>
-          <p:cNvSpPr txBox="1"/>
-          <p:nvPr/>
-        </p:nvSpPr>
-        <p:spPr>
-          <a:xfrm>
-            <a:off x="5030913" y="2446427"/>
-            <a:ext cx="3015489" cy="369332"/>
-          </a:xfrm>
-          <a:prstGeom prst="rect">
-            <a:avLst/>
-          </a:prstGeom>
-          <a:noFill/>
-        </p:spPr>
-        <p:txBody>
-          <a:bodyPr wrap="square" rtlCol="0">
-            <a:spAutoFit/>
-          </a:bodyPr>
-          <a:lstStyle/>
-          <a:p>
-            <a:pPr algn="ctr"/>
             <a:r>
               <a:rPr lang="en-US" dirty="0"/>
-              <a:t>Back End</a:t>
-            </a:r>
-          </a:p>
-        </p:txBody>
-      </p:sp>
-      <p:sp>
-        <p:nvSpPr>
-          <p:cNvPr id="15" name="Arrow: Right 14">
-            <a:extLst>
-              <a:ext uri="{FF2B5EF4-FFF2-40B4-BE49-F238E27FC236}">
-                <a16:creationId xmlns:a16="http://schemas.microsoft.com/office/drawing/2014/main" id="{500E6880-2FEA-46A7-B426-86E0EF42A38A}"/>
-              </a:ext>
-            </a:extLst>
-          </p:cNvPr>
-          <p:cNvSpPr/>
-          <p:nvPr/>
-        </p:nvSpPr>
-        <p:spPr>
-          <a:xfrm>
-            <a:off x="4078455" y="3271795"/>
-            <a:ext cx="811508" cy="229509"/>
-          </a:xfrm>
-          <a:prstGeom prst="rightArrow">
-            <a:avLst/>
-          </a:prstGeom>
-          <a:solidFill>
-            <a:srgbClr val="002060"/>
-          </a:solidFill>
-        </p:spPr>
-        <p:style>
-          <a:lnRef idx="2">
-            <a:schemeClr val="accent1">
-              <a:shade val="50000"/>
-            </a:schemeClr>
-          </a:lnRef>
-          <a:fillRef idx="1">
-            <a:schemeClr val="accent1"/>
-          </a:fillRef>
-          <a:effectRef idx="0">
-            <a:schemeClr val="accent1"/>
-          </a:effectRef>
-          <a:fontRef idx="minor">
-            <a:schemeClr val="lt1"/>
-          </a:fontRef>
-        </p:style>
-        <p:txBody>
-          <a:bodyPr rtlCol="0" anchor="ctr"/>
-          <a:lstStyle/>
-          <a:p>
-            <a:pPr algn="ctr"/>
-            <a:endParaRPr lang="en-US"/>
-          </a:p>
-        </p:txBody>
-      </p:sp>
-      <p:sp>
-        <p:nvSpPr>
-          <p:cNvPr id="16" name="Arrow: Right 15">
-            <a:extLst>
-              <a:ext uri="{FF2B5EF4-FFF2-40B4-BE49-F238E27FC236}">
-                <a16:creationId xmlns:a16="http://schemas.microsoft.com/office/drawing/2014/main" id="{9A0D02B6-0787-401C-BDBD-AA83F361EF8E}"/>
-              </a:ext>
-            </a:extLst>
-          </p:cNvPr>
-          <p:cNvSpPr/>
-          <p:nvPr/>
-        </p:nvSpPr>
-        <p:spPr>
-          <a:xfrm>
-            <a:off x="4059632" y="4057319"/>
-            <a:ext cx="811508" cy="229509"/>
-          </a:xfrm>
-          <a:prstGeom prst="rightArrow">
-            <a:avLst/>
-          </a:prstGeom>
-          <a:solidFill>
-            <a:srgbClr val="002060"/>
-          </a:solidFill>
-        </p:spPr>
-        <p:style>
-          <a:lnRef idx="2">
-            <a:schemeClr val="accent1">
-              <a:shade val="50000"/>
-            </a:schemeClr>
-          </a:lnRef>
-          <a:fillRef idx="1">
-            <a:schemeClr val="accent1"/>
-          </a:fillRef>
-          <a:effectRef idx="0">
-            <a:schemeClr val="accent1"/>
-          </a:effectRef>
-          <a:fontRef idx="minor">
-            <a:schemeClr val="lt1"/>
-          </a:fontRef>
-        </p:style>
-        <p:txBody>
-          <a:bodyPr rtlCol="0" anchor="ctr"/>
-          <a:lstStyle/>
-          <a:p>
-            <a:pPr algn="ctr"/>
-            <a:endParaRPr lang="en-US"/>
+              <a:t>Period: 27</a:t>
+            </a:r>
+            <a:r>
+              <a:rPr lang="en-US" baseline="30000" dirty="0"/>
+              <a:t>th</a:t>
+            </a:r>
+            <a:r>
+              <a:rPr lang="en-US" dirty="0"/>
+              <a:t> June, 2018 – 28</a:t>
+            </a:r>
+            <a:r>
+              <a:rPr lang="en-US" baseline="30000" dirty="0"/>
+              <a:t>th</a:t>
+            </a:r>
+            <a:r>
+              <a:rPr lang="en-US" dirty="0"/>
+              <a:t> July, 2018</a:t>
+            </a:r>
+          </a:p>
+          <a:p>
+            <a:r>
+              <a:rPr lang="en-US" dirty="0"/>
+              <a:t>Tasks:</a:t>
+            </a:r>
+          </a:p>
+          <a:p>
+            <a:pPr marL="971550" lvl="1" indent="-514350">
+              <a:buFont typeface="+mj-lt"/>
+              <a:buAutoNum type="arabicPeriod"/>
+            </a:pPr>
+            <a:r>
+              <a:rPr lang="en-US" dirty="0"/>
+              <a:t>Setup a simple csv file to explore and model the data.</a:t>
+            </a:r>
+          </a:p>
+          <a:p>
+            <a:pPr marL="971550" lvl="1" indent="-514350">
+              <a:buFont typeface="+mj-lt"/>
+              <a:buAutoNum type="arabicPeriod"/>
+            </a:pPr>
+            <a:r>
+              <a:rPr lang="en-US" dirty="0"/>
+              <a:t>Utilized Yelp data for building the prototype by narrowing the data to only restaurants in Toronto.</a:t>
+            </a:r>
+          </a:p>
+          <a:p>
+            <a:pPr marL="971550" lvl="1" indent="-514350">
+              <a:buFont typeface="+mj-lt"/>
+              <a:buAutoNum type="arabicPeriod"/>
+            </a:pPr>
+            <a:r>
+              <a:rPr lang="en-US" dirty="0"/>
+              <a:t>Explored the data and built a baseline model to perform text similarities and recommend similar users.</a:t>
+            </a:r>
           </a:p>
         </p:txBody>
       </p:sp>
     </p:spTree>
     <p:extLst>
       <p:ext uri="{BB962C8B-B14F-4D97-AF65-F5344CB8AC3E}">
-        <p14:creationId xmlns:p14="http://schemas.microsoft.com/office/powerpoint/2010/main" val="660530023"/>
+        <p14:creationId xmlns:p14="http://schemas.microsoft.com/office/powerpoint/2010/main" val="275883919"/>
       </p:ext>
     </p:extLst>
   </p:cSld>
@@ -2086,10 +6242,10 @@
       </p:grpSpPr>
       <p:sp>
         <p:nvSpPr>
-          <p:cNvPr id="6" name="Title 1">
-            <a:extLst>
-              <a:ext uri="{FF2B5EF4-FFF2-40B4-BE49-F238E27FC236}">
-                <a16:creationId xmlns:a16="http://schemas.microsoft.com/office/drawing/2014/main" id="{380689D2-2ED5-4E37-A43B-AC18F56A40C7}"/>
+          <p:cNvPr id="2" name="Title 1">
+            <a:extLst>
+              <a:ext uri="{FF2B5EF4-FFF2-40B4-BE49-F238E27FC236}">
+                <a16:creationId xmlns:a16="http://schemas.microsoft.com/office/drawing/2014/main" id="{0312AB92-14C6-4B6F-AE90-22F4B8AC2338}"/>
               </a:ext>
             </a:extLst>
           </p:cNvPr>
@@ -2100,34 +6256,24 @@
             <p:ph type="title"/>
           </p:nvPr>
         </p:nvSpPr>
-        <p:spPr>
-          <a:xfrm>
-            <a:off x="838200" y="365125"/>
-            <a:ext cx="10515600" cy="1325563"/>
-          </a:xfrm>
-        </p:spPr>
+        <p:spPr/>
         <p:txBody>
           <a:bodyPr/>
           <a:lstStyle/>
           <a:p>
-            <a:pPr algn="ctr"/>
-            <a:r>
-              <a:rPr lang="en-US" dirty="0">
-                <a:solidFill>
-                  <a:srgbClr val="FF0000"/>
-                </a:solidFill>
-              </a:rPr>
-              <a:t>Project Summary</a:t>
+            <a:r>
+              <a:rPr lang="en-US" dirty="0"/>
+              <a:t>Problem Statement</a:t>
             </a:r>
           </a:p>
         </p:txBody>
       </p:sp>
       <p:sp>
         <p:nvSpPr>
-          <p:cNvPr id="7" name="Content Placeholder 2">
-            <a:extLst>
-              <a:ext uri="{FF2B5EF4-FFF2-40B4-BE49-F238E27FC236}">
-                <a16:creationId xmlns:a16="http://schemas.microsoft.com/office/drawing/2014/main" id="{ED768480-CFB4-480B-ABB7-E1FF605182B8}"/>
+          <p:cNvPr id="3" name="Content Placeholder 2">
+            <a:extLst>
+              <a:ext uri="{FF2B5EF4-FFF2-40B4-BE49-F238E27FC236}">
+                <a16:creationId xmlns:a16="http://schemas.microsoft.com/office/drawing/2014/main" id="{91E2F774-5D90-4C66-B7FD-A0AD7DF76141}"/>
               </a:ext>
             </a:extLst>
           </p:cNvPr>
@@ -2138,267 +6284,40 @@
             <p:ph idx="1"/>
           </p:nvPr>
         </p:nvSpPr>
-        <p:spPr>
-          <a:xfrm>
-            <a:off x="838200" y="1825625"/>
-            <a:ext cx="10515600" cy="4351338"/>
-          </a:xfrm>
-        </p:spPr>
+        <p:spPr/>
         <p:txBody>
-          <a:bodyPr>
-            <a:normAutofit/>
-          </a:bodyPr>
+          <a:bodyPr/>
           <a:lstStyle/>
           <a:p>
             <a:r>
-              <a:rPr lang="en-US" sz="1600" dirty="0">
-                <a:solidFill>
-                  <a:srgbClr val="002060"/>
-                </a:solidFill>
-              </a:rPr>
-              <a:t>Period: 27</a:t>
-            </a:r>
-            <a:r>
-              <a:rPr lang="en-US" sz="1600" baseline="30000" dirty="0">
-                <a:solidFill>
-                  <a:srgbClr val="002060"/>
-                </a:solidFill>
-              </a:rPr>
-              <a:t>th</a:t>
-            </a:r>
-            <a:r>
-              <a:rPr lang="en-US" sz="1600" dirty="0">
-                <a:solidFill>
-                  <a:srgbClr val="002060"/>
-                </a:solidFill>
-              </a:rPr>
-              <a:t> June, 2018 – 28</a:t>
-            </a:r>
-            <a:r>
-              <a:rPr lang="en-US" sz="1600" baseline="30000" dirty="0">
-                <a:solidFill>
-                  <a:srgbClr val="002060"/>
-                </a:solidFill>
-              </a:rPr>
-              <a:t>th</a:t>
-            </a:r>
-            <a:r>
-              <a:rPr lang="en-US" sz="1600" dirty="0">
-                <a:solidFill>
-                  <a:srgbClr val="002060"/>
-                </a:solidFill>
-              </a:rPr>
-              <a:t> July, 2018</a:t>
-            </a:r>
-          </a:p>
-          <a:p>
-            <a:r>
-              <a:rPr lang="en-US" sz="1600" dirty="0">
-                <a:solidFill>
-                  <a:srgbClr val="002060"/>
-                </a:solidFill>
-              </a:rPr>
-              <a:t>Worked on Recommendation Engine only for this time period.</a:t>
-            </a:r>
-          </a:p>
-          <a:p>
-            <a:r>
-              <a:rPr lang="en-US" sz="1600" dirty="0">
-                <a:solidFill>
-                  <a:srgbClr val="002060"/>
-                </a:solidFill>
-              </a:rPr>
-              <a:t>Tasks:</a:t>
-            </a:r>
-          </a:p>
-          <a:p>
-            <a:pPr lvl="1"/>
-            <a:r>
-              <a:rPr lang="en-US" sz="1200" dirty="0">
-                <a:solidFill>
-                  <a:srgbClr val="002060"/>
-                </a:solidFill>
-              </a:rPr>
-              <a:t>Setup a simple csv file to explore and model the data.</a:t>
-            </a:r>
-          </a:p>
-          <a:p>
-            <a:pPr lvl="1"/>
-            <a:r>
-              <a:rPr lang="en-US" sz="1200" dirty="0">
-                <a:solidFill>
-                  <a:srgbClr val="002060"/>
-                </a:solidFill>
-              </a:rPr>
-              <a:t>Utilized Yelp data for building the prototype by narrowing the data to only restaurants in Toronto.</a:t>
-            </a:r>
-          </a:p>
-          <a:p>
-            <a:pPr lvl="1"/>
-            <a:r>
-              <a:rPr lang="en-US" sz="1200" dirty="0">
-                <a:solidFill>
-                  <a:srgbClr val="002060"/>
-                </a:solidFill>
-              </a:rPr>
-              <a:t>Explored the data and built a baseline model in </a:t>
-            </a:r>
-            <a:r>
-              <a:rPr lang="en-US" sz="1200" dirty="0" err="1">
-                <a:solidFill>
-                  <a:srgbClr val="002060"/>
-                </a:solidFill>
-              </a:rPr>
-              <a:t>jupyter</a:t>
-            </a:r>
-            <a:r>
-              <a:rPr lang="en-US" sz="1200" dirty="0">
-                <a:solidFill>
-                  <a:srgbClr val="002060"/>
-                </a:solidFill>
-              </a:rPr>
-              <a:t> notebook to perform text similarities and recommend similar users.</a:t>
-            </a:r>
-          </a:p>
-          <a:p>
-            <a:r>
-              <a:rPr lang="en-US" sz="1600" dirty="0">
-                <a:solidFill>
-                  <a:srgbClr val="002060"/>
-                </a:solidFill>
-              </a:rPr>
-              <a:t>Software: </a:t>
-            </a:r>
-          </a:p>
-          <a:p>
-            <a:pPr lvl="1"/>
-            <a:r>
-              <a:rPr lang="en-US" sz="1200" dirty="0">
-                <a:solidFill>
-                  <a:srgbClr val="002060"/>
-                </a:solidFill>
-              </a:rPr>
-              <a:t>Framework: </a:t>
-            </a:r>
-            <a:r>
-              <a:rPr lang="en-US" sz="1200" dirty="0" err="1">
-                <a:solidFill>
-                  <a:srgbClr val="002060"/>
-                </a:solidFill>
-              </a:rPr>
-              <a:t>Jupyter</a:t>
-            </a:r>
-            <a:r>
-              <a:rPr lang="en-US" sz="1200" dirty="0">
-                <a:solidFill>
-                  <a:srgbClr val="002060"/>
-                </a:solidFill>
-              </a:rPr>
-              <a:t> Notebook.</a:t>
-            </a:r>
-          </a:p>
-          <a:p>
-            <a:pPr lvl="1"/>
-            <a:r>
-              <a:rPr lang="en-US" sz="1200" dirty="0">
-                <a:solidFill>
-                  <a:srgbClr val="002060"/>
-                </a:solidFill>
-              </a:rPr>
-              <a:t>Language: Python</a:t>
-            </a:r>
-          </a:p>
-          <a:p>
-            <a:pPr lvl="1"/>
-            <a:r>
-              <a:rPr lang="en-US" sz="1200" dirty="0">
-                <a:solidFill>
-                  <a:srgbClr val="002060"/>
-                </a:solidFill>
-              </a:rPr>
-              <a:t>Libraries: </a:t>
-            </a:r>
-            <a:r>
-              <a:rPr lang="en-US" sz="1200" dirty="0" err="1">
-                <a:solidFill>
-                  <a:srgbClr val="002060"/>
-                </a:solidFill>
-              </a:rPr>
-              <a:t>nltk</a:t>
-            </a:r>
-            <a:r>
-              <a:rPr lang="en-US" sz="1200" dirty="0">
-                <a:solidFill>
-                  <a:srgbClr val="002060"/>
-                </a:solidFill>
-              </a:rPr>
-              <a:t>, </a:t>
-            </a:r>
-            <a:r>
-              <a:rPr lang="en-US" sz="1200" dirty="0" err="1">
-                <a:solidFill>
-                  <a:srgbClr val="002060"/>
-                </a:solidFill>
-              </a:rPr>
-              <a:t>sklearn</a:t>
-            </a:r>
-            <a:r>
-              <a:rPr lang="en-US" sz="1200" dirty="0">
-                <a:solidFill>
-                  <a:srgbClr val="002060"/>
-                </a:solidFill>
-              </a:rPr>
-              <a:t>, pandas, </a:t>
-            </a:r>
-            <a:r>
-              <a:rPr lang="en-US" sz="1200" dirty="0" err="1">
-                <a:solidFill>
-                  <a:srgbClr val="002060"/>
-                </a:solidFill>
-              </a:rPr>
-              <a:t>numpy</a:t>
-            </a:r>
-            <a:r>
-              <a:rPr lang="en-US" sz="1200" dirty="0">
-                <a:solidFill>
-                  <a:srgbClr val="002060"/>
-                </a:solidFill>
-              </a:rPr>
-              <a:t>, collections, </a:t>
-            </a:r>
-            <a:r>
-              <a:rPr lang="en-US" sz="1200" dirty="0" err="1">
-                <a:solidFill>
-                  <a:srgbClr val="002060"/>
-                </a:solidFill>
-              </a:rPr>
-              <a:t>os</a:t>
-            </a:r>
-            <a:r>
-              <a:rPr lang="en-US" sz="1200" dirty="0">
-                <a:solidFill>
-                  <a:srgbClr val="002060"/>
-                </a:solidFill>
-              </a:rPr>
-              <a:t>, re, string.</a:t>
-            </a:r>
-          </a:p>
-          <a:p>
-            <a:pPr marL="0" indent="0">
-              <a:buNone/>
-            </a:pPr>
-            <a:endParaRPr lang="en-US" sz="1600" dirty="0">
-              <a:solidFill>
-                <a:srgbClr val="002060"/>
-              </a:solidFill>
-            </a:endParaRPr>
+              <a:rPr lang="en-US" dirty="0"/>
+              <a:t>Users of products gain better utility from websites when reviews are relevant to specific user</a:t>
+            </a:r>
+          </a:p>
+          <a:p>
+            <a:r>
+              <a:rPr lang="en-US" dirty="0"/>
+              <a:t>A curated group of reviews that represents the user’s preferences can improve user experience and increase site engagement, driving higher sales</a:t>
+            </a:r>
+          </a:p>
+          <a:p>
+            <a:endParaRPr lang="en-US" dirty="0"/>
+          </a:p>
+          <a:p>
+            <a:r>
+              <a:rPr lang="en-US" dirty="0"/>
+              <a:t>We aim to build a predictive model that will return the reviews from users that are most similar to the visitor</a:t>
+            </a:r>
+          </a:p>
+          <a:p>
+            <a:endParaRPr lang="en-US" dirty="0"/>
           </a:p>
         </p:txBody>
       </p:sp>
     </p:spTree>
     <p:extLst>
       <p:ext uri="{BB962C8B-B14F-4D97-AF65-F5344CB8AC3E}">
-        <p14:creationId xmlns:p14="http://schemas.microsoft.com/office/powerpoint/2010/main" val="275883919"/>
+        <p14:creationId xmlns:p14="http://schemas.microsoft.com/office/powerpoint/2010/main" val="3036975758"/>
       </p:ext>
     </p:extLst>
   </p:cSld>
@@ -2425,261 +6344,724 @@
           <a:chExt cx="0" cy="0"/>
         </a:xfrm>
       </p:grpSpPr>
+      <p:pic>
+        <p:nvPicPr>
+          <p:cNvPr id="22" name="Picture 21" descr="A screenshot of a cell phone&#10;&#10;Description generated with very high confidence">
+            <a:extLst>
+              <a:ext uri="{FF2B5EF4-FFF2-40B4-BE49-F238E27FC236}">
+                <a16:creationId xmlns:a16="http://schemas.microsoft.com/office/drawing/2014/main" id="{E7C455B6-91EB-439E-937A-DA1E9C7502BE}"/>
+              </a:ext>
+            </a:extLst>
+          </p:cNvPr>
+          <p:cNvPicPr>
+            <a:picLocks noChangeAspect="1"/>
+          </p:cNvPicPr>
+          <p:nvPr/>
+        </p:nvPicPr>
+        <p:blipFill rotWithShape="1">
+          <a:blip r:embed="rId2">
+            <a:extLst>
+              <a:ext uri="{28A0092B-C50C-407E-A947-70E740481C1C}">
+                <a14:useLocalDpi xmlns:a14="http://schemas.microsoft.com/office/drawing/2010/main" val="0"/>
+              </a:ext>
+            </a:extLst>
+          </a:blip>
+          <a:srcRect r="34212" b="24406"/>
+          <a:stretch/>
+        </p:blipFill>
+        <p:spPr>
+          <a:xfrm>
+            <a:off x="8374583" y="173166"/>
+            <a:ext cx="3587569" cy="2187251"/>
+          </a:xfrm>
+          <a:prstGeom prst="rect">
+            <a:avLst/>
+          </a:prstGeom>
+          <a:solidFill>
+            <a:srgbClr val="FFFFFF">
+              <a:shade val="85000"/>
+            </a:srgbClr>
+          </a:solidFill>
+          <a:ln w="88900" cap="sq">
+            <a:solidFill>
+              <a:srgbClr val="FFFFFF"/>
+            </a:solidFill>
+            <a:miter lim="800000"/>
+          </a:ln>
+          <a:effectLst>
+            <a:outerShdw blurRad="55000" dist="18000" dir="5400000" algn="tl" rotWithShape="0">
+              <a:srgbClr val="000000">
+                <a:alpha val="40000"/>
+              </a:srgbClr>
+            </a:outerShdw>
+          </a:effectLst>
+          <a:scene3d>
+            <a:camera prst="orthographicFront"/>
+            <a:lightRig rig="twoPt" dir="t">
+              <a:rot lat="0" lon="0" rev="7200000"/>
+            </a:lightRig>
+          </a:scene3d>
+          <a:sp3d>
+            <a:bevelT w="25400" h="19050"/>
+            <a:contourClr>
+              <a:srgbClr val="FFFFFF"/>
+            </a:contourClr>
+          </a:sp3d>
+        </p:spPr>
+      </p:pic>
+      <p:pic>
+        <p:nvPicPr>
+          <p:cNvPr id="23" name="Picture 22" descr="A screenshot of a cell phone&#10;&#10;Description generated with very high confidence">
+            <a:extLst>
+              <a:ext uri="{FF2B5EF4-FFF2-40B4-BE49-F238E27FC236}">
+                <a16:creationId xmlns:a16="http://schemas.microsoft.com/office/drawing/2014/main" id="{3AAC71E3-AE26-4879-A054-40CD057F71FB}"/>
+              </a:ext>
+            </a:extLst>
+          </p:cNvPr>
+          <p:cNvPicPr>
+            <a:picLocks noChangeAspect="1"/>
+          </p:cNvPicPr>
+          <p:nvPr/>
+        </p:nvPicPr>
+        <p:blipFill rotWithShape="1">
+          <a:blip r:embed="rId3">
+            <a:extLst>
+              <a:ext uri="{28A0092B-C50C-407E-A947-70E740481C1C}">
+                <a14:useLocalDpi xmlns:a14="http://schemas.microsoft.com/office/drawing/2010/main" val="0"/>
+              </a:ext>
+            </a:extLst>
+          </a:blip>
+          <a:srcRect r="33854"/>
+          <a:stretch/>
+        </p:blipFill>
+        <p:spPr>
+          <a:xfrm>
+            <a:off x="8397343" y="2555655"/>
+            <a:ext cx="3587754" cy="1562748"/>
+          </a:xfrm>
+          <a:prstGeom prst="rect">
+            <a:avLst/>
+          </a:prstGeom>
+          <a:solidFill>
+            <a:srgbClr val="FFFFFF">
+              <a:shade val="85000"/>
+            </a:srgbClr>
+          </a:solidFill>
+          <a:ln w="88900" cap="sq">
+            <a:solidFill>
+              <a:srgbClr val="FFFFFF"/>
+            </a:solidFill>
+            <a:miter lim="800000"/>
+          </a:ln>
+          <a:effectLst>
+            <a:outerShdw blurRad="55000" dist="18000" dir="5400000" algn="tl" rotWithShape="0">
+              <a:srgbClr val="000000">
+                <a:alpha val="40000"/>
+              </a:srgbClr>
+            </a:outerShdw>
+          </a:effectLst>
+          <a:scene3d>
+            <a:camera prst="orthographicFront"/>
+            <a:lightRig rig="twoPt" dir="t">
+              <a:rot lat="0" lon="0" rev="7200000"/>
+            </a:lightRig>
+          </a:scene3d>
+          <a:sp3d>
+            <a:bevelT w="25400" h="19050"/>
+            <a:contourClr>
+              <a:srgbClr val="FFFFFF"/>
+            </a:contourClr>
+          </a:sp3d>
+        </p:spPr>
+      </p:pic>
+      <p:pic>
+        <p:nvPicPr>
+          <p:cNvPr id="24" name="Picture 23" descr="A screenshot of a cell phone&#10;&#10;Description generated with very high confidence">
+            <a:extLst>
+              <a:ext uri="{FF2B5EF4-FFF2-40B4-BE49-F238E27FC236}">
+                <a16:creationId xmlns:a16="http://schemas.microsoft.com/office/drawing/2014/main" id="{5343EEE2-E8A3-49CA-89DA-30696E9D565A}"/>
+              </a:ext>
+            </a:extLst>
+          </p:cNvPr>
+          <p:cNvPicPr>
+            <a:picLocks noChangeAspect="1"/>
+          </p:cNvPicPr>
+          <p:nvPr/>
+        </p:nvPicPr>
+        <p:blipFill rotWithShape="1">
+          <a:blip r:embed="rId4">
+            <a:extLst>
+              <a:ext uri="{28A0092B-C50C-407E-A947-70E740481C1C}">
+                <a14:useLocalDpi xmlns:a14="http://schemas.microsoft.com/office/drawing/2010/main" val="0"/>
+              </a:ext>
+            </a:extLst>
+          </a:blip>
+          <a:srcRect r="33907" b="35107"/>
+          <a:stretch/>
+        </p:blipFill>
+        <p:spPr>
+          <a:xfrm>
+            <a:off x="8404813" y="4926848"/>
+            <a:ext cx="3527108" cy="1562748"/>
+          </a:xfrm>
+          <a:prstGeom prst="rect">
+            <a:avLst/>
+          </a:prstGeom>
+          <a:solidFill>
+            <a:srgbClr val="FFFFFF">
+              <a:shade val="85000"/>
+            </a:srgbClr>
+          </a:solidFill>
+          <a:ln w="88900" cap="sq">
+            <a:solidFill>
+              <a:srgbClr val="FFFFFF"/>
+            </a:solidFill>
+            <a:miter lim="800000"/>
+          </a:ln>
+          <a:effectLst>
+            <a:outerShdw blurRad="55000" dist="18000" dir="5400000" algn="tl" rotWithShape="0">
+              <a:srgbClr val="000000">
+                <a:alpha val="40000"/>
+              </a:srgbClr>
+            </a:outerShdw>
+          </a:effectLst>
+          <a:scene3d>
+            <a:camera prst="orthographicFront"/>
+            <a:lightRig rig="twoPt" dir="t">
+              <a:rot lat="0" lon="0" rev="7200000"/>
+            </a:lightRig>
+          </a:scene3d>
+          <a:sp3d>
+            <a:bevelT w="25400" h="19050"/>
+            <a:contourClr>
+              <a:srgbClr val="FFFFFF"/>
+            </a:contourClr>
+          </a:sp3d>
+        </p:spPr>
+      </p:pic>
       <p:sp>
         <p:nvSpPr>
-          <p:cNvPr id="4" name="Title 1">
-            <a:extLst>
-              <a:ext uri="{FF2B5EF4-FFF2-40B4-BE49-F238E27FC236}">
-                <a16:creationId xmlns:a16="http://schemas.microsoft.com/office/drawing/2014/main" id="{2BC3398E-64FA-421C-89DB-7A4D4A229A41}"/>
-              </a:ext>
-            </a:extLst>
-          </p:cNvPr>
-          <p:cNvSpPr>
-            <a:spLocks noGrp="1"/>
-          </p:cNvSpPr>
-          <p:nvPr>
-            <p:ph type="title"/>
-          </p:nvPr>
+          <p:cNvPr id="25" name="TextBox 24">
+            <a:extLst>
+              <a:ext uri="{FF2B5EF4-FFF2-40B4-BE49-F238E27FC236}">
+                <a16:creationId xmlns:a16="http://schemas.microsoft.com/office/drawing/2014/main" id="{8D194416-8D30-4B76-BF2E-99CF71E399D7}"/>
+              </a:ext>
+            </a:extLst>
+          </p:cNvPr>
+          <p:cNvSpPr txBox="1"/>
+          <p:nvPr/>
         </p:nvSpPr>
         <p:spPr>
-          <a:xfrm>
-            <a:off x="838200" y="365125"/>
-            <a:ext cx="10515600" cy="1325563"/>
-          </a:xfrm>
+          <a:xfrm rot="5400000">
+            <a:off x="10112261" y="4060960"/>
+            <a:ext cx="696328" cy="923330"/>
+          </a:xfrm>
+          <a:prstGeom prst="rect">
+            <a:avLst/>
+          </a:prstGeom>
+          <a:noFill/>
         </p:spPr>
         <p:txBody>
-          <a:bodyPr/>
+          <a:bodyPr wrap="square" rtlCol="0">
+            <a:spAutoFit/>
+          </a:bodyPr>
           <a:lstStyle/>
           <a:p>
-            <a:pPr algn="ctr"/>
-            <a:r>
-              <a:rPr lang="en-US" dirty="0">
-                <a:solidFill>
-                  <a:srgbClr val="FF0000"/>
-                </a:solidFill>
-              </a:rPr>
-              <a:t>Recommendation Engine Overview</a:t>
+            <a:r>
+              <a:rPr lang="en-US" sz="5400" dirty="0"/>
+              <a:t>…</a:t>
             </a:r>
           </a:p>
         </p:txBody>
       </p:sp>
       <p:sp>
         <p:nvSpPr>
-          <p:cNvPr id="5" name="Content Placeholder 2">
-            <a:extLst>
-              <a:ext uri="{FF2B5EF4-FFF2-40B4-BE49-F238E27FC236}">
-                <a16:creationId xmlns:a16="http://schemas.microsoft.com/office/drawing/2014/main" id="{C0054F06-8527-4BD9-99C0-0161F0B95F9D}"/>
-              </a:ext>
-            </a:extLst>
-          </p:cNvPr>
-          <p:cNvSpPr>
-            <a:spLocks noGrp="1"/>
-          </p:cNvSpPr>
-          <p:nvPr>
-            <p:ph idx="1"/>
-          </p:nvPr>
+          <p:cNvPr id="26" name="Arrow: Down 25">
+            <a:extLst>
+              <a:ext uri="{FF2B5EF4-FFF2-40B4-BE49-F238E27FC236}">
+                <a16:creationId xmlns:a16="http://schemas.microsoft.com/office/drawing/2014/main" id="{9D757F1A-CD67-4E4E-80D0-52BEDA382AA3}"/>
+              </a:ext>
+            </a:extLst>
+          </p:cNvPr>
+          <p:cNvSpPr/>
+          <p:nvPr/>
         </p:nvSpPr>
         <p:spPr>
           <a:xfrm>
-            <a:off x="838200" y="1580166"/>
-            <a:ext cx="10515600" cy="4614381"/>
-          </a:xfrm>
-        </p:spPr>
+            <a:off x="736050" y="1266791"/>
+            <a:ext cx="377877" cy="1642278"/>
+          </a:xfrm>
+          <a:prstGeom prst="downArrow">
+            <a:avLst/>
+          </a:prstGeom>
+          <a:solidFill>
+            <a:srgbClr val="B40000"/>
+          </a:solidFill>
+        </p:spPr>
+        <p:style>
+          <a:lnRef idx="2">
+            <a:schemeClr val="accent1">
+              <a:shade val="50000"/>
+            </a:schemeClr>
+          </a:lnRef>
+          <a:fillRef idx="1">
+            <a:schemeClr val="accent1"/>
+          </a:fillRef>
+          <a:effectRef idx="0">
+            <a:schemeClr val="accent1"/>
+          </a:effectRef>
+          <a:fontRef idx="minor">
+            <a:schemeClr val="lt1"/>
+          </a:fontRef>
+        </p:style>
         <p:txBody>
-          <a:bodyPr>
-            <a:normAutofit/>
+          <a:bodyPr rtlCol="0" anchor="ctr"/>
+          <a:lstStyle/>
+          <a:p>
+            <a:pPr algn="ctr"/>
+            <a:endParaRPr lang="en-US">
+              <a:solidFill>
+                <a:srgbClr val="FF0000"/>
+              </a:solidFill>
+            </a:endParaRPr>
+          </a:p>
+        </p:txBody>
+      </p:sp>
+      <p:sp>
+        <p:nvSpPr>
+          <p:cNvPr id="28" name="Arrow: Right 27">
+            <a:extLst>
+              <a:ext uri="{FF2B5EF4-FFF2-40B4-BE49-F238E27FC236}">
+                <a16:creationId xmlns:a16="http://schemas.microsoft.com/office/drawing/2014/main" id="{AE715995-0A89-40B3-B665-825895624675}"/>
+              </a:ext>
+            </a:extLst>
+          </p:cNvPr>
+          <p:cNvSpPr/>
+          <p:nvPr/>
+        </p:nvSpPr>
+        <p:spPr>
+          <a:xfrm rot="347634">
+            <a:off x="1146761" y="1125126"/>
+            <a:ext cx="7193886" cy="435613"/>
+          </a:xfrm>
+          <a:prstGeom prst="rightArrow">
+            <a:avLst>
+              <a:gd name="adj1" fmla="val 32780"/>
+              <a:gd name="adj2" fmla="val 50000"/>
+            </a:avLst>
+          </a:prstGeom>
+        </p:spPr>
+        <p:style>
+          <a:lnRef idx="1">
+            <a:schemeClr val="accent3"/>
+          </a:lnRef>
+          <a:fillRef idx="2">
+            <a:schemeClr val="accent3"/>
+          </a:fillRef>
+          <a:effectRef idx="1">
+            <a:schemeClr val="accent3"/>
+          </a:effectRef>
+          <a:fontRef idx="minor">
+            <a:schemeClr val="dk1"/>
+          </a:fontRef>
+        </p:style>
+        <p:txBody>
+          <a:bodyPr rtlCol="0" anchor="ctr"/>
+          <a:lstStyle/>
+          <a:p>
+            <a:pPr algn="ctr"/>
+            <a:endParaRPr lang="en-US"/>
+          </a:p>
+        </p:txBody>
+      </p:sp>
+      <p:sp>
+        <p:nvSpPr>
+          <p:cNvPr id="29" name="Arrow: Right 28">
+            <a:extLst>
+              <a:ext uri="{FF2B5EF4-FFF2-40B4-BE49-F238E27FC236}">
+                <a16:creationId xmlns:a16="http://schemas.microsoft.com/office/drawing/2014/main" id="{489CAD23-3CAA-42C4-ADCA-B432438367ED}"/>
+              </a:ext>
+            </a:extLst>
+          </p:cNvPr>
+          <p:cNvSpPr/>
+          <p:nvPr/>
+        </p:nvSpPr>
+        <p:spPr>
+          <a:xfrm rot="1164703">
+            <a:off x="796143" y="2010508"/>
+            <a:ext cx="7731116" cy="428239"/>
+          </a:xfrm>
+          <a:prstGeom prst="rightArrow">
+            <a:avLst>
+              <a:gd name="adj1" fmla="val 32780"/>
+              <a:gd name="adj2" fmla="val 50000"/>
+            </a:avLst>
+          </a:prstGeom>
+        </p:spPr>
+        <p:style>
+          <a:lnRef idx="1">
+            <a:schemeClr val="accent3"/>
+          </a:lnRef>
+          <a:fillRef idx="2">
+            <a:schemeClr val="accent3"/>
+          </a:fillRef>
+          <a:effectRef idx="1">
+            <a:schemeClr val="accent3"/>
+          </a:effectRef>
+          <a:fontRef idx="minor">
+            <a:schemeClr val="dk1"/>
+          </a:fontRef>
+        </p:style>
+        <p:txBody>
+          <a:bodyPr rtlCol="0" anchor="ctr"/>
+          <a:lstStyle/>
+          <a:p>
+            <a:pPr algn="ctr"/>
+            <a:endParaRPr lang="en-US"/>
+          </a:p>
+        </p:txBody>
+      </p:sp>
+      <p:sp>
+        <p:nvSpPr>
+          <p:cNvPr id="30" name="Arrow: Right 29">
+            <a:extLst>
+              <a:ext uri="{FF2B5EF4-FFF2-40B4-BE49-F238E27FC236}">
+                <a16:creationId xmlns:a16="http://schemas.microsoft.com/office/drawing/2014/main" id="{19FDABBF-D646-413E-B46D-500E3657FE74}"/>
+              </a:ext>
+            </a:extLst>
+          </p:cNvPr>
+          <p:cNvSpPr/>
+          <p:nvPr/>
+        </p:nvSpPr>
+        <p:spPr>
+          <a:xfrm rot="2044067">
+            <a:off x="346887" y="3204276"/>
+            <a:ext cx="8700026" cy="428239"/>
+          </a:xfrm>
+          <a:prstGeom prst="rightArrow">
+            <a:avLst>
+              <a:gd name="adj1" fmla="val 32780"/>
+              <a:gd name="adj2" fmla="val 50000"/>
+            </a:avLst>
+          </a:prstGeom>
+        </p:spPr>
+        <p:style>
+          <a:lnRef idx="1">
+            <a:schemeClr val="accent3"/>
+          </a:lnRef>
+          <a:fillRef idx="2">
+            <a:schemeClr val="accent3"/>
+          </a:fillRef>
+          <a:effectRef idx="1">
+            <a:schemeClr val="accent3"/>
+          </a:effectRef>
+          <a:fontRef idx="minor">
+            <a:schemeClr val="dk1"/>
+          </a:fontRef>
+        </p:style>
+        <p:txBody>
+          <a:bodyPr rtlCol="0" anchor="ctr"/>
+          <a:lstStyle/>
+          <a:p>
+            <a:pPr algn="ctr"/>
+            <a:endParaRPr lang="en-US"/>
+          </a:p>
+        </p:txBody>
+      </p:sp>
+      <p:pic>
+        <p:nvPicPr>
+          <p:cNvPr id="31" name="Picture 30" descr="A screenshot of a social media post&#10;&#10;Description generated with very high confidence">
+            <a:extLst>
+              <a:ext uri="{FF2B5EF4-FFF2-40B4-BE49-F238E27FC236}">
+                <a16:creationId xmlns:a16="http://schemas.microsoft.com/office/drawing/2014/main" id="{C56CE37D-4C15-4F3C-8AD5-3B3E05FC7155}"/>
+              </a:ext>
+            </a:extLst>
+          </p:cNvPr>
+          <p:cNvPicPr>
+            <a:picLocks noChangeAspect="1"/>
+          </p:cNvPicPr>
+          <p:nvPr/>
+        </p:nvPicPr>
+        <p:blipFill>
+          <a:blip r:embed="rId5">
+            <a:extLst>
+              <a:ext uri="{28A0092B-C50C-407E-A947-70E740481C1C}">
+                <a14:useLocalDpi xmlns:a14="http://schemas.microsoft.com/office/drawing/2010/main" val="0"/>
+              </a:ext>
+            </a:extLst>
+          </a:blip>
+          <a:stretch>
+            <a:fillRect/>
+          </a:stretch>
+        </p:blipFill>
+        <p:spPr>
+          <a:xfrm>
+            <a:off x="290309" y="3038740"/>
+            <a:ext cx="6427643" cy="3347312"/>
+          </a:xfrm>
+          <a:prstGeom prst="rect">
+            <a:avLst/>
+          </a:prstGeom>
+        </p:spPr>
+      </p:pic>
+      <p:sp>
+        <p:nvSpPr>
+          <p:cNvPr id="32" name="Rectangle 31">
+            <a:extLst>
+              <a:ext uri="{FF2B5EF4-FFF2-40B4-BE49-F238E27FC236}">
+                <a16:creationId xmlns:a16="http://schemas.microsoft.com/office/drawing/2014/main" id="{0BC3CCD1-0B8F-44EE-B164-3F0A82DE0FCE}"/>
+              </a:ext>
+            </a:extLst>
+          </p:cNvPr>
+          <p:cNvSpPr/>
+          <p:nvPr/>
+        </p:nvSpPr>
+        <p:spPr>
+          <a:xfrm>
+            <a:off x="8606709" y="1149778"/>
+            <a:ext cx="505267" cy="923330"/>
+          </a:xfrm>
+          <a:prstGeom prst="rect">
+            <a:avLst/>
+          </a:prstGeom>
+          <a:noFill/>
+        </p:spPr>
+        <p:txBody>
+          <a:bodyPr wrap="none" lIns="91440" tIns="45720" rIns="91440" bIns="45720">
+            <a:spAutoFit/>
           </a:bodyPr>
           <a:lstStyle/>
           <a:p>
-            <a:r>
-              <a:rPr lang="en-US" sz="1800" dirty="0">
+            <a:pPr algn="ctr"/>
+            <a:r>
+              <a:rPr lang="en-US" sz="5400" b="0" cap="none" spc="0" dirty="0">
+                <a:ln w="0"/>
                 <a:solidFill>
-                  <a:srgbClr val="002060"/>
+                  <a:schemeClr val="tx1"/>
                 </a:solidFill>
+                <a:effectLst>
+                  <a:outerShdw blurRad="38100" dist="19050" dir="2700000" algn="tl" rotWithShape="0">
+                    <a:schemeClr val="dk1">
+                      <a:alpha val="40000"/>
+                    </a:schemeClr>
+                  </a:outerShdw>
+                </a:effectLst>
               </a:rPr>
-              <a:t>Pre-condition: </a:t>
-            </a:r>
-          </a:p>
-          <a:p>
-            <a:pPr lvl="1"/>
-            <a:r>
-              <a:rPr lang="en-US" sz="1600" dirty="0">
+              <a:t>?</a:t>
+            </a:r>
+          </a:p>
+        </p:txBody>
+      </p:sp>
+      <p:sp>
+        <p:nvSpPr>
+          <p:cNvPr id="33" name="Rectangle 32">
+            <a:extLst>
+              <a:ext uri="{FF2B5EF4-FFF2-40B4-BE49-F238E27FC236}">
+                <a16:creationId xmlns:a16="http://schemas.microsoft.com/office/drawing/2014/main" id="{08510BE3-6FC9-4701-8916-DF05FDFD8ECF}"/>
+              </a:ext>
+            </a:extLst>
+          </p:cNvPr>
+          <p:cNvSpPr/>
+          <p:nvPr/>
+        </p:nvSpPr>
+        <p:spPr>
+          <a:xfrm>
+            <a:off x="8606709" y="3141791"/>
+            <a:ext cx="505267" cy="923330"/>
+          </a:xfrm>
+          <a:prstGeom prst="rect">
+            <a:avLst/>
+          </a:prstGeom>
+          <a:noFill/>
+        </p:spPr>
+        <p:txBody>
+          <a:bodyPr wrap="none" lIns="91440" tIns="45720" rIns="91440" bIns="45720">
+            <a:spAutoFit/>
+          </a:bodyPr>
+          <a:lstStyle/>
+          <a:p>
+            <a:pPr algn="ctr"/>
+            <a:r>
+              <a:rPr lang="en-US" sz="5400" b="0" cap="none" spc="0" dirty="0">
+                <a:ln w="0"/>
                 <a:solidFill>
-                  <a:srgbClr val="002060"/>
+                  <a:schemeClr val="tx1"/>
                 </a:solidFill>
+                <a:effectLst>
+                  <a:outerShdw blurRad="38100" dist="19050" dir="2700000" algn="tl" rotWithShape="0">
+                    <a:schemeClr val="dk1">
+                      <a:alpha val="40000"/>
+                    </a:schemeClr>
+                  </a:outerShdw>
+                </a:effectLst>
               </a:rPr>
-              <a:t>User U visits Business B</a:t>
-            </a:r>
-          </a:p>
-          <a:p>
-            <a:r>
-              <a:rPr lang="en-US" sz="1800" dirty="0">
+              <a:t>?</a:t>
+            </a:r>
+          </a:p>
+        </p:txBody>
+      </p:sp>
+      <p:sp>
+        <p:nvSpPr>
+          <p:cNvPr id="34" name="Rectangle 33">
+            <a:extLst>
+              <a:ext uri="{FF2B5EF4-FFF2-40B4-BE49-F238E27FC236}">
+                <a16:creationId xmlns:a16="http://schemas.microsoft.com/office/drawing/2014/main" id="{037CB37C-987B-4C9E-A365-7A8FA7D1778D}"/>
+              </a:ext>
+            </a:extLst>
+          </p:cNvPr>
+          <p:cNvSpPr/>
+          <p:nvPr/>
+        </p:nvSpPr>
+        <p:spPr>
+          <a:xfrm>
+            <a:off x="8606709" y="5394534"/>
+            <a:ext cx="505267" cy="923330"/>
+          </a:xfrm>
+          <a:prstGeom prst="rect">
+            <a:avLst/>
+          </a:prstGeom>
+          <a:noFill/>
+        </p:spPr>
+        <p:txBody>
+          <a:bodyPr wrap="none" lIns="91440" tIns="45720" rIns="91440" bIns="45720">
+            <a:spAutoFit/>
+          </a:bodyPr>
+          <a:lstStyle/>
+          <a:p>
+            <a:pPr algn="ctr"/>
+            <a:r>
+              <a:rPr lang="en-US" sz="5400" b="0" cap="none" spc="0" dirty="0">
+                <a:ln w="0"/>
                 <a:solidFill>
-                  <a:srgbClr val="002060"/>
+                  <a:schemeClr val="tx1"/>
                 </a:solidFill>
+                <a:effectLst>
+                  <a:outerShdw blurRad="38100" dist="19050" dir="2700000" algn="tl" rotWithShape="0">
+                    <a:schemeClr val="dk1">
+                      <a:alpha val="40000"/>
+                    </a:schemeClr>
+                  </a:outerShdw>
+                </a:effectLst>
               </a:rPr>
-              <a:t>Filter data:</a:t>
-            </a:r>
-          </a:p>
-          <a:p>
-            <a:pPr lvl="1"/>
-            <a:r>
-              <a:rPr lang="en-US" sz="1600" dirty="0">
-                <a:solidFill>
-                  <a:srgbClr val="002060"/>
-                </a:solidFill>
+              <a:t>?</a:t>
+            </a:r>
+          </a:p>
+        </p:txBody>
+      </p:sp>
+      <p:pic>
+        <p:nvPicPr>
+          <p:cNvPr id="35" name="Graphic 34" descr="User">
+            <a:extLst>
+              <a:ext uri="{FF2B5EF4-FFF2-40B4-BE49-F238E27FC236}">
+                <a16:creationId xmlns:a16="http://schemas.microsoft.com/office/drawing/2014/main" id="{B89C7E8F-99A2-45CB-A2D7-592A9E92CA2C}"/>
+              </a:ext>
+            </a:extLst>
+          </p:cNvPr>
+          <p:cNvPicPr>
+            <a:picLocks noChangeAspect="1"/>
+          </p:cNvPicPr>
+          <p:nvPr/>
+        </p:nvPicPr>
+        <p:blipFill>
+          <a:blip r:embed="rId6">
+            <a:extLst>
+              <a:ext uri="{28A0092B-C50C-407E-A947-70E740481C1C}">
+                <a14:useLocalDpi xmlns:a14="http://schemas.microsoft.com/office/drawing/2010/main" val="0"/>
+              </a:ext>
+              <a:ext uri="{96DAC541-7B7A-43D3-8B79-37D633B846F1}">
+                <asvg:svgBlip xmlns:asvg="http://schemas.microsoft.com/office/drawing/2016/SVG/main" r:embed="rId7"/>
+              </a:ext>
+            </a:extLst>
+          </a:blip>
+          <a:stretch>
+            <a:fillRect/>
+          </a:stretch>
+        </p:blipFill>
+        <p:spPr>
+          <a:xfrm>
+            <a:off x="207650" y="42202"/>
+            <a:ext cx="1322882" cy="1322882"/>
+          </a:xfrm>
+          <a:prstGeom prst="rect">
+            <a:avLst/>
+          </a:prstGeom>
+        </p:spPr>
+      </p:pic>
+      <p:sp>
+        <p:nvSpPr>
+          <p:cNvPr id="38" name="TextBox 37">
+            <a:extLst>
+              <a:ext uri="{FF2B5EF4-FFF2-40B4-BE49-F238E27FC236}">
+                <a16:creationId xmlns:a16="http://schemas.microsoft.com/office/drawing/2014/main" id="{80096C79-A1DC-43BF-A4E2-A6FABA060653}"/>
+              </a:ext>
+            </a:extLst>
+          </p:cNvPr>
+          <p:cNvSpPr txBox="1"/>
+          <p:nvPr/>
+        </p:nvSpPr>
+        <p:spPr>
+          <a:xfrm>
+            <a:off x="1036241" y="1745619"/>
+            <a:ext cx="1001849" cy="523220"/>
+          </a:xfrm>
+          <a:prstGeom prst="rect">
+            <a:avLst/>
+          </a:prstGeom>
+          <a:noFill/>
+        </p:spPr>
+        <p:txBody>
+          <a:bodyPr wrap="square" rtlCol="0">
+            <a:spAutoFit/>
+          </a:bodyPr>
+          <a:lstStyle/>
+          <a:p>
+            <a:r>
+              <a:rPr lang="en-US" sz="2800" b="1" dirty="0"/>
+              <a:t>Visits</a:t>
+            </a:r>
+          </a:p>
+        </p:txBody>
+      </p:sp>
+      <p:sp>
+        <p:nvSpPr>
+          <p:cNvPr id="39" name="TextBox 38">
+            <a:extLst>
+              <a:ext uri="{FF2B5EF4-FFF2-40B4-BE49-F238E27FC236}">
+                <a16:creationId xmlns:a16="http://schemas.microsoft.com/office/drawing/2014/main" id="{343D5F76-B2F4-4BF4-B829-4004BCAD33C9}"/>
+              </a:ext>
+            </a:extLst>
+          </p:cNvPr>
+          <p:cNvSpPr txBox="1"/>
+          <p:nvPr/>
+        </p:nvSpPr>
+        <p:spPr>
+          <a:xfrm>
+            <a:off x="1857119" y="248145"/>
+            <a:ext cx="6160554" cy="646331"/>
+          </a:xfrm>
+          <a:prstGeom prst="rect">
+            <a:avLst/>
+          </a:prstGeom>
+          <a:noFill/>
+        </p:spPr>
+        <p:txBody>
+          <a:bodyPr wrap="square" rtlCol="0">
+            <a:spAutoFit/>
+          </a:bodyPr>
+          <a:lstStyle/>
+          <a:p>
+            <a:r>
+              <a:rPr lang="en-US" sz="3600" dirty="0">
+                <a:ln w="0"/>
+                <a:effectLst>
+                  <a:outerShdw blurRad="38100" dist="19050" dir="2700000" algn="tl" rotWithShape="0">
+                    <a:schemeClr val="dk1">
+                      <a:alpha val="40000"/>
+                    </a:schemeClr>
+                  </a:outerShdw>
+                </a:effectLst>
               </a:rPr>
-              <a:t>Filter rows by users that review business B</a:t>
-            </a:r>
-          </a:p>
-          <a:p>
-            <a:pPr lvl="1"/>
-            <a:r>
-              <a:rPr lang="en-US" sz="1600" dirty="0">
-                <a:solidFill>
-                  <a:srgbClr val="002060"/>
-                </a:solidFill>
-              </a:rPr>
-              <a:t>Filter columns by places that user U reviewed.</a:t>
-            </a:r>
-          </a:p>
-          <a:p>
-            <a:r>
-              <a:rPr lang="en-US" sz="1800" dirty="0">
-                <a:solidFill>
-                  <a:srgbClr val="002060"/>
-                </a:solidFill>
-              </a:rPr>
-              <a:t>Calculate cosine similarities:</a:t>
-            </a:r>
-          </a:p>
-          <a:p>
-            <a:pPr lvl="1"/>
-            <a:r>
-              <a:rPr lang="en-US" sz="1600" dirty="0">
-                <a:solidFill>
-                  <a:srgbClr val="002060"/>
-                </a:solidFill>
-              </a:rPr>
-              <a:t>Compute similarities by column to yield similarity score for each business.</a:t>
-            </a:r>
-          </a:p>
-          <a:p>
-            <a:pPr lvl="1"/>
-            <a:r>
-              <a:rPr lang="en-US" sz="1600" dirty="0">
-                <a:solidFill>
-                  <a:srgbClr val="002060"/>
-                </a:solidFill>
-              </a:rPr>
-              <a:t>Compute similarities by row to yield final similarities between users.</a:t>
-            </a:r>
-          </a:p>
-          <a:p>
-            <a:r>
-              <a:rPr lang="en-US" sz="1800" dirty="0">
-                <a:solidFill>
-                  <a:srgbClr val="002060"/>
-                </a:solidFill>
-              </a:rPr>
-              <a:t>Accuracy:</a:t>
-            </a:r>
-          </a:p>
-          <a:p>
-            <a:pPr lvl="1"/>
-            <a:r>
-              <a:rPr lang="en-US" sz="1600" dirty="0">
-                <a:solidFill>
-                  <a:srgbClr val="002060"/>
-                </a:solidFill>
-              </a:rPr>
-              <a:t>Return top 5 users similar to user U.</a:t>
-            </a:r>
-          </a:p>
-          <a:p>
-            <a:pPr lvl="1"/>
-            <a:r>
-              <a:rPr lang="en-US" sz="1600" dirty="0">
-                <a:solidFill>
-                  <a:srgbClr val="002060"/>
-                </a:solidFill>
-              </a:rPr>
-              <a:t>Aggregate their average rating </a:t>
-            </a:r>
-            <a:r>
-              <a:rPr lang="en-US" sz="1600" dirty="0" err="1">
-                <a:solidFill>
-                  <a:srgbClr val="002060"/>
-                </a:solidFill>
-              </a:rPr>
-              <a:t>R</a:t>
-            </a:r>
-            <a:r>
-              <a:rPr lang="en-US" sz="1600" baseline="-25000" dirty="0" err="1">
-                <a:solidFill>
-                  <a:srgbClr val="002060"/>
-                </a:solidFill>
-              </a:rPr>
-              <a:t>p</a:t>
-            </a:r>
-            <a:r>
-              <a:rPr lang="en-US" sz="1600" dirty="0">
-                <a:solidFill>
-                  <a:srgbClr val="002060"/>
-                </a:solidFill>
-              </a:rPr>
-              <a:t> for a business B which will be user U’s predicted rating.</a:t>
-            </a:r>
-          </a:p>
-          <a:p>
-            <a:pPr lvl="1"/>
-            <a:r>
-              <a:rPr lang="en-US" sz="1600" dirty="0">
-                <a:solidFill>
-                  <a:srgbClr val="002060"/>
-                </a:solidFill>
-              </a:rPr>
-              <a:t>Compare predicted rating </a:t>
-            </a:r>
-            <a:r>
-              <a:rPr lang="en-US" sz="1600" dirty="0" err="1">
-                <a:solidFill>
-                  <a:srgbClr val="002060"/>
-                </a:solidFill>
-              </a:rPr>
-              <a:t>R</a:t>
-            </a:r>
-            <a:r>
-              <a:rPr lang="en-US" sz="1600" baseline="-25000" dirty="0" err="1">
-                <a:solidFill>
-                  <a:srgbClr val="002060"/>
-                </a:solidFill>
-              </a:rPr>
-              <a:t>p</a:t>
-            </a:r>
-            <a:r>
-              <a:rPr lang="en-US" sz="1600" dirty="0">
-                <a:solidFill>
-                  <a:srgbClr val="002060"/>
-                </a:solidFill>
-              </a:rPr>
-              <a:t> with actual rating R</a:t>
-            </a:r>
-            <a:r>
-              <a:rPr lang="en-US" sz="1600" baseline="-25000" dirty="0">
-                <a:solidFill>
-                  <a:srgbClr val="002060"/>
-                </a:solidFill>
-              </a:rPr>
-              <a:t>a </a:t>
-            </a:r>
-            <a:r>
-              <a:rPr lang="en-US" sz="1600" dirty="0">
-                <a:solidFill>
-                  <a:srgbClr val="002060"/>
-                </a:solidFill>
-              </a:rPr>
-              <a:t>of user U. </a:t>
+              <a:t>Which reviews should user see?</a:t>
             </a:r>
           </a:p>
         </p:txBody>
@@ -2687,7 +7069,7 @@
     </p:spTree>
     <p:extLst>
       <p:ext uri="{BB962C8B-B14F-4D97-AF65-F5344CB8AC3E}">
-        <p14:creationId xmlns:p14="http://schemas.microsoft.com/office/powerpoint/2010/main" val="3086098095"/>
+        <p14:creationId xmlns:p14="http://schemas.microsoft.com/office/powerpoint/2010/main" val="2400858387"/>
       </p:ext>
     </p:extLst>
   </p:cSld>
@@ -2714,152 +7096,12 @@
           <a:chExt cx="0" cy="0"/>
         </a:xfrm>
       </p:grpSpPr>
-      <p:pic>
-        <p:nvPicPr>
-          <p:cNvPr id="22" name="Picture 21" descr="A screenshot of a cell phone&#10;&#10;Description generated with very high confidence">
-            <a:extLst>
-              <a:ext uri="{FF2B5EF4-FFF2-40B4-BE49-F238E27FC236}">
-                <a16:creationId xmlns:a16="http://schemas.microsoft.com/office/drawing/2014/main" id="{E7C455B6-91EB-439E-937A-DA1E9C7502BE}"/>
-              </a:ext>
-            </a:extLst>
-          </p:cNvPr>
-          <p:cNvPicPr>
-            <a:picLocks noChangeAspect="1"/>
-          </p:cNvPicPr>
-          <p:nvPr/>
-        </p:nvPicPr>
-        <p:blipFill rotWithShape="1">
-          <a:blip r:embed="rId2">
-            <a:extLst>
-              <a:ext uri="{28A0092B-C50C-407E-A947-70E740481C1C}">
-                <a14:useLocalDpi xmlns:a14="http://schemas.microsoft.com/office/drawing/2010/main" val="0"/>
-              </a:ext>
-            </a:extLst>
-          </a:blip>
-          <a:srcRect r="34212" b="24406"/>
-          <a:stretch/>
-        </p:blipFill>
-        <p:spPr>
-          <a:xfrm>
-            <a:off x="8374583" y="173166"/>
-            <a:ext cx="3587569" cy="2187251"/>
-          </a:xfrm>
-          <a:prstGeom prst="rect">
-            <a:avLst/>
-          </a:prstGeom>
-        </p:spPr>
-      </p:pic>
-      <p:pic>
-        <p:nvPicPr>
-          <p:cNvPr id="23" name="Picture 22" descr="A screenshot of a cell phone&#10;&#10;Description generated with very high confidence">
-            <a:extLst>
-              <a:ext uri="{FF2B5EF4-FFF2-40B4-BE49-F238E27FC236}">
-                <a16:creationId xmlns:a16="http://schemas.microsoft.com/office/drawing/2014/main" id="{3AAC71E3-AE26-4879-A054-40CD057F71FB}"/>
-              </a:ext>
-            </a:extLst>
-          </p:cNvPr>
-          <p:cNvPicPr>
-            <a:picLocks noChangeAspect="1"/>
-          </p:cNvPicPr>
-          <p:nvPr/>
-        </p:nvPicPr>
-        <p:blipFill rotWithShape="1">
-          <a:blip r:embed="rId3">
-            <a:extLst>
-              <a:ext uri="{28A0092B-C50C-407E-A947-70E740481C1C}">
-                <a14:useLocalDpi xmlns:a14="http://schemas.microsoft.com/office/drawing/2010/main" val="0"/>
-              </a:ext>
-            </a:extLst>
-          </a:blip>
-          <a:srcRect r="33854"/>
-          <a:stretch/>
-        </p:blipFill>
-        <p:spPr>
-          <a:xfrm>
-            <a:off x="8313937" y="2360417"/>
-            <a:ext cx="3587754" cy="1562748"/>
-          </a:xfrm>
-          <a:prstGeom prst="rect">
-            <a:avLst/>
-          </a:prstGeom>
-        </p:spPr>
-      </p:pic>
-      <p:pic>
-        <p:nvPicPr>
-          <p:cNvPr id="24" name="Picture 23" descr="A screenshot of a cell phone&#10;&#10;Description generated with very high confidence">
-            <a:extLst>
-              <a:ext uri="{FF2B5EF4-FFF2-40B4-BE49-F238E27FC236}">
-                <a16:creationId xmlns:a16="http://schemas.microsoft.com/office/drawing/2014/main" id="{5343EEE2-E8A3-49CA-89DA-30696E9D565A}"/>
-              </a:ext>
-            </a:extLst>
-          </p:cNvPr>
-          <p:cNvPicPr>
-            <a:picLocks noChangeAspect="1"/>
-          </p:cNvPicPr>
-          <p:nvPr/>
-        </p:nvPicPr>
-        <p:blipFill rotWithShape="1">
-          <a:blip r:embed="rId4">
-            <a:extLst>
-              <a:ext uri="{28A0092B-C50C-407E-A947-70E740481C1C}">
-                <a14:useLocalDpi xmlns:a14="http://schemas.microsoft.com/office/drawing/2010/main" val="0"/>
-              </a:ext>
-            </a:extLst>
-          </a:blip>
-          <a:srcRect r="33907" b="35107"/>
-          <a:stretch/>
-        </p:blipFill>
-        <p:spPr>
-          <a:xfrm>
-            <a:off x="8344260" y="4613160"/>
-            <a:ext cx="3527108" cy="1562748"/>
-          </a:xfrm>
-          <a:prstGeom prst="rect">
-            <a:avLst/>
-          </a:prstGeom>
-        </p:spPr>
-      </p:pic>
       <p:sp>
         <p:nvSpPr>
-          <p:cNvPr id="25" name="TextBox 24">
-            <a:extLst>
-              <a:ext uri="{FF2B5EF4-FFF2-40B4-BE49-F238E27FC236}">
-                <a16:creationId xmlns:a16="http://schemas.microsoft.com/office/drawing/2014/main" id="{8D194416-8D30-4B76-BF2E-99CF71E399D7}"/>
-              </a:ext>
-            </a:extLst>
-          </p:cNvPr>
-          <p:cNvSpPr txBox="1"/>
-          <p:nvPr/>
-        </p:nvSpPr>
-        <p:spPr>
-          <a:xfrm rot="5400000">
-            <a:off x="10281868" y="3806498"/>
-            <a:ext cx="696328" cy="923330"/>
-          </a:xfrm>
-          <a:prstGeom prst="rect">
-            <a:avLst/>
-          </a:prstGeom>
-          <a:noFill/>
-        </p:spPr>
-        <p:txBody>
-          <a:bodyPr wrap="square" rtlCol="0">
-            <a:spAutoFit/>
-          </a:bodyPr>
-          <a:lstStyle/>
-          <a:p>
-            <a:r>
-              <a:rPr lang="en-US" sz="5400" dirty="0"/>
-              <a:t>…</a:t>
-            </a:r>
-          </a:p>
-        </p:txBody>
-      </p:sp>
-      <p:sp>
-        <p:nvSpPr>
-          <p:cNvPr id="26" name="Arrow: Down 25">
-            <a:extLst>
-              <a:ext uri="{FF2B5EF4-FFF2-40B4-BE49-F238E27FC236}">
-                <a16:creationId xmlns:a16="http://schemas.microsoft.com/office/drawing/2014/main" id="{9D757F1A-CD67-4E4E-80D0-52BEDA382AA3}"/>
+          <p:cNvPr id="5" name="Rectangle 4">
+            <a:extLst>
+              <a:ext uri="{FF2B5EF4-FFF2-40B4-BE49-F238E27FC236}">
+                <a16:creationId xmlns:a16="http://schemas.microsoft.com/office/drawing/2014/main" id="{CC58FE9B-B1F6-449B-831D-50103F37881A}"/>
               </a:ext>
             </a:extLst>
           </p:cNvPr>
@@ -2868,12 +7110,16 @@
         </p:nvSpPr>
         <p:spPr>
           <a:xfrm>
-            <a:off x="1718613" y="1999968"/>
-            <a:ext cx="377877" cy="954155"/>
-          </a:xfrm>
-          <a:prstGeom prst="downArrow">
+            <a:off x="1031857" y="2209294"/>
+            <a:ext cx="3124867" cy="1464172"/>
+          </a:xfrm>
+          <a:prstGeom prst="rect">
             <a:avLst/>
           </a:prstGeom>
+          <a:solidFill>
+            <a:schemeClr val="bg1"/>
+          </a:solidFill>
+          <a:ln w="38100"/>
         </p:spPr>
         <p:style>
           <a:lnRef idx="2">
@@ -2902,10 +7148,10 @@
       </p:sp>
       <p:sp>
         <p:nvSpPr>
-          <p:cNvPr id="27" name="TextBox 26">
-            <a:extLst>
-              <a:ext uri="{FF2B5EF4-FFF2-40B4-BE49-F238E27FC236}">
-                <a16:creationId xmlns:a16="http://schemas.microsoft.com/office/drawing/2014/main" id="{1F111446-0DA1-4663-B084-B58F479086DF}"/>
+          <p:cNvPr id="6" name="TextBox 5">
+            <a:extLst>
+              <a:ext uri="{FF2B5EF4-FFF2-40B4-BE49-F238E27FC236}">
+                <a16:creationId xmlns:a16="http://schemas.microsoft.com/office/drawing/2014/main" id="{4EBAA62F-1E53-4839-9F3B-CBC1E21408D5}"/>
               </a:ext>
             </a:extLst>
           </p:cNvPr>
@@ -2914,8 +7160,8 @@
         </p:nvSpPr>
         <p:spPr>
           <a:xfrm>
-            <a:off x="2437557" y="173166"/>
-            <a:ext cx="5452830" cy="923330"/>
+            <a:off x="1115179" y="2680609"/>
+            <a:ext cx="3041545" cy="523220"/>
           </a:xfrm>
           <a:prstGeom prst="rect">
             <a:avLst/>
@@ -2928,55 +7174,23 @@
           </a:bodyPr>
           <a:lstStyle/>
           <a:p>
-            <a:pPr marL="342900" indent="-342900">
-              <a:buFont typeface="Arial" panose="020B0604020202020204" pitchFamily="34" charset="0"/>
-              <a:buChar char="•"/>
-            </a:pPr>
-            <a:r>
-              <a:rPr lang="en-US" dirty="0">
+            <a:r>
+              <a:rPr lang="en-US" sz="2800" b="1" dirty="0">
                 <a:solidFill>
                   <a:srgbClr val="002060"/>
                 </a:solidFill>
               </a:rPr>
-              <a:t>For each user</a:t>
-            </a:r>
-          </a:p>
-          <a:p>
-            <a:pPr marL="342900" indent="-342900">
-              <a:buFont typeface="Arial" panose="020B0604020202020204" pitchFamily="34" charset="0"/>
-              <a:buChar char="•"/>
-            </a:pPr>
-            <a:r>
-              <a:rPr lang="en-US" dirty="0">
-                <a:solidFill>
-                  <a:srgbClr val="002060"/>
-                </a:solidFill>
-              </a:rPr>
-              <a:t>Visiting a specific business</a:t>
-            </a:r>
-          </a:p>
-          <a:p>
-            <a:pPr marL="342900" indent="-342900">
-              <a:buFont typeface="Arial" panose="020B0604020202020204" pitchFamily="34" charset="0"/>
-              <a:buChar char="•"/>
-            </a:pPr>
-            <a:r>
-              <a:rPr lang="en-US" dirty="0">
-                <a:solidFill>
-                  <a:srgbClr val="002060"/>
-                </a:solidFill>
-              </a:rPr>
-              <a:t>Which reviews are best representative of users taste</a:t>
+              <a:t>Web Scraped Data</a:t>
             </a:r>
           </a:p>
         </p:txBody>
       </p:sp>
       <p:sp>
         <p:nvSpPr>
-          <p:cNvPr id="28" name="Arrow: Right 27">
-            <a:extLst>
-              <a:ext uri="{FF2B5EF4-FFF2-40B4-BE49-F238E27FC236}">
-                <a16:creationId xmlns:a16="http://schemas.microsoft.com/office/drawing/2014/main" id="{AE715995-0A89-40B3-B665-825895624675}"/>
+          <p:cNvPr id="7" name="Rectangle 6">
+            <a:extLst>
+              <a:ext uri="{FF2B5EF4-FFF2-40B4-BE49-F238E27FC236}">
+                <a16:creationId xmlns:a16="http://schemas.microsoft.com/office/drawing/2014/main" id="{403872F8-96CB-4833-8ACB-652A04C81175}"/>
               </a:ext>
             </a:extLst>
           </p:cNvPr>
@@ -2985,28 +7199,31 @@
         </p:nvSpPr>
         <p:spPr>
           <a:xfrm>
-            <a:off x="1917290" y="1423219"/>
-            <a:ext cx="6426970" cy="428239"/>
-          </a:xfrm>
-          <a:prstGeom prst="rightArrow">
-            <a:avLst>
-              <a:gd name="adj1" fmla="val 32780"/>
-              <a:gd name="adj2" fmla="val 50000"/>
-            </a:avLst>
-          </a:prstGeom>
+            <a:off x="5043556" y="2680609"/>
+            <a:ext cx="2935321" cy="2031501"/>
+          </a:xfrm>
+          <a:prstGeom prst="rect">
+            <a:avLst/>
+          </a:prstGeom>
+          <a:solidFill>
+            <a:schemeClr val="bg1"/>
+          </a:solidFill>
+          <a:ln w="38100"/>
         </p:spPr>
         <p:style>
-          <a:lnRef idx="1">
-            <a:schemeClr val="accent3"/>
+          <a:lnRef idx="2">
+            <a:schemeClr val="accent1">
+              <a:shade val="50000"/>
+            </a:schemeClr>
           </a:lnRef>
-          <a:fillRef idx="2">
-            <a:schemeClr val="accent3"/>
+          <a:fillRef idx="1">
+            <a:schemeClr val="accent1"/>
           </a:fillRef>
-          <a:effectRef idx="1">
-            <a:schemeClr val="accent3"/>
+          <a:effectRef idx="0">
+            <a:schemeClr val="accent1"/>
           </a:effectRef>
           <a:fontRef idx="minor">
-            <a:schemeClr val="dk1"/>
+            <a:schemeClr val="lt1"/>
           </a:fontRef>
         </p:style>
         <p:txBody>
@@ -3020,10 +7237,10 @@
       </p:sp>
       <p:sp>
         <p:nvSpPr>
-          <p:cNvPr id="29" name="Arrow: Right 28">
-            <a:extLst>
-              <a:ext uri="{FF2B5EF4-FFF2-40B4-BE49-F238E27FC236}">
-                <a16:creationId xmlns:a16="http://schemas.microsoft.com/office/drawing/2014/main" id="{489CAD23-3CAA-42C4-ADCA-B432438367ED}"/>
+          <p:cNvPr id="8" name="Rectangle 7">
+            <a:extLst>
+              <a:ext uri="{FF2B5EF4-FFF2-40B4-BE49-F238E27FC236}">
+                <a16:creationId xmlns:a16="http://schemas.microsoft.com/office/drawing/2014/main" id="{3A274D13-C1F6-455D-9B35-81975AF3EAFD}"/>
               </a:ext>
             </a:extLst>
           </p:cNvPr>
@@ -3031,29 +7248,32 @@
           <p:nvPr/>
         </p:nvSpPr>
         <p:spPr>
-          <a:xfrm rot="985038">
-            <a:off x="1796039" y="2353222"/>
-            <a:ext cx="6642826" cy="428239"/>
-          </a:xfrm>
-          <a:prstGeom prst="rightArrow">
-            <a:avLst>
-              <a:gd name="adj1" fmla="val 32780"/>
-              <a:gd name="adj2" fmla="val 50000"/>
-            </a:avLst>
-          </a:prstGeom>
+          <a:xfrm>
+            <a:off x="9125795" y="2680609"/>
+            <a:ext cx="2212258" cy="2031501"/>
+          </a:xfrm>
+          <a:prstGeom prst="rect">
+            <a:avLst/>
+          </a:prstGeom>
+          <a:solidFill>
+            <a:schemeClr val="bg1"/>
+          </a:solidFill>
+          <a:ln w="38100"/>
         </p:spPr>
         <p:style>
-          <a:lnRef idx="1">
-            <a:schemeClr val="accent3"/>
+          <a:lnRef idx="2">
+            <a:schemeClr val="accent1">
+              <a:shade val="50000"/>
+            </a:schemeClr>
           </a:lnRef>
-          <a:fillRef idx="2">
-            <a:schemeClr val="accent3"/>
+          <a:fillRef idx="1">
+            <a:schemeClr val="accent1"/>
           </a:fillRef>
-          <a:effectRef idx="1">
-            <a:schemeClr val="accent3"/>
+          <a:effectRef idx="0">
+            <a:schemeClr val="accent1"/>
           </a:effectRef>
           <a:fontRef idx="minor">
-            <a:schemeClr val="dk1"/>
+            <a:schemeClr val="lt1"/>
           </a:fontRef>
         </p:style>
         <p:txBody>
@@ -3067,57 +7287,50 @@
       </p:sp>
       <p:sp>
         <p:nvSpPr>
-          <p:cNvPr id="30" name="Arrow: Right 29">
-            <a:extLst>
-              <a:ext uri="{FF2B5EF4-FFF2-40B4-BE49-F238E27FC236}">
-                <a16:creationId xmlns:a16="http://schemas.microsoft.com/office/drawing/2014/main" id="{19FDABBF-D646-413E-B46D-500E3657FE74}"/>
-              </a:ext>
-            </a:extLst>
-          </p:cNvPr>
-          <p:cNvSpPr/>
+          <p:cNvPr id="9" name="TextBox 8">
+            <a:extLst>
+              <a:ext uri="{FF2B5EF4-FFF2-40B4-BE49-F238E27FC236}">
+                <a16:creationId xmlns:a16="http://schemas.microsoft.com/office/drawing/2014/main" id="{5B085F0B-447A-4D6A-9E55-45A9DE5DB6A0}"/>
+              </a:ext>
+            </a:extLst>
+          </p:cNvPr>
+          <p:cNvSpPr txBox="1"/>
           <p:nvPr/>
         </p:nvSpPr>
         <p:spPr>
-          <a:xfrm rot="2075644">
-            <a:off x="1236904" y="3570877"/>
-            <a:ext cx="7698750" cy="428239"/>
-          </a:xfrm>
-          <a:prstGeom prst="rightArrow">
-            <a:avLst>
-              <a:gd name="adj1" fmla="val 32780"/>
-              <a:gd name="adj2" fmla="val 50000"/>
-            </a:avLst>
-          </a:prstGeom>
-        </p:spPr>
-        <p:style>
-          <a:lnRef idx="1">
-            <a:schemeClr val="accent3"/>
-          </a:lnRef>
-          <a:fillRef idx="2">
-            <a:schemeClr val="accent3"/>
-          </a:fillRef>
-          <a:effectRef idx="1">
-            <a:schemeClr val="accent3"/>
-          </a:effectRef>
-          <a:fontRef idx="minor">
-            <a:schemeClr val="dk1"/>
-          </a:fontRef>
-        </p:style>
+          <a:xfrm>
+            <a:off x="9125796" y="3411856"/>
+            <a:ext cx="2212257" cy="707886"/>
+          </a:xfrm>
+          <a:prstGeom prst="rect">
+            <a:avLst/>
+          </a:prstGeom>
+          <a:noFill/>
+        </p:spPr>
         <p:txBody>
-          <a:bodyPr rtlCol="0" anchor="ctr"/>
+          <a:bodyPr wrap="square" rtlCol="0">
+            <a:spAutoFit/>
+          </a:bodyPr>
           <a:lstStyle/>
           <a:p>
             <a:pPr algn="ctr"/>
-            <a:endParaRPr lang="en-US"/>
+            <a:r>
+              <a:rPr lang="en-US" sz="2000" b="1" dirty="0">
+                <a:solidFill>
+                  <a:srgbClr val="002060"/>
+                </a:solidFill>
+              </a:rPr>
+              <a:t>Recommendation Engine</a:t>
+            </a:r>
           </a:p>
         </p:txBody>
       </p:sp>
       <p:pic>
         <p:nvPicPr>
-          <p:cNvPr id="31" name="Picture 30" descr="A screenshot of a social media post&#10;&#10;Description generated with very high confidence">
-            <a:extLst>
-              <a:ext uri="{FF2B5EF4-FFF2-40B4-BE49-F238E27FC236}">
-                <a16:creationId xmlns:a16="http://schemas.microsoft.com/office/drawing/2014/main" id="{C56CE37D-4C15-4F3C-8AD5-3B3E05FC7155}"/>
+          <p:cNvPr id="10" name="Picture 9">
+            <a:extLst>
+              <a:ext uri="{FF2B5EF4-FFF2-40B4-BE49-F238E27FC236}">
+                <a16:creationId xmlns:a16="http://schemas.microsoft.com/office/drawing/2014/main" id="{5630E792-0A1F-4BAB-BEC3-4C5C17550509}"/>
               </a:ext>
             </a:extLst>
           </p:cNvPr>
@@ -3127,7 +7340,7 @@
           <p:nvPr/>
         </p:nvPicPr>
         <p:blipFill>
-          <a:blip r:embed="rId5">
+          <a:blip r:embed="rId2">
             <a:extLst>
               <a:ext uri="{28A0092B-C50C-407E-A947-70E740481C1C}">
                 <a14:useLocalDpi xmlns:a14="http://schemas.microsoft.com/office/drawing/2010/main" val="0"/>
@@ -3140,164 +7353,20 @@
         </p:blipFill>
         <p:spPr>
           <a:xfrm>
-            <a:off x="290309" y="3038740"/>
-            <a:ext cx="6427643" cy="3347312"/>
+            <a:off x="988639" y="3817185"/>
+            <a:ext cx="3121870" cy="1464172"/>
           </a:xfrm>
           <a:prstGeom prst="rect">
             <a:avLst/>
           </a:prstGeom>
         </p:spPr>
       </p:pic>
-      <p:sp>
-        <p:nvSpPr>
-          <p:cNvPr id="32" name="Rectangle 31">
-            <a:extLst>
-              <a:ext uri="{FF2B5EF4-FFF2-40B4-BE49-F238E27FC236}">
-                <a16:creationId xmlns:a16="http://schemas.microsoft.com/office/drawing/2014/main" id="{0BC3CCD1-0B8F-44EE-B164-3F0A82DE0FCE}"/>
-              </a:ext>
-            </a:extLst>
-          </p:cNvPr>
-          <p:cNvSpPr/>
-          <p:nvPr/>
-        </p:nvSpPr>
-        <p:spPr>
-          <a:xfrm>
-            <a:off x="8606709" y="1149778"/>
-            <a:ext cx="505267" cy="923330"/>
-          </a:xfrm>
-          <a:prstGeom prst="rect">
-            <a:avLst/>
-          </a:prstGeom>
-          <a:noFill/>
-        </p:spPr>
-        <p:txBody>
-          <a:bodyPr wrap="none" lIns="91440" tIns="45720" rIns="91440" bIns="45720">
-            <a:spAutoFit/>
-          </a:bodyPr>
-          <a:lstStyle/>
-          <a:p>
-            <a:pPr algn="ctr"/>
-            <a:r>
-              <a:rPr lang="en-US" sz="5400" b="0" cap="none" spc="0" dirty="0">
-                <a:ln w="0"/>
-                <a:solidFill>
-                  <a:schemeClr val="tx1"/>
-                </a:solidFill>
-                <a:effectLst>
-                  <a:outerShdw blurRad="38100" dist="19050" dir="2700000" algn="tl" rotWithShape="0">
-                    <a:schemeClr val="dk1">
-                      <a:alpha val="40000"/>
-                    </a:schemeClr>
-                  </a:outerShdw>
-                </a:effectLst>
-              </a:rPr>
-              <a:t>?</a:t>
-            </a:r>
-          </a:p>
-        </p:txBody>
-      </p:sp>
-      <p:sp>
-        <p:nvSpPr>
-          <p:cNvPr id="33" name="Rectangle 32">
-            <a:extLst>
-              <a:ext uri="{FF2B5EF4-FFF2-40B4-BE49-F238E27FC236}">
-                <a16:creationId xmlns:a16="http://schemas.microsoft.com/office/drawing/2014/main" id="{08510BE3-6FC9-4701-8916-DF05FDFD8ECF}"/>
-              </a:ext>
-            </a:extLst>
-          </p:cNvPr>
-          <p:cNvSpPr/>
-          <p:nvPr/>
-        </p:nvSpPr>
-        <p:spPr>
-          <a:xfrm>
-            <a:off x="8606709" y="3141791"/>
-            <a:ext cx="505267" cy="923330"/>
-          </a:xfrm>
-          <a:prstGeom prst="rect">
-            <a:avLst/>
-          </a:prstGeom>
-          <a:noFill/>
-        </p:spPr>
-        <p:txBody>
-          <a:bodyPr wrap="none" lIns="91440" tIns="45720" rIns="91440" bIns="45720">
-            <a:spAutoFit/>
-          </a:bodyPr>
-          <a:lstStyle/>
-          <a:p>
-            <a:pPr algn="ctr"/>
-            <a:r>
-              <a:rPr lang="en-US" sz="5400" b="0" cap="none" spc="0" dirty="0">
-                <a:ln w="0"/>
-                <a:solidFill>
-                  <a:schemeClr val="tx1"/>
-                </a:solidFill>
-                <a:effectLst>
-                  <a:outerShdw blurRad="38100" dist="19050" dir="2700000" algn="tl" rotWithShape="0">
-                    <a:schemeClr val="dk1">
-                      <a:alpha val="40000"/>
-                    </a:schemeClr>
-                  </a:outerShdw>
-                </a:effectLst>
-              </a:rPr>
-              <a:t>?</a:t>
-            </a:r>
-          </a:p>
-        </p:txBody>
-      </p:sp>
-      <p:sp>
-        <p:nvSpPr>
-          <p:cNvPr id="34" name="Rectangle 33">
-            <a:extLst>
-              <a:ext uri="{FF2B5EF4-FFF2-40B4-BE49-F238E27FC236}">
-                <a16:creationId xmlns:a16="http://schemas.microsoft.com/office/drawing/2014/main" id="{037CB37C-987B-4C9E-A365-7A8FA7D1778D}"/>
-              </a:ext>
-            </a:extLst>
-          </p:cNvPr>
-          <p:cNvSpPr/>
-          <p:nvPr/>
-        </p:nvSpPr>
-        <p:spPr>
-          <a:xfrm>
-            <a:off x="8606709" y="5394534"/>
-            <a:ext cx="505267" cy="923330"/>
-          </a:xfrm>
-          <a:prstGeom prst="rect">
-            <a:avLst/>
-          </a:prstGeom>
-          <a:noFill/>
-        </p:spPr>
-        <p:txBody>
-          <a:bodyPr wrap="none" lIns="91440" tIns="45720" rIns="91440" bIns="45720">
-            <a:spAutoFit/>
-          </a:bodyPr>
-          <a:lstStyle/>
-          <a:p>
-            <a:pPr algn="ctr"/>
-            <a:r>
-              <a:rPr lang="en-US" sz="5400" b="0" cap="none" spc="0" dirty="0">
-                <a:ln w="0"/>
-                <a:solidFill>
-                  <a:schemeClr val="tx1"/>
-                </a:solidFill>
-                <a:effectLst>
-                  <a:outerShdw blurRad="38100" dist="19050" dir="2700000" algn="tl" rotWithShape="0">
-                    <a:schemeClr val="dk1">
-                      <a:alpha val="40000"/>
-                    </a:schemeClr>
-                  </a:outerShdw>
-                </a:effectLst>
-              </a:rPr>
-              <a:t>?</a:t>
-            </a:r>
-          </a:p>
-        </p:txBody>
-      </p:sp>
       <p:pic>
         <p:nvPicPr>
-          <p:cNvPr id="35" name="Graphic 34" descr="User">
-            <a:extLst>
-              <a:ext uri="{FF2B5EF4-FFF2-40B4-BE49-F238E27FC236}">
-                <a16:creationId xmlns:a16="http://schemas.microsoft.com/office/drawing/2014/main" id="{B89C7E8F-99A2-45CB-A2D7-592A9E92CA2C}"/>
+          <p:cNvPr id="11" name="Picture 10">
+            <a:extLst>
+              <a:ext uri="{FF2B5EF4-FFF2-40B4-BE49-F238E27FC236}">
+                <a16:creationId xmlns:a16="http://schemas.microsoft.com/office/drawing/2014/main" id="{17834A54-A3E2-4F81-B4F4-78EEBDEC75A4}"/>
               </a:ext>
             </a:extLst>
           </p:cNvPr>
@@ -3307,13 +7376,10 @@
           <p:nvPr/>
         </p:nvPicPr>
         <p:blipFill>
-          <a:blip r:embed="rId6">
+          <a:blip r:embed="rId3">
             <a:extLst>
               <a:ext uri="{28A0092B-C50C-407E-A947-70E740481C1C}">
                 <a14:useLocalDpi xmlns:a14="http://schemas.microsoft.com/office/drawing/2010/main" val="0"/>
-              </a:ext>
-              <a:ext uri="{96DAC541-7B7A-43D3-8B79-37D633B846F1}">
-                <asvg:svgBlip xmlns:asvg="http://schemas.microsoft.com/office/drawing/2016/SVG/main" r:embed="rId7"/>
               </a:ext>
             </a:extLst>
           </a:blip>
@@ -3323,8 +7389,8 @@
         </p:blipFill>
         <p:spPr>
           <a:xfrm>
-            <a:off x="1246111" y="731993"/>
-            <a:ext cx="1322882" cy="1322882"/>
+            <a:off x="5388071" y="2967270"/>
+            <a:ext cx="2455663" cy="1350033"/>
           </a:xfrm>
           <a:prstGeom prst="rect">
             <a:avLst/>
@@ -3333,10 +7399,107 @@
       </p:pic>
       <p:sp>
         <p:nvSpPr>
-          <p:cNvPr id="36" name="TextBox 35">
-            <a:extLst>
-              <a:ext uri="{FF2B5EF4-FFF2-40B4-BE49-F238E27FC236}">
-                <a16:creationId xmlns:a16="http://schemas.microsoft.com/office/drawing/2014/main" id="{426E0E3C-380D-4F8B-86A2-679A073B7E21}"/>
+          <p:cNvPr id="12" name="Arrow: Right 11">
+            <a:extLst>
+              <a:ext uri="{FF2B5EF4-FFF2-40B4-BE49-F238E27FC236}">
+                <a16:creationId xmlns:a16="http://schemas.microsoft.com/office/drawing/2014/main" id="{9AA2CCA4-1BD0-4F63-828D-D831CB525FCF}"/>
+              </a:ext>
+            </a:extLst>
+          </p:cNvPr>
+          <p:cNvSpPr/>
+          <p:nvPr/>
+        </p:nvSpPr>
+        <p:spPr>
+          <a:xfrm>
+            <a:off x="8094156" y="3552559"/>
+            <a:ext cx="983938" cy="230631"/>
+          </a:xfrm>
+          <a:prstGeom prst="rightArrow">
+            <a:avLst/>
+          </a:prstGeom>
+          <a:solidFill>
+            <a:srgbClr val="002060"/>
+          </a:solidFill>
+        </p:spPr>
+        <p:style>
+          <a:lnRef idx="2">
+            <a:schemeClr val="accent5">
+              <a:shade val="50000"/>
+            </a:schemeClr>
+          </a:lnRef>
+          <a:fillRef idx="1">
+            <a:schemeClr val="accent5"/>
+          </a:fillRef>
+          <a:effectRef idx="0">
+            <a:schemeClr val="accent5"/>
+          </a:effectRef>
+          <a:fontRef idx="minor">
+            <a:schemeClr val="lt1"/>
+          </a:fontRef>
+        </p:style>
+        <p:txBody>
+          <a:bodyPr rtlCol="0" anchor="ctr"/>
+          <a:lstStyle/>
+          <a:p>
+            <a:pPr algn="ctr"/>
+            <a:endParaRPr lang="en-US"/>
+          </a:p>
+        </p:txBody>
+      </p:sp>
+      <p:sp>
+        <p:nvSpPr>
+          <p:cNvPr id="13" name="Rectangle 12">
+            <a:extLst>
+              <a:ext uri="{FF2B5EF4-FFF2-40B4-BE49-F238E27FC236}">
+                <a16:creationId xmlns:a16="http://schemas.microsoft.com/office/drawing/2014/main" id="{1A101B0B-90DD-4F60-A4CE-F390853D2FDC}"/>
+              </a:ext>
+            </a:extLst>
+          </p:cNvPr>
+          <p:cNvSpPr/>
+          <p:nvPr/>
+        </p:nvSpPr>
+        <p:spPr>
+          <a:xfrm>
+            <a:off x="4524810" y="2209294"/>
+            <a:ext cx="6981390" cy="2825693"/>
+          </a:xfrm>
+          <a:prstGeom prst="rect">
+            <a:avLst/>
+          </a:prstGeom>
+          <a:noFill/>
+          <a:ln w="57150"/>
+        </p:spPr>
+        <p:style>
+          <a:lnRef idx="2">
+            <a:schemeClr val="accent1">
+              <a:shade val="50000"/>
+            </a:schemeClr>
+          </a:lnRef>
+          <a:fillRef idx="1">
+            <a:schemeClr val="accent1"/>
+          </a:fillRef>
+          <a:effectRef idx="0">
+            <a:schemeClr val="accent1"/>
+          </a:effectRef>
+          <a:fontRef idx="minor">
+            <a:schemeClr val="lt1"/>
+          </a:fontRef>
+        </p:style>
+        <p:txBody>
+          <a:bodyPr rtlCol="0" anchor="ctr"/>
+          <a:lstStyle/>
+          <a:p>
+            <a:pPr algn="ctr"/>
+            <a:endParaRPr lang="en-US"/>
+          </a:p>
+        </p:txBody>
+      </p:sp>
+      <p:sp>
+        <p:nvSpPr>
+          <p:cNvPr id="14" name="TextBox 13">
+            <a:extLst>
+              <a:ext uri="{FF2B5EF4-FFF2-40B4-BE49-F238E27FC236}">
+                <a16:creationId xmlns:a16="http://schemas.microsoft.com/office/drawing/2014/main" id="{DECE16B2-605E-4596-85BD-0A8BC5F24273}"/>
               </a:ext>
             </a:extLst>
           </p:cNvPr>
@@ -3345,157 +7508,189 @@
         </p:nvSpPr>
         <p:spPr>
           <a:xfrm>
-            <a:off x="147484" y="6386052"/>
-            <a:ext cx="11631561" cy="369332"/>
+            <a:off x="6856725" y="2183342"/>
+            <a:ext cx="3015489" cy="523220"/>
           </a:xfrm>
           <a:prstGeom prst="rect">
             <a:avLst/>
           </a:prstGeom>
-        </p:spPr>
-        <p:style>
-          <a:lnRef idx="1">
-            <a:schemeClr val="dk1"/>
-          </a:lnRef>
-          <a:fillRef idx="2">
-            <a:schemeClr val="dk1"/>
-          </a:fillRef>
-          <a:effectRef idx="1">
-            <a:schemeClr val="dk1"/>
-          </a:effectRef>
-          <a:fontRef idx="minor">
-            <a:schemeClr val="dk1"/>
-          </a:fontRef>
-        </p:style>
+          <a:noFill/>
+        </p:spPr>
         <p:txBody>
           <a:bodyPr wrap="square" rtlCol="0">
             <a:spAutoFit/>
           </a:bodyPr>
           <a:lstStyle/>
           <a:p>
-            <a:r>
-              <a:rPr lang="en-US" b="1" dirty="0"/>
-              <a:t>Goal: Iterate through every User – Business pair, Get top N reviews, compare their avg rating to our user’s actual rating</a:t>
+            <a:pPr algn="ctr"/>
+            <a:r>
+              <a:rPr lang="en-US" sz="2800" b="1" dirty="0">
+                <a:solidFill>
+                  <a:schemeClr val="accent1"/>
+                </a:solidFill>
+              </a:rPr>
+              <a:t>Back End</a:t>
             </a:r>
           </a:p>
         </p:txBody>
       </p:sp>
       <p:sp>
         <p:nvSpPr>
-          <p:cNvPr id="37" name="TextBox 36">
-            <a:extLst>
-              <a:ext uri="{FF2B5EF4-FFF2-40B4-BE49-F238E27FC236}">
-                <a16:creationId xmlns:a16="http://schemas.microsoft.com/office/drawing/2014/main" id="{2DC47E49-69AD-4AE3-8AAA-97E899CBD058}"/>
-              </a:ext>
-            </a:extLst>
-          </p:cNvPr>
-          <p:cNvSpPr txBox="1"/>
+          <p:cNvPr id="15" name="Arrow: Right 14">
+            <a:extLst>
+              <a:ext uri="{FF2B5EF4-FFF2-40B4-BE49-F238E27FC236}">
+                <a16:creationId xmlns:a16="http://schemas.microsoft.com/office/drawing/2014/main" id="{500E6880-2FEA-46A7-B426-86E0EF42A38A}"/>
+              </a:ext>
+            </a:extLst>
+          </p:cNvPr>
+          <p:cNvSpPr/>
           <p:nvPr/>
         </p:nvSpPr>
         <p:spPr>
           <a:xfrm>
-            <a:off x="848032" y="427645"/>
-            <a:ext cx="2138516" cy="369332"/>
-          </a:xfrm>
-          <a:prstGeom prst="rect">
+            <a:off x="4226686" y="2838594"/>
+            <a:ext cx="811508" cy="229509"/>
+          </a:xfrm>
+          <a:prstGeom prst="rightArrow">
             <a:avLst/>
           </a:prstGeom>
-          <a:noFill/>
-        </p:spPr>
+          <a:solidFill>
+            <a:srgbClr val="002060"/>
+          </a:solidFill>
+        </p:spPr>
+        <p:style>
+          <a:lnRef idx="2">
+            <a:schemeClr val="accent1">
+              <a:shade val="50000"/>
+            </a:schemeClr>
+          </a:lnRef>
+          <a:fillRef idx="1">
+            <a:schemeClr val="accent1"/>
+          </a:fillRef>
+          <a:effectRef idx="0">
+            <a:schemeClr val="accent1"/>
+          </a:effectRef>
+          <a:fontRef idx="minor">
+            <a:schemeClr val="lt1"/>
+          </a:fontRef>
+        </p:style>
         <p:txBody>
-          <a:bodyPr wrap="square" rtlCol="0">
-            <a:spAutoFit/>
-          </a:bodyPr>
+          <a:bodyPr rtlCol="0" anchor="ctr"/>
           <a:lstStyle/>
           <a:p>
-            <a:r>
-              <a:rPr lang="en-US" dirty="0">
-                <a:solidFill>
-                  <a:srgbClr val="002060"/>
-                </a:solidFill>
-              </a:rPr>
-              <a:t>Problem Space:</a:t>
-            </a:r>
+            <a:pPr algn="ctr"/>
+            <a:endParaRPr lang="en-US"/>
           </a:p>
         </p:txBody>
       </p:sp>
       <p:sp>
         <p:nvSpPr>
-          <p:cNvPr id="38" name="TextBox 37">
-            <a:extLst>
-              <a:ext uri="{FF2B5EF4-FFF2-40B4-BE49-F238E27FC236}">
-                <a16:creationId xmlns:a16="http://schemas.microsoft.com/office/drawing/2014/main" id="{80096C79-A1DC-43BF-A4E2-A6FABA060653}"/>
-              </a:ext>
-            </a:extLst>
-          </p:cNvPr>
-          <p:cNvSpPr txBox="1"/>
+          <p:cNvPr id="16" name="Arrow: Right 15">
+            <a:extLst>
+              <a:ext uri="{FF2B5EF4-FFF2-40B4-BE49-F238E27FC236}">
+                <a16:creationId xmlns:a16="http://schemas.microsoft.com/office/drawing/2014/main" id="{9A0D02B6-0787-401C-BDBD-AA83F361EF8E}"/>
+              </a:ext>
+            </a:extLst>
+          </p:cNvPr>
+          <p:cNvSpPr/>
           <p:nvPr/>
         </p:nvSpPr>
         <p:spPr>
           <a:xfrm>
-            <a:off x="869091" y="2152104"/>
-            <a:ext cx="1001849" cy="523220"/>
-          </a:xfrm>
-          <a:prstGeom prst="rect">
+            <a:off x="4226686" y="4317303"/>
+            <a:ext cx="811508" cy="229509"/>
+          </a:xfrm>
+          <a:prstGeom prst="rightArrow">
             <a:avLst/>
           </a:prstGeom>
-          <a:noFill/>
-        </p:spPr>
+          <a:solidFill>
+            <a:srgbClr val="002060"/>
+          </a:solidFill>
+        </p:spPr>
+        <p:style>
+          <a:lnRef idx="2">
+            <a:schemeClr val="accent1">
+              <a:shade val="50000"/>
+            </a:schemeClr>
+          </a:lnRef>
+          <a:fillRef idx="1">
+            <a:schemeClr val="accent1"/>
+          </a:fillRef>
+          <a:effectRef idx="0">
+            <a:schemeClr val="accent1"/>
+          </a:effectRef>
+          <a:fontRef idx="minor">
+            <a:schemeClr val="lt1"/>
+          </a:fontRef>
+        </p:style>
         <p:txBody>
-          <a:bodyPr wrap="square" rtlCol="0">
-            <a:spAutoFit/>
-          </a:bodyPr>
+          <a:bodyPr rtlCol="0" anchor="ctr"/>
           <a:lstStyle/>
           <a:p>
-            <a:r>
-              <a:rPr lang="en-US" sz="2800" b="1" dirty="0"/>
-              <a:t>Visits</a:t>
-            </a:r>
+            <a:pPr algn="ctr"/>
+            <a:endParaRPr lang="en-US"/>
           </a:p>
         </p:txBody>
       </p:sp>
       <p:sp>
         <p:nvSpPr>
-          <p:cNvPr id="39" name="TextBox 38">
-            <a:extLst>
-              <a:ext uri="{FF2B5EF4-FFF2-40B4-BE49-F238E27FC236}">
-                <a16:creationId xmlns:a16="http://schemas.microsoft.com/office/drawing/2014/main" id="{343D5F76-B2F4-4BF4-B829-4004BCAD33C9}"/>
-              </a:ext>
-            </a:extLst>
-          </p:cNvPr>
-          <p:cNvSpPr txBox="1"/>
+          <p:cNvPr id="17" name="Title 1">
+            <a:extLst>
+              <a:ext uri="{FF2B5EF4-FFF2-40B4-BE49-F238E27FC236}">
+                <a16:creationId xmlns:a16="http://schemas.microsoft.com/office/drawing/2014/main" id="{D4ADC038-7609-452F-BD45-6894AF068B86}"/>
+              </a:ext>
+            </a:extLst>
+          </p:cNvPr>
+          <p:cNvSpPr txBox="1">
+            <a:spLocks/>
+          </p:cNvSpPr>
           <p:nvPr/>
         </p:nvSpPr>
         <p:spPr>
           <a:xfrm>
-            <a:off x="5465905" y="1868992"/>
-            <a:ext cx="2898059" cy="954107"/>
+            <a:off x="990600" y="517525"/>
+            <a:ext cx="10515600" cy="1325563"/>
           </a:xfrm>
           <a:prstGeom prst="rect">
             <a:avLst/>
           </a:prstGeom>
-          <a:noFill/>
         </p:spPr>
         <p:txBody>
-          <a:bodyPr wrap="square" rtlCol="0">
-            <a:spAutoFit/>
+          <a:bodyPr vert="horz" lIns="91440" tIns="45720" rIns="91440" bIns="45720" rtlCol="0" anchor="ctr">
+            <a:normAutofit/>
           </a:bodyPr>
-          <a:lstStyle/>
-          <a:p>
-            <a:r>
-              <a:rPr lang="en-US" sz="2800" b="1" dirty="0">
+          <a:lstStyle>
+            <a:lvl1pPr algn="l" defTabSz="914400" rtl="0" eaLnBrk="1" latinLnBrk="0" hangingPunct="1">
+              <a:lnSpc>
+                <a:spcPct val="90000"/>
+              </a:lnSpc>
+              <a:spcBef>
+                <a:spcPct val="0"/>
+              </a:spcBef>
+              <a:buNone/>
+              <a:defRPr sz="4400" kern="1200">
                 <a:solidFill>
-                  <a:srgbClr val="FF0000"/>
+                  <a:schemeClr val="tx1"/>
                 </a:solidFill>
-              </a:rPr>
-              <a:t>Which reviews should user see?</a:t>
-            </a:r>
+                <a:latin typeface="Arial" panose="020B0604020202020204" pitchFamily="34" charset="0"/>
+                <a:ea typeface="+mj-ea"/>
+                <a:cs typeface="Arial" panose="020B0604020202020204" pitchFamily="34" charset="0"/>
+              </a:defRPr>
+            </a:lvl1pPr>
+          </a:lstStyle>
+          <a:p>
+            <a:r>
+              <a:rPr lang="en-US" b="1" dirty="0"/>
+              <a:t>Reviewly Architecture</a:t>
+            </a:r>
+            <a:endParaRPr lang="en-US" dirty="0"/>
           </a:p>
         </p:txBody>
       </p:sp>
     </p:spTree>
     <p:extLst>
       <p:ext uri="{BB962C8B-B14F-4D97-AF65-F5344CB8AC3E}">
-        <p14:creationId xmlns:p14="http://schemas.microsoft.com/office/powerpoint/2010/main" val="2400858387"/>
+        <p14:creationId xmlns:p14="http://schemas.microsoft.com/office/powerpoint/2010/main" val="660530023"/>
       </p:ext>
     </p:extLst>
   </p:cSld>
@@ -3527,7 +7722,7 @@
           <p:cNvPr id="2" name="Title 1">
             <a:extLst>
               <a:ext uri="{FF2B5EF4-FFF2-40B4-BE49-F238E27FC236}">
-                <a16:creationId xmlns:a16="http://schemas.microsoft.com/office/drawing/2014/main" id="{EFC8078D-6A60-4006-BB59-E4F92E86A152}"/>
+                <a16:creationId xmlns:a16="http://schemas.microsoft.com/office/drawing/2014/main" id="{7FA34B0B-6082-4220-A973-5584616D98C3}"/>
               </a:ext>
             </a:extLst>
           </p:cNvPr>
@@ -3543,18 +7738,9 @@
           <a:bodyPr/>
           <a:lstStyle/>
           <a:p>
-            <a:pPr algn="ctr"/>
-            <a:r>
-              <a:rPr lang="en-US" dirty="0">
-                <a:solidFill>
-                  <a:srgbClr val="FF0000"/>
-                </a:solidFill>
-              </a:rPr>
-              <a:t>Findings and Improvements</a:t>
-            </a:r>
             <a:r>
               <a:rPr lang="en-US" dirty="0"/>
-              <a:t>	</a:t>
+              <a:t>Dataset</a:t>
             </a:r>
           </a:p>
         </p:txBody>
@@ -3564,7 +7750,7 @@
           <p:cNvPr id="3" name="Content Placeholder 2">
             <a:extLst>
               <a:ext uri="{FF2B5EF4-FFF2-40B4-BE49-F238E27FC236}">
-                <a16:creationId xmlns:a16="http://schemas.microsoft.com/office/drawing/2014/main" id="{EED89EDC-AEB3-478D-B83E-EA55F90B58D5}"/>
+                <a16:creationId xmlns:a16="http://schemas.microsoft.com/office/drawing/2014/main" id="{932C9521-8713-4C30-A52D-C0381B6DDFFA}"/>
               </a:ext>
             </a:extLst>
           </p:cNvPr>
@@ -3577,146 +7763,68 @@
         </p:nvSpPr>
         <p:spPr/>
         <p:txBody>
-          <a:bodyPr>
-            <a:normAutofit/>
-          </a:bodyPr>
+          <a:bodyPr/>
           <a:lstStyle/>
           <a:p>
             <a:r>
-              <a:rPr lang="en-US" sz="2000" dirty="0">
+              <a:rPr lang="en-US" dirty="0"/>
+              <a:t>We used the Yelp dataset, publicly available as part of the Yelp Data Challenge (</a:t>
+            </a:r>
+            <a:r>
+              <a:rPr lang="en-US" dirty="0">
+                <a:hlinkClick r:id="rId2"/>
+              </a:rPr>
+              <a:t>https://www.yelp.com/dataset/</a:t>
+            </a:r>
+            <a:r>
+              <a:rPr lang="en-US" dirty="0"/>
+              <a:t>)</a:t>
+            </a:r>
+          </a:p>
+          <a:p>
+            <a:r>
+              <a:rPr lang="en-US" dirty="0"/>
+              <a:t>Free-form text data of user reviews provides potential for more nuanced similarities and preferences</a:t>
+            </a:r>
+          </a:p>
+          <a:p>
+            <a:r>
+              <a:rPr lang="en-US" dirty="0"/>
+              <a:t>We filtered the data down to </a:t>
+            </a:r>
+            <a:r>
+              <a:rPr lang="en-US" dirty="0">
                 <a:solidFill>
-                  <a:srgbClr val="002060"/>
+                  <a:schemeClr val="accent2">
+                    <a:lumMod val="75000"/>
+                  </a:schemeClr>
                 </a:solidFill>
               </a:rPr>
-              <a:t>Findings:</a:t>
-            </a:r>
-          </a:p>
-          <a:p>
-            <a:pPr lvl="1"/>
-            <a:r>
-              <a:rPr lang="en-US" sz="1800" dirty="0">
+              <a:t>Restaurants</a:t>
+            </a:r>
+            <a:r>
+              <a:rPr lang="en-US" dirty="0"/>
+              <a:t> and filtered the data to the city of </a:t>
+            </a:r>
+            <a:r>
+              <a:rPr lang="en-US" dirty="0">
                 <a:solidFill>
-                  <a:srgbClr val="002060"/>
+                  <a:schemeClr val="accent2">
+                    <a:lumMod val="75000"/>
+                  </a:schemeClr>
                 </a:solidFill>
               </a:rPr>
-              <a:t>RMSE = .83; Error of prediction within 1 star rating of user rating</a:t>
-            </a:r>
-          </a:p>
-          <a:p>
-            <a:pPr lvl="1"/>
-            <a:r>
-              <a:rPr lang="en-US" sz="1800" dirty="0">
-                <a:solidFill>
-                  <a:srgbClr val="002060"/>
-                </a:solidFill>
-              </a:rPr>
-              <a:t>Current model tends to be slow in computing similarities</a:t>
-            </a:r>
-          </a:p>
-          <a:p>
-            <a:r>
-              <a:rPr lang="en-US" sz="2000" dirty="0">
-                <a:solidFill>
-                  <a:srgbClr val="002060"/>
-                </a:solidFill>
-              </a:rPr>
-              <a:t>Improvements:</a:t>
-            </a:r>
-          </a:p>
-          <a:p>
-            <a:pPr lvl="1"/>
-            <a:r>
-              <a:rPr lang="en-US" sz="1800" dirty="0">
-                <a:solidFill>
-                  <a:srgbClr val="002060"/>
-                </a:solidFill>
-              </a:rPr>
-              <a:t>Matrix Factorization</a:t>
-            </a:r>
-          </a:p>
-          <a:p>
-            <a:pPr lvl="1"/>
-            <a:r>
-              <a:rPr lang="en-US" sz="1800" dirty="0">
-                <a:solidFill>
-                  <a:srgbClr val="002060"/>
-                </a:solidFill>
-              </a:rPr>
-              <a:t>Hyperparameter tuning</a:t>
-            </a:r>
-          </a:p>
-          <a:p>
-            <a:pPr lvl="2"/>
-            <a:r>
-              <a:rPr lang="en-US" sz="1600" dirty="0">
-                <a:solidFill>
-                  <a:srgbClr val="002060"/>
-                </a:solidFill>
-              </a:rPr>
-              <a:t>Number of users to return (Default: 5)</a:t>
-            </a:r>
-          </a:p>
-          <a:p>
-            <a:pPr lvl="3"/>
-            <a:r>
-              <a:rPr lang="en-US" sz="1400" dirty="0" err="1">
-                <a:solidFill>
-                  <a:srgbClr val="002060"/>
-                </a:solidFill>
-              </a:rPr>
-              <a:t>GridSearch</a:t>
-            </a:r>
-            <a:r>
-              <a:rPr lang="en-US" sz="1400" dirty="0">
-                <a:solidFill>
-                  <a:srgbClr val="002060"/>
-                </a:solidFill>
-              </a:rPr>
-              <a:t>: [1, 3, 5, 7, 9….]</a:t>
-            </a:r>
-          </a:p>
-          <a:p>
-            <a:pPr lvl="3"/>
-            <a:r>
-              <a:rPr lang="en-US" sz="1400" dirty="0">
-                <a:solidFill>
-                  <a:srgbClr val="002060"/>
-                </a:solidFill>
-              </a:rPr>
-              <a:t>Percentage of total number of reviews on business</a:t>
-            </a:r>
-          </a:p>
-          <a:p>
-            <a:pPr lvl="3"/>
-            <a:r>
-              <a:rPr lang="en-US" sz="1400" dirty="0">
-                <a:solidFill>
-                  <a:srgbClr val="002060"/>
-                </a:solidFill>
-              </a:rPr>
-              <a:t>Threshold Based on Similarity</a:t>
-            </a:r>
-          </a:p>
-          <a:p>
-            <a:pPr lvl="1"/>
-            <a:r>
-              <a:rPr lang="en-US" sz="1800" dirty="0">
-                <a:solidFill>
-                  <a:srgbClr val="002060"/>
-                </a:solidFill>
-              </a:rPr>
-              <a:t>Cloud Computing</a:t>
-            </a:r>
-          </a:p>
-          <a:p>
-            <a:pPr lvl="2"/>
-            <a:r>
-              <a:rPr lang="en-US" sz="1600" dirty="0">
-                <a:solidFill>
-                  <a:srgbClr val="002060"/>
-                </a:solidFill>
-              </a:rPr>
-              <a:t>AWS (EC2/RDS/S3) Instance</a:t>
+              <a:t>Toronto</a:t>
+            </a:r>
+            <a:r>
+              <a:rPr lang="en-US" dirty="0"/>
+              <a:t>, which had the most restaurant reviews</a:t>
+            </a:r>
+          </a:p>
+          <a:p>
+            <a:r>
+              <a:rPr lang="en-US" dirty="0"/>
+              <a:t>This gave us 73,045 users reviewing 7,149 restaurants</a:t>
             </a:r>
           </a:p>
         </p:txBody>
@@ -3724,7 +7832,7 @@
     </p:spTree>
     <p:extLst>
       <p:ext uri="{BB962C8B-B14F-4D97-AF65-F5344CB8AC3E}">
-        <p14:creationId xmlns:p14="http://schemas.microsoft.com/office/powerpoint/2010/main" val="1364652139"/>
+        <p14:creationId xmlns:p14="http://schemas.microsoft.com/office/powerpoint/2010/main" val="2700545422"/>
       </p:ext>
     </p:extLst>
   </p:cSld>
@@ -3756,7 +7864,7 @@
           <p:cNvPr id="2" name="Title 1">
             <a:extLst>
               <a:ext uri="{FF2B5EF4-FFF2-40B4-BE49-F238E27FC236}">
-                <a16:creationId xmlns:a16="http://schemas.microsoft.com/office/drawing/2014/main" id="{A4F5DFD0-6313-441D-A791-AA851F87C8A9}"/>
+                <a16:creationId xmlns:a16="http://schemas.microsoft.com/office/drawing/2014/main" id="{71130B02-7B8D-44E4-A13B-69E71F9676D3}"/>
               </a:ext>
             </a:extLst>
           </p:cNvPr>
@@ -3772,18 +7880,9 @@
           <a:bodyPr/>
           <a:lstStyle/>
           <a:p>
-            <a:pPr algn="ctr"/>
-            <a:r>
-              <a:rPr lang="en-US" dirty="0">
-                <a:solidFill>
-                  <a:srgbClr val="FF0000"/>
-                </a:solidFill>
-              </a:rPr>
-              <a:t>Findings and Improvements</a:t>
-            </a:r>
             <a:r>
               <a:rPr lang="en-US" dirty="0"/>
-              <a:t>	</a:t>
+              <a:t>Data Science Question and Plan</a:t>
             </a:r>
           </a:p>
         </p:txBody>
@@ -3793,7 +7892,7 @@
           <p:cNvPr id="3" name="Content Placeholder 2">
             <a:extLst>
               <a:ext uri="{FF2B5EF4-FFF2-40B4-BE49-F238E27FC236}">
-                <a16:creationId xmlns:a16="http://schemas.microsoft.com/office/drawing/2014/main" id="{C176A08F-99AA-4BBD-B7E0-2A2A043BA4AA}"/>
+                <a16:creationId xmlns:a16="http://schemas.microsoft.com/office/drawing/2014/main" id="{6DE31D3A-AC3F-4F19-9AB8-900DA1CD1EEE}"/>
               </a:ext>
             </a:extLst>
           </p:cNvPr>
@@ -3806,128 +7905,32 @@
         </p:nvSpPr>
         <p:spPr/>
         <p:txBody>
-          <a:bodyPr>
-            <a:normAutofit/>
-          </a:bodyPr>
+          <a:bodyPr/>
           <a:lstStyle/>
           <a:p>
             <a:r>
-              <a:rPr lang="en-US" sz="2000" dirty="0">
-                <a:solidFill>
-                  <a:srgbClr val="002060"/>
-                </a:solidFill>
-              </a:rPr>
-              <a:t>Improvements:</a:t>
-            </a:r>
-          </a:p>
-          <a:p>
-            <a:pPr lvl="1"/>
-            <a:r>
-              <a:rPr lang="en-US" sz="1800" dirty="0">
-                <a:solidFill>
-                  <a:srgbClr val="002060"/>
-                </a:solidFill>
-              </a:rPr>
-              <a:t>Adding features</a:t>
-            </a:r>
-          </a:p>
-          <a:p>
-            <a:pPr lvl="2"/>
-            <a:r>
-              <a:rPr lang="en-US" sz="1600" dirty="0">
-                <a:solidFill>
-                  <a:srgbClr val="002060"/>
-                </a:solidFill>
-              </a:rPr>
-              <a:t>Sentiment analysis </a:t>
-            </a:r>
-          </a:p>
-          <a:p>
-            <a:pPr lvl="2"/>
-            <a:r>
-              <a:rPr lang="en-US" sz="1600" dirty="0">
-                <a:solidFill>
-                  <a:srgbClr val="002060"/>
-                </a:solidFill>
-              </a:rPr>
-              <a:t>Topic modeling </a:t>
-            </a:r>
-          </a:p>
-          <a:p>
-            <a:pPr lvl="2"/>
-            <a:r>
-              <a:rPr lang="en-US" sz="1600" dirty="0">
-                <a:solidFill>
-                  <a:srgbClr val="002060"/>
-                </a:solidFill>
-              </a:rPr>
-              <a:t>Metadata from restaurants </a:t>
-            </a:r>
-          </a:p>
-          <a:p>
-            <a:pPr lvl="1"/>
-            <a:r>
-              <a:rPr lang="en-US" sz="1800" dirty="0">
-                <a:solidFill>
-                  <a:srgbClr val="002060"/>
-                </a:solidFill>
-              </a:rPr>
-              <a:t>Different Similarity Calculations</a:t>
-            </a:r>
-          </a:p>
-          <a:p>
-            <a:pPr lvl="2"/>
-            <a:r>
-              <a:rPr lang="en-US" sz="1600" dirty="0" err="1">
-                <a:solidFill>
-                  <a:srgbClr val="002060"/>
-                </a:solidFill>
-              </a:rPr>
-              <a:t>Minhashing</a:t>
-            </a:r>
-            <a:endParaRPr lang="en-US" sz="1600" dirty="0">
-              <a:solidFill>
-                <a:srgbClr val="002060"/>
-              </a:solidFill>
-            </a:endParaRPr>
-          </a:p>
-          <a:p>
-            <a:pPr lvl="2"/>
-            <a:r>
-              <a:rPr lang="en-US" sz="1600" dirty="0">
-                <a:solidFill>
-                  <a:srgbClr val="002060"/>
-                </a:solidFill>
-              </a:rPr>
-              <a:t>Jaccard </a:t>
-            </a:r>
-          </a:p>
-          <a:p>
-            <a:pPr lvl="2"/>
-            <a:r>
-              <a:rPr lang="en-US" sz="1600" dirty="0" err="1">
-                <a:solidFill>
-                  <a:srgbClr val="002060"/>
-                </a:solidFill>
-              </a:rPr>
-              <a:t>Levenshtein</a:t>
-            </a:r>
-            <a:endParaRPr lang="en-US" sz="1600" dirty="0">
-              <a:solidFill>
-                <a:srgbClr val="002060"/>
-              </a:solidFill>
-            </a:endParaRPr>
-          </a:p>
-          <a:p>
-            <a:pPr lvl="2"/>
-            <a:endParaRPr lang="en-US" sz="1600" dirty="0"/>
+              <a:rPr lang="en-US" dirty="0"/>
+              <a:t>If users express preferences, tastes, and behaviors in their review, comparing those keywords to other users’ can illustrate how similar two users are</a:t>
+            </a:r>
+          </a:p>
+          <a:p>
+            <a:r>
+              <a:rPr lang="en-US" dirty="0"/>
+              <a:t>We would want to compare users reviews of the same business, since each business might elicit different responses </a:t>
+            </a:r>
+          </a:p>
+          <a:p>
+            <a:r>
+              <a:rPr lang="en-US" dirty="0"/>
+              <a:t>But we also want to gauge the overall similarity between all of the users’ reviews</a:t>
+            </a:r>
           </a:p>
         </p:txBody>
       </p:sp>
     </p:spTree>
     <p:extLst>
       <p:ext uri="{BB962C8B-B14F-4D97-AF65-F5344CB8AC3E}">
-        <p14:creationId xmlns:p14="http://schemas.microsoft.com/office/powerpoint/2010/main" val="592597968"/>
+        <p14:creationId xmlns:p14="http://schemas.microsoft.com/office/powerpoint/2010/main" val="289267503"/>
       </p:ext>
     </p:extLst>
   </p:cSld>
@@ -3956,10 +7959,10 @@
       </p:grpSpPr>
       <p:sp>
         <p:nvSpPr>
-          <p:cNvPr id="6" name="Title 1">
-            <a:extLst>
-              <a:ext uri="{FF2B5EF4-FFF2-40B4-BE49-F238E27FC236}">
-                <a16:creationId xmlns:a16="http://schemas.microsoft.com/office/drawing/2014/main" id="{6B590506-C5DC-44DD-B881-A7AB15ECE82D}"/>
+          <p:cNvPr id="2" name="Title 1">
+            <a:extLst>
+              <a:ext uri="{FF2B5EF4-FFF2-40B4-BE49-F238E27FC236}">
+                <a16:creationId xmlns:a16="http://schemas.microsoft.com/office/drawing/2014/main" id="{B5485706-E86F-4B04-8BF2-B274CCE05536}"/>
               </a:ext>
             </a:extLst>
           </p:cNvPr>
@@ -3970,34 +7973,24 @@
             <p:ph type="title"/>
           </p:nvPr>
         </p:nvSpPr>
-        <p:spPr>
-          <a:xfrm>
-            <a:off x="838200" y="365125"/>
-            <a:ext cx="10515600" cy="1325563"/>
-          </a:xfrm>
-        </p:spPr>
+        <p:spPr/>
         <p:txBody>
           <a:bodyPr/>
           <a:lstStyle/>
           <a:p>
-            <a:pPr algn="ctr"/>
-            <a:r>
-              <a:rPr lang="en-US" dirty="0">
-                <a:solidFill>
-                  <a:srgbClr val="FF0000"/>
-                </a:solidFill>
-              </a:rPr>
-              <a:t>Potential Direction</a:t>
+            <a:r>
+              <a:rPr lang="en-US" dirty="0"/>
+              <a:t>Data Science Question and Plan</a:t>
             </a:r>
           </a:p>
         </p:txBody>
       </p:sp>
       <p:sp>
         <p:nvSpPr>
-          <p:cNvPr id="7" name="Content Placeholder 2">
-            <a:extLst>
-              <a:ext uri="{FF2B5EF4-FFF2-40B4-BE49-F238E27FC236}">
-                <a16:creationId xmlns:a16="http://schemas.microsoft.com/office/drawing/2014/main" id="{8A962831-7347-454C-A442-D4D013E9B225}"/>
+          <p:cNvPr id="3" name="Content Placeholder 2">
+            <a:extLst>
+              <a:ext uri="{FF2B5EF4-FFF2-40B4-BE49-F238E27FC236}">
+                <a16:creationId xmlns:a16="http://schemas.microsoft.com/office/drawing/2014/main" id="{0D1D1803-91D6-464C-B8FA-145A51F58C47}"/>
               </a:ext>
             </a:extLst>
           </p:cNvPr>
@@ -4008,68 +8001,38 @@
             <p:ph idx="1"/>
           </p:nvPr>
         </p:nvSpPr>
-        <p:spPr>
-          <a:xfrm>
-            <a:off x="838200" y="1825625"/>
-            <a:ext cx="10515600" cy="4351338"/>
-          </a:xfrm>
-        </p:spPr>
+        <p:spPr/>
         <p:txBody>
-          <a:bodyPr>
-            <a:normAutofit/>
-          </a:bodyPr>
+          <a:bodyPr/>
           <a:lstStyle/>
           <a:p>
             <a:r>
-              <a:rPr lang="en-US" sz="2000" dirty="0">
-                <a:solidFill>
-                  <a:srgbClr val="002060"/>
-                </a:solidFill>
-              </a:rPr>
-              <a:t>We have done data exploration and established a baseline model for our recommendation engine.</a:t>
-            </a:r>
-          </a:p>
-          <a:p>
-            <a:r>
-              <a:rPr lang="en-US" sz="2000" dirty="0">
-                <a:solidFill>
-                  <a:srgbClr val="002060"/>
-                </a:solidFill>
-              </a:rPr>
-              <a:t>We would like take our project further with these steps:</a:t>
-            </a:r>
-          </a:p>
-          <a:p>
-            <a:pPr lvl="1"/>
-            <a:r>
-              <a:rPr lang="en-US" sz="1800" dirty="0">
-                <a:solidFill>
-                  <a:srgbClr val="002060"/>
-                </a:solidFill>
-              </a:rPr>
-              <a:t>Setup database and integrate with cloud technologies</a:t>
-            </a:r>
-          </a:p>
-          <a:p>
-            <a:pPr lvl="1"/>
-            <a:r>
-              <a:rPr lang="en-US" sz="1800" dirty="0">
-                <a:solidFill>
-                  <a:srgbClr val="002060"/>
-                </a:solidFill>
-              </a:rPr>
-              <a:t>Develop different models for our recommendation engine that would outperform our current model</a:t>
-            </a:r>
-          </a:p>
-          <a:p>
-            <a:pPr lvl="1"/>
-            <a:r>
-              <a:rPr lang="en-US" sz="1800" dirty="0">
-                <a:solidFill>
-                  <a:srgbClr val="002060"/>
-                </a:solidFill>
-              </a:rPr>
-              <a:t>Focus on making the model more robust and scalable.</a:t>
+              <a:rPr lang="en-US" dirty="0"/>
+              <a:t>Collaborative Filtering recommends new items based off of what similar users like</a:t>
+            </a:r>
+          </a:p>
+          <a:p>
+            <a:r>
+              <a:rPr lang="en-US" dirty="0"/>
+              <a:t>We can employ the same technique, but we would only need to find the similar users</a:t>
+            </a:r>
+          </a:p>
+          <a:p>
+            <a:r>
+              <a:rPr lang="en-US" dirty="0"/>
+              <a:t>Once we calculate the similar users, we would test our accuracy by averaging their ratings and comparing it to the visitor’s rating</a:t>
+            </a:r>
+          </a:p>
+          <a:p>
+            <a:r>
+              <a:rPr lang="en-US" dirty="0"/>
+              <a:t>We used Cosine Similarity over Jaccard to calculate distance since it accounts for word duplication</a:t>
+            </a:r>
+          </a:p>
+          <a:p>
+            <a:r>
+              <a:rPr lang="en-US" dirty="0"/>
+              <a:t>We used TF-IDF to calculate term importance</a:t>
             </a:r>
           </a:p>
         </p:txBody>
@@ -4077,7 +8040,7 @@
     </p:spTree>
     <p:extLst>
       <p:ext uri="{BB962C8B-B14F-4D97-AF65-F5344CB8AC3E}">
-        <p14:creationId xmlns:p14="http://schemas.microsoft.com/office/powerpoint/2010/main" val="3443744189"/>
+        <p14:creationId xmlns:p14="http://schemas.microsoft.com/office/powerpoint/2010/main" val="2558503215"/>
       </p:ext>
     </p:extLst>
   </p:cSld>
@@ -4106,40 +8069,211 @@
       </p:grpSpPr>
       <p:sp>
         <p:nvSpPr>
-          <p:cNvPr id="4" name="TextBox 3">
-            <a:extLst>
-              <a:ext uri="{FF2B5EF4-FFF2-40B4-BE49-F238E27FC236}">
-                <a16:creationId xmlns:a16="http://schemas.microsoft.com/office/drawing/2014/main" id="{0075E40A-FFBF-4583-A13A-586727CAFCA5}"/>
-              </a:ext>
-            </a:extLst>
-          </p:cNvPr>
-          <p:cNvSpPr txBox="1"/>
-          <p:nvPr/>
+          <p:cNvPr id="2" name="Title 1">
+            <a:extLst>
+              <a:ext uri="{FF2B5EF4-FFF2-40B4-BE49-F238E27FC236}">
+                <a16:creationId xmlns:a16="http://schemas.microsoft.com/office/drawing/2014/main" id="{557F9988-894C-46DA-9706-EA724CA6DDEE}"/>
+              </a:ext>
+            </a:extLst>
+          </p:cNvPr>
+          <p:cNvSpPr>
+            <a:spLocks noGrp="1"/>
+          </p:cNvSpPr>
+          <p:nvPr>
+            <p:ph type="title"/>
+          </p:nvPr>
         </p:nvSpPr>
-        <p:spPr>
-          <a:xfrm>
-            <a:off x="2847242" y="2690446"/>
-            <a:ext cx="6497516" cy="1200329"/>
-          </a:xfrm>
-          <a:prstGeom prst="rect">
-            <a:avLst/>
-          </a:prstGeom>
-          <a:noFill/>
-        </p:spPr>
+        <p:spPr/>
         <p:txBody>
-          <a:bodyPr wrap="square" rtlCol="0">
-            <a:spAutoFit/>
+          <a:bodyPr/>
+          <a:lstStyle/>
+          <a:p>
+            <a:r>
+              <a:rPr lang="en-US" dirty="0"/>
+              <a:t>Preprocessing and Analysis</a:t>
+            </a:r>
+          </a:p>
+        </p:txBody>
+      </p:sp>
+      <p:sp>
+        <p:nvSpPr>
+          <p:cNvPr id="3" name="Content Placeholder 2">
+            <a:extLst>
+              <a:ext uri="{FF2B5EF4-FFF2-40B4-BE49-F238E27FC236}">
+                <a16:creationId xmlns:a16="http://schemas.microsoft.com/office/drawing/2014/main" id="{F9D9AB7A-1F8B-47B3-B169-B7BC7255A585}"/>
+              </a:ext>
+            </a:extLst>
+          </p:cNvPr>
+          <p:cNvSpPr>
+            <a:spLocks noGrp="1"/>
+          </p:cNvSpPr>
+          <p:nvPr>
+            <p:ph idx="1"/>
+          </p:nvPr>
+        </p:nvSpPr>
+        <p:spPr/>
+        <p:txBody>
+          <a:bodyPr>
+            <a:normAutofit fontScale="77500" lnSpcReduction="20000"/>
           </a:bodyPr>
           <a:lstStyle/>
           <a:p>
-            <a:pPr algn="ctr"/>
-            <a:r>
-              <a:rPr lang="en-US" sz="7200" dirty="0">
-                <a:solidFill>
-                  <a:srgbClr val="FF0000"/>
-                </a:solidFill>
-              </a:rPr>
-              <a:t>Thank You</a:t>
+            <a:pPr marL="0" indent="0">
+              <a:buNone/>
+            </a:pPr>
+            <a:r>
+              <a:rPr lang="en-US" sz="2400" dirty="0"/>
+              <a:t>Our model followed the following workflow:</a:t>
+            </a:r>
+          </a:p>
+          <a:p>
+            <a:pPr marL="0" indent="0">
+              <a:buNone/>
+            </a:pPr>
+            <a:endParaRPr lang="en-US" sz="2400" dirty="0"/>
+          </a:p>
+          <a:p>
+            <a:pPr marL="0" indent="0">
+              <a:buNone/>
+            </a:pPr>
+            <a:r>
+              <a:rPr lang="en-US" sz="2400" dirty="0"/>
+              <a:t>User U visits Business B</a:t>
+            </a:r>
+          </a:p>
+          <a:p>
+            <a:r>
+              <a:rPr lang="en-US" sz="2400" dirty="0"/>
+              <a:t>Build Dataset:</a:t>
+            </a:r>
+          </a:p>
+          <a:p>
+            <a:pPr marL="914400" lvl="1" indent="-457200">
+              <a:buFont typeface="+mj-lt"/>
+              <a:buAutoNum type="alphaLcParenR"/>
+            </a:pPr>
+            <a:r>
+              <a:rPr lang="en-US" sz="2000" dirty="0"/>
+              <a:t>Filter rows by users that review B</a:t>
+            </a:r>
+          </a:p>
+          <a:p>
+            <a:pPr marL="914400" lvl="1" indent="-457200">
+              <a:buFont typeface="+mj-lt"/>
+              <a:buAutoNum type="alphaLcParenR"/>
+            </a:pPr>
+            <a:r>
+              <a:rPr lang="en-US" sz="2000" dirty="0"/>
+              <a:t>Filter columns by places that U reviewed.</a:t>
+            </a:r>
+          </a:p>
+          <a:p>
+            <a:r>
+              <a:rPr lang="en-US" sz="2400" dirty="0"/>
+              <a:t>Calculate cosine similarities:</a:t>
+            </a:r>
+          </a:p>
+          <a:p>
+            <a:pPr marL="914400" lvl="1" indent="-457200">
+              <a:buFont typeface="+mj-lt"/>
+              <a:buAutoNum type="alphaLcParenR" startAt="3"/>
+            </a:pPr>
+            <a:r>
+              <a:rPr lang="en-US" sz="2000" dirty="0"/>
+              <a:t>Compute similarities by column to yield similarity score for each business.</a:t>
+            </a:r>
+          </a:p>
+          <a:p>
+            <a:pPr marL="914400" lvl="1" indent="-457200">
+              <a:buFont typeface="+mj-lt"/>
+              <a:buAutoNum type="alphaLcParenR" startAt="4"/>
+            </a:pPr>
+            <a:r>
+              <a:rPr lang="en-US" sz="2000" dirty="0"/>
+              <a:t>Compute similarities by row to yield final similarities between users.</a:t>
+            </a:r>
+          </a:p>
+          <a:p>
+            <a:r>
+              <a:rPr lang="en-US" sz="2400" dirty="0"/>
+              <a:t>Accuracy:</a:t>
+            </a:r>
+          </a:p>
+          <a:p>
+            <a:pPr marL="914400" lvl="1" indent="-457200">
+              <a:buFont typeface="+mj-lt"/>
+              <a:buAutoNum type="alphaLcParenR" startAt="5"/>
+            </a:pPr>
+            <a:r>
+              <a:rPr lang="en-US" sz="2000" dirty="0"/>
+              <a:t>Return top 5 users similar to user U.</a:t>
+            </a:r>
+          </a:p>
+          <a:p>
+            <a:pPr marL="914400" lvl="1" indent="-457200">
+              <a:buFont typeface="+mj-lt"/>
+              <a:buAutoNum type="alphaLcParenR" startAt="5"/>
+            </a:pPr>
+            <a:r>
+              <a:rPr lang="en-US" sz="2000" dirty="0"/>
+              <a:t>Aggregate their average rating </a:t>
+            </a:r>
+            <a:r>
+              <a:rPr lang="en-US" sz="2000" dirty="0" err="1"/>
+              <a:t>R</a:t>
+            </a:r>
+            <a:r>
+              <a:rPr lang="en-US" sz="2000" baseline="-25000" dirty="0" err="1"/>
+              <a:t>p</a:t>
+            </a:r>
+            <a:r>
+              <a:rPr lang="en-US" sz="2000" dirty="0"/>
+              <a:t> for a business B which will be user U’s predicted rating.</a:t>
+            </a:r>
+          </a:p>
+          <a:p>
+            <a:pPr marL="914400" lvl="1" indent="-457200">
+              <a:buFont typeface="+mj-lt"/>
+              <a:buAutoNum type="alphaLcParenR" startAt="5"/>
+            </a:pPr>
+            <a:r>
+              <a:rPr lang="en-US" sz="2000" dirty="0"/>
+              <a:t>Compare predicted rating </a:t>
+            </a:r>
+            <a:r>
+              <a:rPr lang="en-US" sz="2000" dirty="0" err="1"/>
+              <a:t>R</a:t>
+            </a:r>
+            <a:r>
+              <a:rPr lang="en-US" sz="2000" baseline="-25000" dirty="0" err="1"/>
+              <a:t>p</a:t>
+            </a:r>
+            <a:r>
+              <a:rPr lang="en-US" sz="2000" dirty="0"/>
+              <a:t> with actual rating R</a:t>
+            </a:r>
+            <a:r>
+              <a:rPr lang="en-US" sz="2000" baseline="-25000" dirty="0"/>
+              <a:t>a </a:t>
+            </a:r>
+            <a:r>
+              <a:rPr lang="en-US" sz="2000" dirty="0"/>
+              <a:t>of user U. </a:t>
+            </a:r>
+          </a:p>
+          <a:p>
+            <a:pPr marL="0" indent="0">
+              <a:buNone/>
+            </a:pPr>
+            <a:endParaRPr lang="en-US" sz="2400" dirty="0"/>
+          </a:p>
+          <a:p>
+            <a:pPr marL="0" indent="0" algn="ctr">
+              <a:buNone/>
+            </a:pPr>
+            <a:r>
+              <a:rPr lang="en-US" sz="2400" dirty="0"/>
+              <a:t>Iterate for every User – Business permutation</a:t>
             </a:r>
           </a:p>
         </p:txBody>
@@ -4147,7 +8281,7 @@
     </p:spTree>
     <p:extLst>
       <p:ext uri="{BB962C8B-B14F-4D97-AF65-F5344CB8AC3E}">
-        <p14:creationId xmlns:p14="http://schemas.microsoft.com/office/powerpoint/2010/main" val="441736303"/>
+        <p14:creationId xmlns:p14="http://schemas.microsoft.com/office/powerpoint/2010/main" val="2765679572"/>
       </p:ext>
     </p:extLst>
   </p:cSld>
